--- a/TacitProgramming.pptx
+++ b/TacitProgramming.pptx
@@ -9,19 +9,19 @@
   </p:notesMasterIdLst>
   <p:sldIdLst>
     <p:sldId id="256" r:id="rId2"/>
-    <p:sldId id="257" r:id="rId3"/>
-    <p:sldId id="261" r:id="rId4"/>
-    <p:sldId id="262" r:id="rId5"/>
-    <p:sldId id="258" r:id="rId6"/>
-    <p:sldId id="265" r:id="rId7"/>
-    <p:sldId id="264" r:id="rId8"/>
-    <p:sldId id="267" r:id="rId9"/>
-    <p:sldId id="260" r:id="rId10"/>
-    <p:sldId id="259" r:id="rId11"/>
-    <p:sldId id="270" r:id="rId12"/>
-    <p:sldId id="272" r:id="rId13"/>
-    <p:sldId id="263" r:id="rId14"/>
-    <p:sldId id="266" r:id="rId15"/>
+    <p:sldId id="280" r:id="rId3"/>
+    <p:sldId id="257" r:id="rId4"/>
+    <p:sldId id="281" r:id="rId5"/>
+    <p:sldId id="278" r:id="rId6"/>
+    <p:sldId id="279" r:id="rId7"/>
+    <p:sldId id="258" r:id="rId8"/>
+    <p:sldId id="265" r:id="rId9"/>
+    <p:sldId id="264" r:id="rId10"/>
+    <p:sldId id="260" r:id="rId11"/>
+    <p:sldId id="259" r:id="rId12"/>
+    <p:sldId id="270" r:id="rId13"/>
+    <p:sldId id="272" r:id="rId14"/>
+    <p:sldId id="263" r:id="rId15"/>
     <p:sldId id="268" r:id="rId16"/>
     <p:sldId id="269" r:id="rId17"/>
     <p:sldId id="273" r:id="rId18"/>
@@ -217,7 +217,7 @@
           <a:p>
             <a:fld id="{7AC69CEB-8FCF-4C0A-A6EE-FAC01C67231E}" type="datetimeFigureOut">
               <a:rPr lang="en-US" smtClean="0"/>
-              <a:t>6/2/2024</a:t>
+              <a:t>6/7/2024</a:t>
             </a:fld>
             <a:endParaRPr lang="en-US"/>
           </a:p>
@@ -529,34 +529,55 @@
           <a:bodyPr/>
           <a:lstStyle/>
           <a:p>
-            <a:pPr marL="0" marR="0" lvl="0" indent="0" algn="l" defTabSz="914400" rtl="0" eaLnBrk="1" fontAlgn="auto" latinLnBrk="0" hangingPunct="1">
-              <a:lnSpc>
-                <a:spcPct val="100000"/>
-              </a:lnSpc>
-              <a:spcBef>
-                <a:spcPts val="0"/>
-              </a:spcBef>
-              <a:spcAft>
-                <a:spcPts val="0"/>
-              </a:spcAft>
-              <a:buClrTx/>
-              <a:buSzTx/>
-              <a:buFontTx/>
-              <a:buNone/>
-              <a:tabLst/>
-              <a:defRPr/>
-            </a:pPr>
-            <a:r>
-              <a:rPr lang="en-US" dirty="0" err="1"/>
-              <a:t>Hlavn</a:t>
-            </a:r>
-            <a:r>
-              <a:rPr lang="cs-CZ" dirty="0" err="1"/>
-              <a:t>ím</a:t>
-            </a:r>
-            <a:r>
-              <a:rPr lang="cs-CZ" dirty="0"/>
-              <a:t> cílem je manipulovat pouze s funkcemi místo parametry, jelikož pojmenování jakýchkoliv hodnot ve softwarovém vývoji je náročné zatímco pojmenování funkce může být v mnoho kontextech jednodušší.</a:t>
+            <a:r>
+              <a:rPr lang="en-US" dirty="0"/>
+              <a:t> Tacit programming t</a:t>
+            </a:r>
+            <a:r>
+              <a:rPr lang="cs-CZ" dirty="0" err="1"/>
+              <a:t>éž</a:t>
+            </a:r>
+            <a:r>
+              <a:rPr lang="cs-CZ" dirty="0"/>
+              <a:t> takzvaně point</a:t>
+            </a:r>
+            <a:r>
+              <a:rPr lang="en-US" dirty="0"/>
+              <a:t>-free, proto</a:t>
+            </a:r>
+            <a:r>
+              <a:rPr lang="cs-CZ" dirty="0"/>
+              <a:t>že argumentům funkce se přezdívá </a:t>
+            </a:r>
+            <a:r>
+              <a:rPr lang="cs-CZ" dirty="0" err="1"/>
+              <a:t>points</a:t>
+            </a:r>
+            <a:r>
+              <a:rPr lang="cs-CZ" dirty="0"/>
+              <a:t>, implicitně pracuje se svými argumenty.</a:t>
+            </a:r>
+            <a:br>
+              <a:rPr lang="cs-CZ" dirty="0"/>
+            </a:br>
+            <a:r>
+              <a:rPr lang="cs-CZ" dirty="0"/>
+              <a:t>Zde je příklad výpočet rozptylu.</a:t>
+            </a:r>
+            <a:br>
+              <a:rPr lang="cs-CZ" dirty="0"/>
+            </a:br>
+            <a:r>
+              <a:rPr lang="cs-CZ" dirty="0"/>
+              <a:t>Obyčejná imperativní funkce a zde je tzv. </a:t>
+            </a:r>
+            <a:r>
+              <a:rPr lang="cs-CZ" dirty="0" err="1"/>
+              <a:t>pipování</a:t>
+            </a:r>
+            <a:r>
+              <a:rPr lang="cs-CZ" dirty="0"/>
+              <a:t>.</a:t>
             </a:r>
             <a:endParaRPr lang="en-US" dirty="0"/>
           </a:p>
@@ -579,7 +600,7 @@
           <a:p>
             <a:fld id="{34A2E728-BA53-41A9-9D73-864C5C9A39D2}" type="slidenum">
               <a:rPr lang="en-US" smtClean="0"/>
-              <a:t>4</a:t>
+              <a:t>3</a:t>
             </a:fld>
             <a:endParaRPr lang="en-US"/>
           </a:p>
@@ -588,7 +609,7 @@
     </p:spTree>
     <p:extLst>
       <p:ext uri="{BB962C8B-B14F-4D97-AF65-F5344CB8AC3E}">
-        <p14:creationId xmlns:p14="http://schemas.microsoft.com/office/powerpoint/2010/main" val="4232885795"/>
+        <p14:creationId xmlns:p14="http://schemas.microsoft.com/office/powerpoint/2010/main" val="101912950"/>
       </p:ext>
     </p:extLst>
   </p:cSld>
@@ -643,32 +664,44 @@
           <a:lstStyle/>
           <a:p>
             <a:r>
-              <a:rPr lang="cs-CZ" dirty="0"/>
-              <a:t>Bez testů nevznikne žádný spolehlivý </a:t>
-            </a:r>
-            <a:r>
-              <a:rPr lang="cs-CZ" dirty="0" err="1"/>
-              <a:t>parser</a:t>
-            </a:r>
-            <a:r>
-              <a:rPr lang="cs-CZ" dirty="0"/>
-              <a:t>, protože implementace může být velmi volatilní. Stačí třeba aby někde funkce očekávala </a:t>
-            </a:r>
-            <a:r>
-              <a:rPr lang="cs-CZ" dirty="0" err="1"/>
-              <a:t>whitespace</a:t>
-            </a:r>
-            <a:r>
-              <a:rPr lang="cs-CZ" dirty="0"/>
-              <a:t> a najednou nějaká jiná funkce přestane fungovat. Tím testy tvoří záruku, že daný </a:t>
-            </a:r>
-            <a:r>
-              <a:rPr lang="cs-CZ" dirty="0" err="1"/>
-              <a:t>parser</a:t>
-            </a:r>
-            <a:r>
-              <a:rPr lang="cs-CZ" dirty="0"/>
-              <a:t> bude fungovat.</a:t>
+              <a:rPr lang="en-US" dirty="0"/>
+              <a:t>V </a:t>
+            </a:r>
+            <a:r>
+              <a:rPr lang="en-US" dirty="0" err="1"/>
+              <a:t>Haskelyzeru</a:t>
+            </a:r>
+            <a:r>
+              <a:rPr lang="en-US" dirty="0"/>
+              <a:t> AST je list </a:t>
+            </a:r>
+            <a:r>
+              <a:rPr lang="en-US" dirty="0" err="1"/>
+              <a:t>datov</a:t>
+            </a:r>
+            <a:r>
+              <a:rPr lang="cs-CZ" dirty="0" err="1"/>
+              <a:t>ýho</a:t>
+            </a:r>
+            <a:r>
+              <a:rPr lang="cs-CZ" dirty="0"/>
+              <a:t> typu </a:t>
+            </a:r>
+            <a:r>
+              <a:rPr lang="cs-CZ" dirty="0" err="1"/>
+              <a:t>Expr</a:t>
+            </a:r>
+            <a:r>
+              <a:rPr lang="cs-CZ" dirty="0"/>
+              <a:t>. Zde  jsou vidět z čeho se </a:t>
+            </a:r>
+            <a:r>
+              <a:rPr lang="cs-CZ" dirty="0" err="1"/>
+              <a:t>expression</a:t>
+            </a:r>
+            <a:r>
+              <a:rPr lang="cs-CZ" dirty="0"/>
+              <a:t> může skládat. Nejzajímavější je zde tenhle červeně zakroužkovaný. </a:t>
             </a:r>
             <a:endParaRPr lang="en-US" dirty="0"/>
           </a:p>
@@ -691,7 +724,7 @@
           <a:p>
             <a:fld id="{34A2E728-BA53-41A9-9D73-864C5C9A39D2}" type="slidenum">
               <a:rPr lang="en-US" smtClean="0"/>
-              <a:t>13</a:t>
+              <a:t>12</a:t>
             </a:fld>
             <a:endParaRPr lang="en-US"/>
           </a:p>
@@ -700,7 +733,7 @@
     </p:spTree>
     <p:extLst>
       <p:ext uri="{BB962C8B-B14F-4D97-AF65-F5344CB8AC3E}">
-        <p14:creationId xmlns:p14="http://schemas.microsoft.com/office/powerpoint/2010/main" val="3066000145"/>
+        <p14:creationId xmlns:p14="http://schemas.microsoft.com/office/powerpoint/2010/main" val="2755628041"/>
       </p:ext>
     </p:extLst>
   </p:cSld>
@@ -755,70 +788,44 @@
           <a:lstStyle/>
           <a:p>
             <a:r>
+              <a:rPr lang="en-US" dirty="0"/>
+              <a:t>V </a:t>
+            </a:r>
+            <a:r>
               <a:rPr lang="en-US" dirty="0" err="1"/>
-              <a:t>Jedn</a:t>
-            </a:r>
-            <a:r>
-              <a:rPr lang="cs-CZ" dirty="0"/>
-              <a:t>á se o </a:t>
-            </a:r>
-            <a:r>
-              <a:rPr lang="cs-CZ" dirty="0" err="1"/>
-              <a:t>frontend</a:t>
-            </a:r>
-            <a:r>
-              <a:rPr lang="cs-CZ" dirty="0"/>
-              <a:t> kompilátorů, kde z jazyka převedete svůj abstraktní syntaktický strom do </a:t>
-            </a:r>
-            <a:r>
-              <a:rPr lang="cs-CZ" dirty="0" err="1"/>
-              <a:t>intermediate</a:t>
+              <a:t>Haskelyzeru</a:t>
             </a:r>
             <a:r>
               <a:rPr lang="en-US" dirty="0"/>
-              <a:t> </a:t>
+              <a:t> AST je list </a:t>
             </a:r>
             <a:r>
               <a:rPr lang="en-US" dirty="0" err="1"/>
-              <a:t>reprezentace</a:t>
-            </a:r>
-            <a:r>
-              <a:rPr lang="en-US" dirty="0"/>
-              <a:t>, k</a:t>
-            </a:r>
-            <a:r>
-              <a:rPr lang="cs-CZ" dirty="0"/>
-              <a:t>de vzhledově to vypadá jako mix mezi </a:t>
-            </a:r>
-            <a:r>
-              <a:rPr lang="cs-CZ" dirty="0" err="1"/>
-              <a:t>assembly</a:t>
-            </a:r>
-            <a:r>
-              <a:rPr lang="cs-CZ" dirty="0"/>
-              <a:t> a céčkem.</a:t>
-            </a:r>
-          </a:p>
-          <a:p>
-            <a:r>
-              <a:rPr lang="cs-CZ" dirty="0"/>
-              <a:t>Není vhodné na DSL, protože byste museli vytvořit nějak </a:t>
-            </a:r>
-            <a:r>
-              <a:rPr lang="cs-CZ" dirty="0" err="1"/>
-              <a:t>bindings</a:t>
-            </a:r>
-            <a:r>
-              <a:rPr lang="cs-CZ" dirty="0"/>
-              <a:t> mezi vygenerovaným </a:t>
-            </a:r>
-            <a:r>
-              <a:rPr lang="cs-CZ" dirty="0" err="1"/>
-              <a:t>llvm</a:t>
-            </a:r>
-            <a:r>
-              <a:rPr lang="cs-CZ" dirty="0"/>
-              <a:t> IR kódem původního jazyka a DSL. </a:t>
+              <a:t>datov</a:t>
+            </a:r>
+            <a:r>
+              <a:rPr lang="cs-CZ" dirty="0" err="1"/>
+              <a:t>ýho</a:t>
+            </a:r>
+            <a:r>
+              <a:rPr lang="cs-CZ" dirty="0"/>
+              <a:t> typu </a:t>
+            </a:r>
+            <a:r>
+              <a:rPr lang="cs-CZ" dirty="0" err="1"/>
+              <a:t>Expr</a:t>
+            </a:r>
+            <a:r>
+              <a:rPr lang="cs-CZ" dirty="0"/>
+              <a:t>. Zde jsou vidět z čeho se naše </a:t>
+            </a:r>
+            <a:r>
+              <a:rPr lang="cs-CZ" dirty="0" err="1"/>
+              <a:t>konkurentní</a:t>
+            </a:r>
+            <a:r>
+              <a:rPr lang="cs-CZ" dirty="0"/>
+              <a:t> funkce skládá.</a:t>
             </a:r>
             <a:endParaRPr lang="en-US" dirty="0"/>
           </a:p>
@@ -841,7 +848,7 @@
           <a:p>
             <a:fld id="{34A2E728-BA53-41A9-9D73-864C5C9A39D2}" type="slidenum">
               <a:rPr lang="en-US" smtClean="0"/>
-              <a:t>14</a:t>
+              <a:t>13</a:t>
             </a:fld>
             <a:endParaRPr lang="en-US"/>
           </a:p>
@@ -850,7 +857,7 @@
     </p:spTree>
     <p:extLst>
       <p:ext uri="{BB962C8B-B14F-4D97-AF65-F5344CB8AC3E}">
-        <p14:creationId xmlns:p14="http://schemas.microsoft.com/office/powerpoint/2010/main" val="230974445"/>
+        <p14:creationId xmlns:p14="http://schemas.microsoft.com/office/powerpoint/2010/main" val="4150160995"/>
       </p:ext>
     </p:extLst>
   </p:cSld>
@@ -904,6 +911,34 @@
           <a:bodyPr/>
           <a:lstStyle/>
           <a:p>
+            <a:r>
+              <a:rPr lang="cs-CZ" dirty="0"/>
+              <a:t>Bez testů nevznikne žádný spolehlivý </a:t>
+            </a:r>
+            <a:r>
+              <a:rPr lang="cs-CZ" dirty="0" err="1"/>
+              <a:t>parser</a:t>
+            </a:r>
+            <a:r>
+              <a:rPr lang="cs-CZ" dirty="0"/>
+              <a:t>, protože implementace může být velmi volatilní. Stačí třeba aby někde funkce očekávala </a:t>
+            </a:r>
+            <a:r>
+              <a:rPr lang="cs-CZ" dirty="0" err="1"/>
+              <a:t>whitespace</a:t>
+            </a:r>
+            <a:r>
+              <a:rPr lang="cs-CZ" dirty="0"/>
+              <a:t> a najednou nějaká jiná funkce přestane fungovat. Tím testy tvoří záruku, že daný </a:t>
+            </a:r>
+            <a:r>
+              <a:rPr lang="cs-CZ" dirty="0" err="1"/>
+              <a:t>parser</a:t>
+            </a:r>
+            <a:r>
+              <a:rPr lang="cs-CZ" dirty="0"/>
+              <a:t> bude fungovat.</a:t>
+            </a:r>
             <a:endParaRPr lang="en-US" dirty="0"/>
           </a:p>
         </p:txBody>
@@ -925,7 +960,7 @@
           <a:p>
             <a:fld id="{34A2E728-BA53-41A9-9D73-864C5C9A39D2}" type="slidenum">
               <a:rPr lang="en-US" smtClean="0"/>
-              <a:t>15</a:t>
+              <a:t>14</a:t>
             </a:fld>
             <a:endParaRPr lang="en-US"/>
           </a:p>
@@ -934,7 +969,7 @@
     </p:spTree>
     <p:extLst>
       <p:ext uri="{BB962C8B-B14F-4D97-AF65-F5344CB8AC3E}">
-        <p14:creationId xmlns:p14="http://schemas.microsoft.com/office/powerpoint/2010/main" val="2962217520"/>
+        <p14:creationId xmlns:p14="http://schemas.microsoft.com/office/powerpoint/2010/main" val="3066000145"/>
       </p:ext>
     </p:extLst>
   </p:cSld>
@@ -988,50 +1023,6 @@
           <a:bodyPr/>
           <a:lstStyle/>
           <a:p>
-            <a:r>
-              <a:rPr lang="cs-CZ" dirty="0"/>
-              <a:t>Kdysi jsem napsal vlastní 3D </a:t>
-            </a:r>
-            <a:r>
-              <a:rPr lang="cs-CZ" dirty="0" err="1"/>
-              <a:t>wavefront</a:t>
-            </a:r>
-            <a:r>
-              <a:rPr lang="cs-CZ" dirty="0"/>
-              <a:t> </a:t>
-            </a:r>
-            <a:r>
-              <a:rPr lang="cs-CZ" dirty="0" err="1"/>
-              <a:t>renderer</a:t>
-            </a:r>
-            <a:r>
-              <a:rPr lang="cs-CZ" dirty="0"/>
-              <a:t> a napadlo mě, že pokud máte velmi detailní modely, tak zpracování a </a:t>
-            </a:r>
-            <a:r>
-              <a:rPr lang="cs-CZ" dirty="0" err="1"/>
-              <a:t>parsování</a:t>
-            </a:r>
-            <a:r>
-              <a:rPr lang="cs-CZ" dirty="0"/>
-              <a:t> souborů </a:t>
-            </a:r>
-            <a:r>
-              <a:rPr lang="cs-CZ" dirty="0" err="1"/>
-              <a:t>obshající</a:t>
-            </a:r>
-            <a:r>
-              <a:rPr lang="cs-CZ" dirty="0"/>
-              <a:t> model může být časově složité. Napadlo mě, že ta časová náročnost může být zkrácená pokud </a:t>
-            </a:r>
-            <a:r>
-              <a:rPr lang="cs-CZ" dirty="0" err="1"/>
-              <a:t>parsovýní</a:t>
-            </a:r>
-            <a:r>
-              <a:rPr lang="cs-CZ" dirty="0"/>
-              <a:t> poběží na různých jádrech. Škálování a obecné transformace nejsou časově náročné, protože se jedná o úpravu matice, ale zde to má být pouze ukázka.</a:t>
-            </a:r>
             <a:endParaRPr lang="en-US" dirty="0"/>
           </a:p>
         </p:txBody>
@@ -1053,7 +1044,7 @@
           <a:p>
             <a:fld id="{34A2E728-BA53-41A9-9D73-864C5C9A39D2}" type="slidenum">
               <a:rPr lang="en-US" smtClean="0"/>
-              <a:t>16</a:t>
+              <a:t>15</a:t>
             </a:fld>
             <a:endParaRPr lang="en-US"/>
           </a:p>
@@ -1062,7 +1053,7 @@
     </p:spTree>
     <p:extLst>
       <p:ext uri="{BB962C8B-B14F-4D97-AF65-F5344CB8AC3E}">
-        <p14:creationId xmlns:p14="http://schemas.microsoft.com/office/powerpoint/2010/main" val="1898115332"/>
+        <p14:creationId xmlns:p14="http://schemas.microsoft.com/office/powerpoint/2010/main" val="2962217520"/>
       </p:ext>
     </p:extLst>
   </p:cSld>
@@ -1118,6 +1109,218 @@
           <a:p>
             <a:r>
               <a:rPr lang="cs-CZ" dirty="0"/>
+              <a:t>Kdysi jsem napsal vlastní 3D </a:t>
+            </a:r>
+            <a:r>
+              <a:rPr lang="cs-CZ" dirty="0" err="1"/>
+              <a:t>wavefront</a:t>
+            </a:r>
+            <a:r>
+              <a:rPr lang="cs-CZ" dirty="0"/>
+              <a:t> </a:t>
+            </a:r>
+            <a:r>
+              <a:rPr lang="cs-CZ" dirty="0" err="1"/>
+              <a:t>renderer</a:t>
+            </a:r>
+            <a:r>
+              <a:rPr lang="cs-CZ" dirty="0"/>
+              <a:t> a napadlo mě, že pokud máte velmi detailní modely, tak zpracování a </a:t>
+            </a:r>
+            <a:r>
+              <a:rPr lang="cs-CZ" dirty="0" err="1"/>
+              <a:t>parsování</a:t>
+            </a:r>
+            <a:r>
+              <a:rPr lang="cs-CZ" dirty="0"/>
+              <a:t> souborů </a:t>
+            </a:r>
+            <a:r>
+              <a:rPr lang="cs-CZ" dirty="0" err="1"/>
+              <a:t>obshající</a:t>
+            </a:r>
+            <a:r>
+              <a:rPr lang="cs-CZ" dirty="0"/>
+              <a:t> model může být časově složité. Napadlo mě, že ta časová náročnost může být zkrácená pokud </a:t>
+            </a:r>
+            <a:r>
+              <a:rPr lang="cs-CZ" dirty="0" err="1"/>
+              <a:t>parsovýní</a:t>
+            </a:r>
+            <a:r>
+              <a:rPr lang="cs-CZ" dirty="0"/>
+              <a:t> poběží na různých jádrech. Škálování a obecné transformace nejsou časově náročné, protože se jedná o úpravu matice, ale zde to má být pouze ukázka.</a:t>
+            </a:r>
+            <a:endParaRPr lang="en-US" dirty="0"/>
+          </a:p>
+        </p:txBody>
+      </p:sp>
+      <p:sp>
+        <p:nvSpPr>
+          <p:cNvPr id="4" name="Zástupný symbol pro číslo snímku 3"/>
+          <p:cNvSpPr>
+            <a:spLocks noGrp="1"/>
+          </p:cNvSpPr>
+          <p:nvPr>
+            <p:ph type="sldNum" sz="quarter" idx="5"/>
+          </p:nvPr>
+        </p:nvSpPr>
+        <p:spPr/>
+        <p:txBody>
+          <a:bodyPr/>
+          <a:lstStyle/>
+          <a:p>
+            <a:fld id="{34A2E728-BA53-41A9-9D73-864C5C9A39D2}" type="slidenum">
+              <a:rPr lang="en-US" smtClean="0"/>
+              <a:t>16</a:t>
+            </a:fld>
+            <a:endParaRPr lang="en-US"/>
+          </a:p>
+        </p:txBody>
+      </p:sp>
+    </p:spTree>
+    <p:extLst>
+      <p:ext uri="{BB962C8B-B14F-4D97-AF65-F5344CB8AC3E}">
+        <p14:creationId xmlns:p14="http://schemas.microsoft.com/office/powerpoint/2010/main" val="1898115332"/>
+      </p:ext>
+    </p:extLst>
+  </p:cSld>
+  <p:clrMapOvr>
+    <a:masterClrMapping/>
+  </p:clrMapOvr>
+</p:notes>
+</file>
+
+<file path=ppt/notesSlides/notesSlide15.xml><?xml version="1.0" encoding="utf-8"?>
+<p:notes xmlns:a="http://schemas.openxmlformats.org/drawingml/2006/main" xmlns:r="http://schemas.openxmlformats.org/officeDocument/2006/relationships" xmlns:p="http://schemas.openxmlformats.org/presentationml/2006/main">
+  <p:cSld>
+    <p:spTree>
+      <p:nvGrpSpPr>
+        <p:cNvPr id="1" name=""/>
+        <p:cNvGrpSpPr/>
+        <p:nvPr/>
+      </p:nvGrpSpPr>
+      <p:grpSpPr>
+        <a:xfrm>
+          <a:off x="0" y="0"/>
+          <a:ext cx="0" cy="0"/>
+          <a:chOff x="0" y="0"/>
+          <a:chExt cx="0" cy="0"/>
+        </a:xfrm>
+      </p:grpSpPr>
+      <p:sp>
+        <p:nvSpPr>
+          <p:cNvPr id="2" name="Zástupný symbol pro obrázek snímku 1"/>
+          <p:cNvSpPr>
+            <a:spLocks noGrp="1" noRot="1" noChangeAspect="1"/>
+          </p:cNvSpPr>
+          <p:nvPr>
+            <p:ph type="sldImg"/>
+          </p:nvPr>
+        </p:nvSpPr>
+        <p:spPr/>
+      </p:sp>
+      <p:sp>
+        <p:nvSpPr>
+          <p:cNvPr id="3" name="Zástupný symbol pro poznámky 2"/>
+          <p:cNvSpPr>
+            <a:spLocks noGrp="1"/>
+          </p:cNvSpPr>
+          <p:nvPr>
+            <p:ph type="body" idx="1"/>
+          </p:nvPr>
+        </p:nvSpPr>
+        <p:spPr/>
+        <p:txBody>
+          <a:bodyPr/>
+          <a:lstStyle/>
+          <a:p>
+            <a:endParaRPr lang="en-US" dirty="0"/>
+          </a:p>
+        </p:txBody>
+      </p:sp>
+      <p:sp>
+        <p:nvSpPr>
+          <p:cNvPr id="4" name="Zástupný symbol pro číslo snímku 3"/>
+          <p:cNvSpPr>
+            <a:spLocks noGrp="1"/>
+          </p:cNvSpPr>
+          <p:nvPr>
+            <p:ph type="sldNum" sz="quarter" idx="5"/>
+          </p:nvPr>
+        </p:nvSpPr>
+        <p:spPr/>
+        <p:txBody>
+          <a:bodyPr/>
+          <a:lstStyle/>
+          <a:p>
+            <a:fld id="{34A2E728-BA53-41A9-9D73-864C5C9A39D2}" type="slidenum">
+              <a:rPr lang="en-US" smtClean="0"/>
+              <a:t>17</a:t>
+            </a:fld>
+            <a:endParaRPr lang="en-US"/>
+          </a:p>
+        </p:txBody>
+      </p:sp>
+    </p:spTree>
+    <p:extLst>
+      <p:ext uri="{BB962C8B-B14F-4D97-AF65-F5344CB8AC3E}">
+        <p14:creationId xmlns:p14="http://schemas.microsoft.com/office/powerpoint/2010/main" val="367948929"/>
+      </p:ext>
+    </p:extLst>
+  </p:cSld>
+  <p:clrMapOvr>
+    <a:masterClrMapping/>
+  </p:clrMapOvr>
+</p:notes>
+</file>
+
+<file path=ppt/notesSlides/notesSlide16.xml><?xml version="1.0" encoding="utf-8"?>
+<p:notes xmlns:a="http://schemas.openxmlformats.org/drawingml/2006/main" xmlns:r="http://schemas.openxmlformats.org/officeDocument/2006/relationships" xmlns:p="http://schemas.openxmlformats.org/presentationml/2006/main">
+  <p:cSld>
+    <p:spTree>
+      <p:nvGrpSpPr>
+        <p:cNvPr id="1" name=""/>
+        <p:cNvGrpSpPr/>
+        <p:nvPr/>
+      </p:nvGrpSpPr>
+      <p:grpSpPr>
+        <a:xfrm>
+          <a:off x="0" y="0"/>
+          <a:ext cx="0" cy="0"/>
+          <a:chOff x="0" y="0"/>
+          <a:chExt cx="0" cy="0"/>
+        </a:xfrm>
+      </p:grpSpPr>
+      <p:sp>
+        <p:nvSpPr>
+          <p:cNvPr id="2" name="Zástupný symbol pro obrázek snímku 1"/>
+          <p:cNvSpPr>
+            <a:spLocks noGrp="1" noRot="1" noChangeAspect="1"/>
+          </p:cNvSpPr>
+          <p:nvPr>
+            <p:ph type="sldImg"/>
+          </p:nvPr>
+        </p:nvSpPr>
+        <p:spPr/>
+      </p:sp>
+      <p:sp>
+        <p:nvSpPr>
+          <p:cNvPr id="3" name="Zástupný symbol pro poznámky 2"/>
+          <p:cNvSpPr>
+            <a:spLocks noGrp="1"/>
+          </p:cNvSpPr>
+          <p:nvPr>
+            <p:ph type="body" idx="1"/>
+          </p:nvPr>
+        </p:nvSpPr>
+        <p:spPr/>
+        <p:txBody>
+          <a:bodyPr/>
+          <a:lstStyle/>
+          <a:p>
+            <a:r>
+              <a:rPr lang="cs-CZ" dirty="0"/>
               <a:t>Našel jsem nějaký náhodný </a:t>
             </a:r>
             <a:r>
@@ -1200,7 +1403,7 @@
 </p:notes>
 </file>
 
-<file path=ppt/notesSlides/notesSlide15.xml><?xml version="1.0" encoding="utf-8"?>
+<file path=ppt/notesSlides/notesSlide17.xml><?xml version="1.0" encoding="utf-8"?>
 <p:notes xmlns:a="http://schemas.openxmlformats.org/drawingml/2006/main" xmlns:r="http://schemas.openxmlformats.org/officeDocument/2006/relationships" xmlns:p="http://schemas.openxmlformats.org/presentationml/2006/main">
   <p:cSld>
     <p:spTree>
@@ -1333,86 +1536,25 @@
           <a:lstStyle/>
           <a:p>
             <a:r>
-              <a:rPr lang="cs-CZ" dirty="0" err="1"/>
-              <a:t>Fowler</a:t>
-            </a:r>
-            <a:r>
-              <a:rPr lang="cs-CZ" dirty="0"/>
-              <a:t> ve své knize </a:t>
-            </a:r>
-            <a:r>
-              <a:rPr lang="cs-CZ" dirty="0" err="1"/>
-              <a:t>Domain</a:t>
-            </a:r>
-            <a:r>
-              <a:rPr lang="cs-CZ" dirty="0"/>
-              <a:t> </a:t>
-            </a:r>
-            <a:r>
-              <a:rPr lang="cs-CZ" dirty="0" err="1"/>
-              <a:t>specific</a:t>
-            </a:r>
-            <a:r>
-              <a:rPr lang="cs-CZ" dirty="0"/>
-              <a:t> </a:t>
-            </a:r>
-            <a:r>
-              <a:rPr lang="cs-CZ" dirty="0" err="1"/>
-              <a:t>languages</a:t>
-            </a:r>
-            <a:r>
-              <a:rPr lang="cs-CZ" dirty="0"/>
-              <a:t> se zmiňoval ohledně Ghetto </a:t>
-            </a:r>
-            <a:r>
-              <a:rPr lang="cs-CZ" dirty="0" err="1"/>
-              <a:t>language</a:t>
-            </a:r>
-            <a:r>
-              <a:rPr lang="cs-CZ" dirty="0"/>
-              <a:t>, je to prakticky jazyk, který je </a:t>
-            </a:r>
-            <a:r>
-              <a:rPr lang="cs-CZ" dirty="0" err="1"/>
-              <a:t>turingovsky</a:t>
-            </a:r>
-            <a:r>
-              <a:rPr lang="cs-CZ" dirty="0"/>
-              <a:t> kompletní podobně jako céčko, ale má nebo nemá velmi kvalitní kompilátor. Pokud člověk navrhuje DSL, měl by být opravdu pouze navrženy pro řešení problému v té dané doméně. Vždy se najdou nějaké </a:t>
-            </a:r>
-            <a:r>
-              <a:rPr lang="cs-CZ" dirty="0" err="1"/>
-              <a:t>vyjímky</a:t>
-            </a:r>
-            <a:r>
-              <a:rPr lang="cs-CZ" dirty="0"/>
-              <a:t>, co DSL nedokáže vyřešit, proto by se měl využít</a:t>
-            </a:r>
-            <a:r>
-              <a:rPr lang="en-US" dirty="0"/>
-              <a:t> </a:t>
-            </a:r>
-            <a:r>
-              <a:rPr lang="en-US" dirty="0" err="1"/>
-              <a:t>na</a:t>
-            </a:r>
-            <a:r>
-              <a:rPr lang="cs-CZ" dirty="0"/>
-              <a:t> ten </a:t>
-            </a:r>
-            <a:r>
-              <a:rPr lang="en-US" dirty="0" err="1"/>
-              <a:t>probl</a:t>
-            </a:r>
-            <a:r>
-              <a:rPr lang="cs-CZ" dirty="0" err="1"/>
-              <a:t>ém</a:t>
-            </a:r>
-            <a:r>
-              <a:rPr lang="cs-CZ" dirty="0"/>
-              <a:t> jazyk, co to DSL využívá.</a:t>
-            </a:r>
-            <a:endParaRPr lang="en-US" dirty="0"/>
+              <a:rPr lang="cs-CZ" dirty="0"/>
+              <a:t>Co je </a:t>
+            </a:r>
+            <a:r>
+              <a:rPr lang="cs-CZ" dirty="0" err="1"/>
+              <a:t>currying</a:t>
+            </a:r>
+            <a:r>
+              <a:rPr lang="cs-CZ" dirty="0"/>
+              <a:t>? </a:t>
+            </a:r>
+            <a:r>
+              <a:rPr lang="cs-CZ" dirty="0" err="1"/>
+              <a:t>Currying</a:t>
+            </a:r>
+            <a:r>
+              <a:rPr lang="cs-CZ" dirty="0"/>
+              <a:t> převádí funkci, která přejímá argumenty a vrací sekvenci postupných funkcí, která přejímá argumenty.</a:t>
+            </a:r>
           </a:p>
         </p:txBody>
       </p:sp>
@@ -1433,7 +1575,7 @@
           <a:p>
             <a:fld id="{34A2E728-BA53-41A9-9D73-864C5C9A39D2}" type="slidenum">
               <a:rPr lang="en-US" smtClean="0"/>
-              <a:t>5</a:t>
+              <a:t>4</a:t>
             </a:fld>
             <a:endParaRPr lang="en-US"/>
           </a:p>
@@ -1442,7 +1584,7 @@
     </p:spTree>
     <p:extLst>
       <p:ext uri="{BB962C8B-B14F-4D97-AF65-F5344CB8AC3E}">
-        <p14:creationId xmlns:p14="http://schemas.microsoft.com/office/powerpoint/2010/main" val="1764945812"/>
+        <p14:creationId xmlns:p14="http://schemas.microsoft.com/office/powerpoint/2010/main" val="3967303037"/>
       </p:ext>
     </p:extLst>
   </p:cSld>
@@ -1497,48 +1639,33 @@
           <a:lstStyle/>
           <a:p>
             <a:r>
-              <a:rPr lang="cs-CZ" dirty="0" err="1"/>
-              <a:t>Haskell</a:t>
-            </a:r>
-            <a:r>
-              <a:rPr lang="cs-CZ" dirty="0"/>
-              <a:t>, jak jistě víte, je funkcionální jazyk, který omezuje mutace v paměti. Tím vznikají programy, které jsou z větší části deterministické, říkám z větší části, protože se vedlejším efektům programu nevyhnete, ale můžete vedlejší efekty vždy minimalizovat.</a:t>
-            </a:r>
-          </a:p>
-          <a:p>
-            <a:r>
-              <a:rPr lang="cs-CZ" dirty="0"/>
-              <a:t>Díky těmto podmínkám máte skvělý jazyk na konkurenci a paralelismus.</a:t>
-            </a:r>
-          </a:p>
-          <a:p>
-            <a:r>
-              <a:rPr lang="cs-CZ" dirty="0"/>
-              <a:t>V další části se dostaneme k </a:t>
-            </a:r>
-            <a:r>
-              <a:rPr lang="cs-CZ" dirty="0" err="1"/>
-              <a:t>parserům</a:t>
-            </a:r>
-            <a:r>
-              <a:rPr lang="cs-CZ" dirty="0"/>
-              <a:t> a tam zmíním monadický </a:t>
-            </a:r>
-            <a:r>
-              <a:rPr lang="cs-CZ" dirty="0" err="1"/>
-              <a:t>parsery</a:t>
-            </a:r>
-            <a:r>
-              <a:rPr lang="cs-CZ" dirty="0"/>
-              <a:t>.</a:t>
-            </a:r>
-          </a:p>
-          <a:p>
-            <a:r>
-              <a:rPr lang="cs-CZ"/>
-              <a:t>Párkrát jsem potřeboval udělat program, který by běžel na několik procesních jader naráz což nebyl problém, ale problémem bylo většinou nejasnost co jednotlivé vlákna dělají. </a:t>
-            </a:r>
-            <a:endParaRPr lang="en-US" dirty="0"/>
+              <a:rPr lang="en-US" dirty="0" err="1"/>
+              <a:t>Kompozice</a:t>
+            </a:r>
+            <a:r>
+              <a:rPr lang="en-US" dirty="0"/>
+              <a:t> je</a:t>
+            </a:r>
+            <a:r>
+              <a:rPr lang="cs-CZ" dirty="0"/>
+              <a:t> </a:t>
+            </a:r>
+            <a:r>
+              <a:rPr lang="en-US" dirty="0" err="1"/>
+              <a:t>stejn</a:t>
+            </a:r>
+            <a:r>
+              <a:rPr lang="cs-CZ" dirty="0"/>
+              <a:t>á záležitost jako v matematice, kombinace </a:t>
+            </a:r>
+            <a:r>
+              <a:rPr lang="cs-CZ" dirty="0" err="1"/>
+              <a:t>funkcé</a:t>
+            </a:r>
+            <a:r>
+              <a:rPr lang="cs-CZ" dirty="0"/>
+              <a:t>, například tyto dvě funkce jsou stejné.</a:t>
+            </a:r>
           </a:p>
         </p:txBody>
       </p:sp>
@@ -1559,7 +1686,7 @@
           <a:p>
             <a:fld id="{34A2E728-BA53-41A9-9D73-864C5C9A39D2}" type="slidenum">
               <a:rPr lang="en-US" smtClean="0"/>
-              <a:t>6</a:t>
+              <a:t>5</a:t>
             </a:fld>
             <a:endParaRPr lang="en-US"/>
           </a:p>
@@ -1568,7 +1695,7 @@
     </p:spTree>
     <p:extLst>
       <p:ext uri="{BB962C8B-B14F-4D97-AF65-F5344CB8AC3E}">
-        <p14:creationId xmlns:p14="http://schemas.microsoft.com/office/powerpoint/2010/main" val="3679538514"/>
+        <p14:creationId xmlns:p14="http://schemas.microsoft.com/office/powerpoint/2010/main" val="2969489836"/>
       </p:ext>
     </p:extLst>
   </p:cSld>
@@ -1623,99 +1750,75 @@
           <a:lstStyle/>
           <a:p>
             <a:r>
-              <a:rPr lang="cs-CZ" dirty="0"/>
-              <a:t>Toto DSL má tento problém vyřešit.</a:t>
-            </a:r>
-          </a:p>
-          <a:p>
-            <a:r>
               <a:rPr lang="en-US" dirty="0"/>
-              <a:t>P</a:t>
-            </a:r>
-            <a:r>
-              <a:rPr lang="cs-CZ" dirty="0" err="1"/>
-              <a:t>ůvodní</a:t>
-            </a:r>
-            <a:r>
-              <a:rPr lang="cs-CZ" dirty="0"/>
-              <a:t> návrh zahrnoval během kompilace zahrnout soubor example.csv a zároveň ověřit datové typy tohoto souboru. Zde jsou vidět jakési svislé čáry, které mají říkat, že data souboru </a:t>
-            </a:r>
-            <a:r>
-              <a:rPr lang="cs-CZ" dirty="0" err="1"/>
-              <a:t>csv</a:t>
-            </a:r>
-            <a:r>
-              <a:rPr lang="cs-CZ" dirty="0"/>
-              <a:t> mají se </a:t>
-            </a:r>
-            <a:r>
-              <a:rPr lang="cs-CZ" dirty="0" err="1"/>
-              <a:t>rozdovojit</a:t>
-            </a:r>
-            <a:r>
-              <a:rPr lang="cs-CZ" dirty="0"/>
-              <a:t> do různých vláken a mají se zpracovat </a:t>
-            </a:r>
-            <a:r>
-              <a:rPr lang="cs-CZ" dirty="0" err="1"/>
-              <a:t>konkurentně</a:t>
-            </a:r>
-            <a:r>
-              <a:rPr lang="cs-CZ" dirty="0"/>
-              <a:t>.</a:t>
-            </a:r>
-            <a:endParaRPr lang="en-US" dirty="0"/>
-          </a:p>
-          <a:p>
+              <a:t>Tacit je </a:t>
+            </a:r>
             <a:r>
               <a:rPr lang="en-US" dirty="0" err="1"/>
-              <a:t>Embedov</a:t>
-            </a:r>
-            <a:r>
-              <a:rPr lang="cs-CZ" dirty="0" err="1"/>
-              <a:t>ání</a:t>
-            </a:r>
-            <a:r>
-              <a:rPr lang="cs-CZ" dirty="0"/>
-              <a:t> dat není nejlepší nápad, protože to může zpomalit start programu, zároveň máte </a:t>
-            </a:r>
-            <a:r>
-              <a:rPr lang="cs-CZ" dirty="0" err="1"/>
-              <a:t>executable</a:t>
-            </a:r>
-            <a:r>
-              <a:rPr lang="cs-CZ" dirty="0"/>
-              <a:t>, který je závislý na velikosti těch dat a máte jeden jediný program, kde nemůžete měnit </a:t>
-            </a:r>
-            <a:r>
-              <a:rPr lang="cs-CZ" dirty="0" err="1"/>
-              <a:t>csv</a:t>
-            </a:r>
-            <a:r>
-              <a:rPr lang="cs-CZ" dirty="0"/>
-              <a:t> data. Takže to byl špatný nápad. </a:t>
-            </a:r>
-          </a:p>
-          <a:p>
-            <a:r>
-              <a:rPr lang="cs-CZ" dirty="0"/>
-              <a:t>Dobrým nápadem je možnost tvořit další </a:t>
-            </a:r>
-            <a:r>
-              <a:rPr lang="cs-CZ" dirty="0" err="1"/>
-              <a:t>subprocesy</a:t>
-            </a:r>
-            <a:r>
-              <a:rPr lang="cs-CZ" dirty="0"/>
-              <a:t> v daných procesech, tady příklad sum a </a:t>
-            </a:r>
-            <a:r>
-              <a:rPr lang="cs-CZ" dirty="0" err="1"/>
-              <a:t>product</a:t>
-            </a:r>
-            <a:r>
-              <a:rPr lang="cs-CZ" dirty="0"/>
-              <a:t>.</a:t>
+              <a:t>skv</a:t>
+            </a:r>
+            <a:r>
+              <a:rPr lang="cs-CZ" dirty="0" err="1"/>
+              <a:t>ělý</a:t>
+            </a:r>
+            <a:r>
+              <a:rPr lang="cs-CZ" dirty="0"/>
+              <a:t> zápis pro zjednodušení zápisu některých funkcí, ale ne vždy se hodí. Třeba zde máme funkci sinus na druhou x </a:t>
+            </a:r>
+            <a:r>
+              <a:rPr lang="en-US" dirty="0"/>
+              <a:t>+ </a:t>
+            </a:r>
+            <a:r>
+              <a:rPr lang="en-US" dirty="0" err="1"/>
+              <a:t>cosinus</a:t>
+            </a:r>
+            <a:r>
+              <a:rPr lang="en-US" dirty="0"/>
+              <a:t> </a:t>
+            </a:r>
+            <a:r>
+              <a:rPr lang="en-US" dirty="0" err="1"/>
+              <a:t>na</a:t>
+            </a:r>
+            <a:r>
+              <a:rPr lang="en-US" dirty="0"/>
+              <a:t> </a:t>
+            </a:r>
+            <a:r>
+              <a:rPr lang="en-US" dirty="0" err="1"/>
+              <a:t>druhou</a:t>
+            </a:r>
+            <a:r>
+              <a:rPr lang="en-US" dirty="0"/>
+              <a:t> x a jak </a:t>
+            </a:r>
+            <a:r>
+              <a:rPr lang="en-US" dirty="0" err="1"/>
+              <a:t>jist</a:t>
+            </a:r>
+            <a:r>
+              <a:rPr lang="cs-CZ" dirty="0"/>
+              <a:t>ě víte z matematiky, tak se vždy tento výraz rovná jedné.</a:t>
+            </a:r>
+          </a:p>
+          <a:p>
+            <a:r>
+              <a:rPr lang="cs-CZ" dirty="0"/>
+              <a:t>Když porovnáte řádek 7 s řádkem 9, tak můžete posoudit, který z těchto funkcí je víc čitelný.</a:t>
+            </a:r>
+          </a:p>
+          <a:p>
+            <a:endParaRPr lang="cs-CZ" dirty="0"/>
+          </a:p>
+          <a:p>
+            <a:r>
+              <a:rPr lang="cs-CZ" dirty="0" err="1"/>
+              <a:t>Tacit</a:t>
+            </a:r>
+            <a:r>
+              <a:rPr lang="cs-CZ" dirty="0"/>
+              <a:t> přístup by měla být dobrovolná syntaxe jazyka a ne povinná, jinak vám vznikají velmi nepřehledné funkce.</a:t>
             </a:r>
             <a:endParaRPr lang="en-US" dirty="0"/>
           </a:p>
@@ -1738,7 +1841,7 @@
           <a:p>
             <a:fld id="{34A2E728-BA53-41A9-9D73-864C5C9A39D2}" type="slidenum">
               <a:rPr lang="en-US" smtClean="0"/>
-              <a:t>7</a:t>
+              <a:t>6</a:t>
             </a:fld>
             <a:endParaRPr lang="en-US"/>
           </a:p>
@@ -1747,7 +1850,7 @@
     </p:spTree>
     <p:extLst>
       <p:ext uri="{BB962C8B-B14F-4D97-AF65-F5344CB8AC3E}">
-        <p14:creationId xmlns:p14="http://schemas.microsoft.com/office/powerpoint/2010/main" val="2877218949"/>
+        <p14:creationId xmlns:p14="http://schemas.microsoft.com/office/powerpoint/2010/main" val="3568258964"/>
       </p:ext>
     </p:extLst>
   </p:cSld>
@@ -1801,30 +1904,88 @@
           <a:bodyPr/>
           <a:lstStyle/>
           <a:p>
-            <a:pPr marL="0" marR="0" lvl="0" indent="0" algn="l" defTabSz="914400" rtl="0" eaLnBrk="1" fontAlgn="auto" latinLnBrk="0" hangingPunct="1">
-              <a:lnSpc>
-                <a:spcPct val="100000"/>
-              </a:lnSpc>
-              <a:spcBef>
-                <a:spcPts val="0"/>
-              </a:spcBef>
-              <a:spcAft>
-                <a:spcPts val="0"/>
-              </a:spcAft>
-              <a:buClrTx/>
-              <a:buSzTx/>
-              <a:buFontTx/>
-              <a:buNone/>
-              <a:tabLst/>
-              <a:defRPr/>
-            </a:pPr>
-            <a:r>
-              <a:rPr lang="cs-CZ" dirty="0"/>
-              <a:t>Zkoumáním se zjistilo, že toto DSL se nemusí využít pouze na zpracování dat, třeba </a:t>
+            <a:r>
+              <a:rPr lang="cs-CZ" dirty="0"/>
+              <a:t>Teď se přesuneme k tomu, co jsou to vůbec DSL. Jsou to jazyky, které by měly řešit pouze daný problém v doméně. Z většiny se jedná o </a:t>
+            </a:r>
+            <a:r>
+              <a:rPr lang="cs-CZ" dirty="0" err="1"/>
+              <a:t>wrapper</a:t>
+            </a:r>
+            <a:r>
+              <a:rPr lang="cs-CZ" dirty="0"/>
+              <a:t> nad knihovnou.</a:t>
+            </a:r>
+          </a:p>
+          <a:p>
+            <a:r>
+              <a:rPr lang="cs-CZ" dirty="0"/>
+              <a:t>Mohli jste slyšet o </a:t>
+            </a:r>
+            <a:r>
+              <a:rPr lang="cs-CZ" dirty="0" err="1"/>
+              <a:t>css</a:t>
+            </a:r>
+            <a:r>
+              <a:rPr lang="cs-CZ" dirty="0"/>
+              <a:t> a html, kde tato dvojice DSL jazyků se využívá ve webu, kde HTML je obsah dané webové stránky a CSS jsou kaskádové styly, které říkají webovému </a:t>
+            </a:r>
+            <a:r>
+              <a:rPr lang="cs-CZ" dirty="0" err="1"/>
+              <a:t>rendereru</a:t>
+            </a:r>
+            <a:r>
+              <a:rPr lang="cs-CZ" dirty="0"/>
+              <a:t>, jak má daný obsah vykreslit na obrazovku. </a:t>
+            </a:r>
+          </a:p>
+          <a:p>
+            <a:r>
+              <a:rPr lang="cs-CZ" dirty="0"/>
+              <a:t>XAML je DSL od Microsoftu podobný HTML, setkáte se s ním když chcete psát aplikace ve WPF nebo </a:t>
+            </a:r>
+            <a:r>
+              <a:rPr lang="cs-CZ" dirty="0" err="1"/>
+              <a:t>Multi</a:t>
+            </a:r>
+            <a:r>
+              <a:rPr lang="en-US" dirty="0"/>
+              <a:t>-</a:t>
+            </a:r>
+            <a:r>
+              <a:rPr lang="cs-CZ" dirty="0" err="1"/>
+              <a:t>platform</a:t>
+            </a:r>
+            <a:r>
+              <a:rPr lang="cs-CZ" dirty="0"/>
+              <a:t> </a:t>
+            </a:r>
+            <a:r>
+              <a:rPr lang="cs-CZ" dirty="0" err="1"/>
+              <a:t>App</a:t>
+            </a:r>
+            <a:r>
+              <a:rPr lang="cs-CZ" dirty="0"/>
+              <a:t> </a:t>
+            </a:r>
+            <a:r>
+              <a:rPr lang="en-US" dirty="0"/>
+              <a:t>UI</a:t>
+            </a:r>
+            <a:r>
+              <a:rPr lang="cs-CZ" dirty="0"/>
+              <a:t>.</a:t>
+            </a:r>
+            <a:endParaRPr lang="en-US" dirty="0"/>
+          </a:p>
+          <a:p>
+            <a:r>
+              <a:rPr lang="en-US" dirty="0"/>
+              <a:t>GLSL a SPIRV </a:t>
             </a:r>
             <a:r>
               <a:rPr lang="en-US" dirty="0" err="1"/>
-              <a:t>zde</a:t>
+              <a:t>jsou</a:t>
             </a:r>
             <a:r>
               <a:rPr lang="en-US" dirty="0"/>
@@ -1832,55 +1993,210 @@
             </a:r>
             <a:r>
               <a:rPr lang="cs-CZ" dirty="0"/>
-              <a:t>je jeden z příkladů</a:t>
+              <a:t>takzvané </a:t>
             </a:r>
             <a:r>
               <a:rPr lang="en-US" dirty="0"/>
+              <a:t>shader</a:t>
+            </a:r>
+            <a:r>
+              <a:rPr lang="cs-CZ" dirty="0"/>
+              <a:t> DSL programy, které běží na grafické kartě. </a:t>
+            </a:r>
+            <a:br>
+              <a:rPr lang="cs-CZ" dirty="0"/>
+            </a:br>
+            <a:r>
+              <a:rPr lang="cs-CZ" dirty="0"/>
+              <a:t>S SQL se setkáme v databázových systémech, když chceme ukládat, upravovat nebo číst nějaká data.</a:t>
+            </a:r>
+          </a:p>
+          <a:p>
+            <a:r>
+              <a:rPr lang="cs-CZ" dirty="0" err="1"/>
+              <a:t>Verilog</a:t>
+            </a:r>
+            <a:r>
+              <a:rPr lang="cs-CZ" dirty="0"/>
+              <a:t> a VHDL jsou jazyky pro programování hradlových polí.</a:t>
+            </a:r>
+          </a:p>
+          <a:p>
+            <a:r>
+              <a:rPr lang="cs-CZ" dirty="0" err="1"/>
+              <a:t>Makefile</a:t>
+            </a:r>
+            <a:r>
+              <a:rPr lang="cs-CZ" dirty="0"/>
+              <a:t> a </a:t>
+            </a:r>
+            <a:r>
+              <a:rPr lang="cs-CZ" dirty="0" err="1"/>
+              <a:t>cmake</a:t>
+            </a:r>
+            <a:r>
+              <a:rPr lang="cs-CZ" dirty="0"/>
+              <a:t> </a:t>
+            </a:r>
+            <a:r>
+              <a:rPr lang="cs-CZ" dirty="0" err="1"/>
+              <a:t>file</a:t>
+            </a:r>
+            <a:r>
+              <a:rPr lang="cs-CZ" dirty="0"/>
+              <a:t> jsou jazyky, které popisují, jak se má daný program zkompilovat.</a:t>
+            </a:r>
+          </a:p>
+          <a:p>
+            <a:r>
+              <a:rPr lang="cs-CZ" dirty="0"/>
+              <a:t>Potom jsou další jazyky třeba od Git</a:t>
+            </a:r>
+            <a:r>
+              <a:rPr lang="en-US" dirty="0"/>
+              <a:t>H</a:t>
+            </a:r>
+            <a:r>
+              <a:rPr lang="cs-CZ" dirty="0" err="1"/>
+              <a:t>ubu</a:t>
+            </a:r>
+            <a:r>
+              <a:rPr lang="cs-CZ" dirty="0"/>
+              <a:t> na CI</a:t>
+            </a:r>
+            <a:r>
+              <a:rPr lang="en-US" dirty="0"/>
+              <a:t>/CD </a:t>
+            </a:r>
+            <a:r>
+              <a:rPr lang="en-US" dirty="0" err="1"/>
+              <a:t>automatizaci</a:t>
+            </a:r>
+            <a:r>
+              <a:rPr lang="en-US" dirty="0"/>
+              <a:t>. </a:t>
+            </a:r>
+          </a:p>
+          <a:p>
+            <a:r>
+              <a:rPr lang="cs-CZ" dirty="0"/>
+              <a:t>Existuje opravdu široká škála DSL jazyků a to od webu, grafické aplikace, hardware programování, kompilaci a </a:t>
+            </a:r>
+            <a:r>
+              <a:rPr lang="cs-CZ" dirty="0" err="1"/>
+              <a:t>devops</a:t>
+            </a:r>
+            <a:r>
+              <a:rPr lang="cs-CZ" dirty="0"/>
+              <a:t>. Tím se dostáváme k pojmu Ghetto </a:t>
+            </a:r>
+            <a:r>
+              <a:rPr lang="cs-CZ" dirty="0" err="1"/>
+              <a:t>language</a:t>
+            </a:r>
+            <a:r>
+              <a:rPr lang="cs-CZ" dirty="0"/>
               <a:t>,</a:t>
             </a:r>
-            <a:r>
-              <a:rPr lang="cs-CZ" dirty="0"/>
-              <a:t> jak </a:t>
+            <a:br>
+              <a:rPr lang="cs-CZ" dirty="0"/>
+            </a:br>
+            <a:r>
+              <a:rPr lang="cs-CZ" dirty="0" err="1"/>
+              <a:t>Fowler</a:t>
+            </a:r>
+            <a:r>
+              <a:rPr lang="cs-CZ" dirty="0"/>
+              <a:t> ve své knize </a:t>
+            </a:r>
+            <a:r>
+              <a:rPr lang="cs-CZ" dirty="0" err="1"/>
+              <a:t>Domain</a:t>
+            </a:r>
+            <a:r>
+              <a:rPr lang="cs-CZ" dirty="0"/>
+              <a:t> </a:t>
+            </a:r>
+            <a:r>
+              <a:rPr lang="cs-CZ" dirty="0" err="1"/>
+              <a:t>specific</a:t>
+            </a:r>
+            <a:r>
+              <a:rPr lang="cs-CZ" dirty="0"/>
+              <a:t> </a:t>
+            </a:r>
+            <a:r>
+              <a:rPr lang="cs-CZ" dirty="0" err="1"/>
+              <a:t>languages</a:t>
+            </a:r>
+            <a:r>
+              <a:rPr lang="cs-CZ" dirty="0"/>
+              <a:t> se zmiňoval ohledně Ghetto </a:t>
+            </a:r>
+            <a:r>
+              <a:rPr lang="cs-CZ" dirty="0" err="1"/>
+              <a:t>language</a:t>
+            </a:r>
+            <a:r>
+              <a:rPr lang="cs-CZ" dirty="0"/>
+              <a:t>, je to prakticky jazyk, který je </a:t>
+            </a:r>
+            <a:r>
+              <a:rPr lang="cs-CZ" dirty="0" err="1"/>
+              <a:t>turingovsky</a:t>
+            </a:r>
+            <a:r>
+              <a:rPr lang="cs-CZ" dirty="0"/>
+              <a:t> kompletní, nebo</a:t>
             </a:r>
             <a:r>
               <a:rPr lang="en-US" dirty="0"/>
-              <a:t>se m</a:t>
-            </a:r>
-            <a:r>
-              <a:rPr lang="cs-CZ" dirty="0" err="1"/>
-              <a:t>ůže</a:t>
-            </a:r>
-            <a:r>
-              <a:rPr lang="cs-CZ" dirty="0"/>
+              <a:t>-li </a:t>
+            </a:r>
+            <a:r>
+              <a:rPr lang="cs-CZ" dirty="0"/>
+              <a:t>může simulovat </a:t>
+            </a:r>
+            <a:r>
+              <a:rPr lang="cs-CZ" dirty="0" err="1"/>
+              <a:t>turingovský</a:t>
+            </a:r>
+            <a:r>
+              <a:rPr lang="cs-CZ" dirty="0"/>
+              <a:t> stroj, ale tím vzniká jazyk, ve kterém je velmi obtížné se vyznat. Pokud člověk navrhuje DSL, měl by být opravdu pouze navrženy pro řešení problému v té dané doméně. Vždy se najdou nějaké </a:t>
+            </a:r>
+            <a:r>
+              <a:rPr lang="cs-CZ" dirty="0" err="1"/>
+              <a:t>vyjímky</a:t>
+            </a:r>
+            <a:r>
+              <a:rPr lang="cs-CZ" dirty="0"/>
+              <a:t>, co DSL nedokáže vyřešit, proto by se měl využít</a:t>
+            </a:r>
+            <a:r>
+              <a:rPr lang="en-US" dirty="0"/>
               <a:t> </a:t>
             </a:r>
             <a:r>
-              <a:rPr lang="cs-CZ" dirty="0" err="1"/>
-              <a:t>haskelyzer</a:t>
-            </a:r>
-            <a:r>
-              <a:rPr lang="cs-CZ" dirty="0"/>
-              <a:t> využít. Dvoujádrová </a:t>
-            </a:r>
-            <a:r>
-              <a:rPr lang="cs-CZ" dirty="0" err="1"/>
-              <a:t>gui</a:t>
-            </a:r>
-            <a:r>
-              <a:rPr lang="cs-CZ" dirty="0"/>
-              <a:t> aplikace, kde sbíráte eventy a předáte je do vedlejšího vlákna na zpracování a mezitím hlavní vlákno </a:t>
-            </a:r>
-            <a:r>
-              <a:rPr lang="cs-CZ" dirty="0" err="1"/>
-              <a:t>renderuje</a:t>
-            </a:r>
-            <a:r>
-              <a:rPr lang="cs-CZ" dirty="0"/>
-              <a:t> aplikaci.</a:t>
-            </a:r>
-            <a:endParaRPr lang="en-US" dirty="0"/>
-          </a:p>
-          <a:p>
+              <a:rPr lang="en-US" dirty="0" err="1"/>
+              <a:t>na</a:t>
+            </a:r>
+            <a:r>
+              <a:rPr lang="cs-CZ" dirty="0"/>
+              <a:t> ten </a:t>
+            </a:r>
+            <a:r>
+              <a:rPr lang="en-US" dirty="0" err="1"/>
+              <a:t>probl</a:t>
+            </a:r>
+            <a:r>
+              <a:rPr lang="cs-CZ" dirty="0" err="1"/>
+              <a:t>ém</a:t>
+            </a:r>
+            <a:r>
+              <a:rPr lang="cs-CZ" dirty="0"/>
+              <a:t> jazyk, co to DSL využívá. Jakým jazykem manipulujete HTML a jeho styly? Javascriptem.</a:t>
+            </a:r>
             <a:endParaRPr lang="en-US" dirty="0"/>
           </a:p>
         </p:txBody>
@@ -1902,7 +2218,7 @@
           <a:p>
             <a:fld id="{34A2E728-BA53-41A9-9D73-864C5C9A39D2}" type="slidenum">
               <a:rPr lang="en-US" smtClean="0"/>
-              <a:t>8</a:t>
+              <a:t>7</a:t>
             </a:fld>
             <a:endParaRPr lang="en-US"/>
           </a:p>
@@ -1911,7 +2227,7 @@
     </p:spTree>
     <p:extLst>
       <p:ext uri="{BB962C8B-B14F-4D97-AF65-F5344CB8AC3E}">
-        <p14:creationId xmlns:p14="http://schemas.microsoft.com/office/powerpoint/2010/main" val="96613084"/>
+        <p14:creationId xmlns:p14="http://schemas.microsoft.com/office/powerpoint/2010/main" val="1764945812"/>
       </p:ext>
     </p:extLst>
   </p:cSld>
@@ -1967,45 +2283,73 @@
           <a:p>
             <a:r>
               <a:rPr lang="cs-CZ" dirty="0" err="1"/>
-              <a:t>Lexer</a:t>
-            </a:r>
-            <a:r>
-              <a:rPr lang="cs-CZ" dirty="0"/>
-              <a:t>, </a:t>
-            </a:r>
-            <a:r>
-              <a:rPr lang="cs-CZ" dirty="0" err="1"/>
-              <a:t>Parser</a:t>
-            </a:r>
-            <a:r>
-              <a:rPr lang="cs-CZ" dirty="0"/>
-              <a:t> a AST jsou vždy součásti nějakého jazyka, záleží teď jaká je strategie DSL. Záleží, jestli chcete </a:t>
-            </a:r>
-            <a:r>
-              <a:rPr lang="cs-CZ" dirty="0" err="1"/>
-              <a:t>parsovat</a:t>
-            </a:r>
-            <a:r>
-              <a:rPr lang="cs-CZ" dirty="0"/>
-              <a:t> jazyk během kompilace, za běhu programu a nebo jako preprocesor. </a:t>
-            </a:r>
-            <a:r>
-              <a:rPr lang="cs-CZ" dirty="0" err="1"/>
-              <a:t>Haskelyzer</a:t>
-            </a:r>
-            <a:r>
-              <a:rPr lang="cs-CZ" dirty="0"/>
-              <a:t> je zpracován během kompilace, protože jsem chtěl využít </a:t>
-            </a:r>
-            <a:r>
-              <a:rPr lang="cs-CZ" dirty="0" err="1"/>
-              <a:t>haskellův</a:t>
-            </a:r>
-            <a:r>
-              <a:rPr lang="cs-CZ" dirty="0"/>
-              <a:t> kompilátor GHC.</a:t>
-            </a:r>
-            <a:endParaRPr lang="en-US" dirty="0"/>
+              <a:t>Haskell</a:t>
+            </a:r>
+            <a:r>
+              <a:rPr lang="cs-CZ" dirty="0"/>
+              <a:t>, jak jistě víte, je funkcionální jazyk, který omezuje mutace v paměti. Tím vznikají programy, které jsou z větší části deterministické, říkám z větší části, protože se vedlejším efektům programu nevyhnete, ale můžete vedlejší efekty vždy minimalizovat.</a:t>
+            </a:r>
+          </a:p>
+          <a:p>
+            <a:pPr marL="0" marR="0" lvl="0" indent="0" algn="l" defTabSz="914400" rtl="0" eaLnBrk="1" fontAlgn="auto" latinLnBrk="0" hangingPunct="1">
+              <a:lnSpc>
+                <a:spcPct val="100000"/>
+              </a:lnSpc>
+              <a:spcBef>
+                <a:spcPts val="0"/>
+              </a:spcBef>
+              <a:spcAft>
+                <a:spcPts val="0"/>
+              </a:spcAft>
+              <a:buClrTx/>
+              <a:buSzTx/>
+              <a:buFontTx/>
+              <a:buNone/>
+              <a:tabLst/>
+              <a:defRPr/>
+            </a:pPr>
+            <a:r>
+              <a:rPr lang="cs-CZ" dirty="0"/>
+              <a:t>Díky těmto podmínkám máte skvělý jazyk na konkurenci a paralelismus. Párkrát jsem potřeboval udělat program, který by běžel na několik procesních jader naráz což nebyl problém, ale problémem bylo většinou nejasnost co jednotlivé vlákna dělají. </a:t>
+            </a:r>
+          </a:p>
+          <a:p>
+            <a:r>
+              <a:rPr lang="cs-CZ" dirty="0"/>
+              <a:t>Zároveň v další části se dostaneme k </a:t>
+            </a:r>
+            <a:r>
+              <a:rPr lang="cs-CZ" dirty="0" err="1"/>
+              <a:t>parserům</a:t>
+            </a:r>
+            <a:r>
+              <a:rPr lang="cs-CZ" dirty="0"/>
+              <a:t> a tam zmíním monadický </a:t>
+            </a:r>
+            <a:r>
+              <a:rPr lang="cs-CZ" dirty="0" err="1"/>
+              <a:t>parsery</a:t>
+            </a:r>
+            <a:r>
+              <a:rPr lang="cs-CZ" dirty="0"/>
+              <a:t>. </a:t>
+            </a:r>
+            <a:r>
+              <a:rPr lang="cs-CZ" dirty="0" err="1"/>
+              <a:t>Haskell</a:t>
+            </a:r>
+            <a:r>
+              <a:rPr lang="cs-CZ" dirty="0"/>
+              <a:t> nabízí díky tomu jak je navržen, tak nabízí velmi kvalitní </a:t>
+            </a:r>
+            <a:r>
+              <a:rPr lang="cs-CZ" dirty="0" err="1"/>
+              <a:t>parsovací</a:t>
+            </a:r>
+            <a:r>
+              <a:rPr lang="cs-CZ" dirty="0"/>
+              <a:t> knihovny, které jiné jazyky nenabízí.</a:t>
+            </a:r>
           </a:p>
         </p:txBody>
       </p:sp>
@@ -2026,7 +2370,7 @@
           <a:p>
             <a:fld id="{34A2E728-BA53-41A9-9D73-864C5C9A39D2}" type="slidenum">
               <a:rPr lang="en-US" smtClean="0"/>
-              <a:t>9</a:t>
+              <a:t>8</a:t>
             </a:fld>
             <a:endParaRPr lang="en-US"/>
           </a:p>
@@ -2035,7 +2379,7 @@
     </p:spTree>
     <p:extLst>
       <p:ext uri="{BB962C8B-B14F-4D97-AF65-F5344CB8AC3E}">
-        <p14:creationId xmlns:p14="http://schemas.microsoft.com/office/powerpoint/2010/main" val="1585429697"/>
+        <p14:creationId xmlns:p14="http://schemas.microsoft.com/office/powerpoint/2010/main" val="3679538514"/>
       </p:ext>
     </p:extLst>
   </p:cSld>
@@ -2089,6 +2433,121 @@
           <a:bodyPr/>
           <a:lstStyle/>
           <a:p>
+            <a:r>
+              <a:rPr lang="cs-CZ" dirty="0"/>
+              <a:t>Toto DSL má tento problém vyřešit.</a:t>
+            </a:r>
+          </a:p>
+          <a:p>
+            <a:r>
+              <a:rPr lang="en-US" dirty="0"/>
+              <a:t>P</a:t>
+            </a:r>
+            <a:r>
+              <a:rPr lang="cs-CZ" dirty="0" err="1"/>
+              <a:t>ůvodní</a:t>
+            </a:r>
+            <a:r>
+              <a:rPr lang="cs-CZ" dirty="0"/>
+              <a:t> návrh zahrnoval během kompilace zahrnout soubor example.csv a zároveň ověřit datové typy tohoto souboru. </a:t>
+            </a:r>
+            <a:r>
+              <a:rPr lang="en-US" dirty="0" err="1"/>
+              <a:t>Embedov</a:t>
+            </a:r>
+            <a:r>
+              <a:rPr lang="cs-CZ" dirty="0" err="1"/>
+              <a:t>ání</a:t>
+            </a:r>
+            <a:r>
+              <a:rPr lang="cs-CZ" dirty="0"/>
+              <a:t> dat není nejlepší nápad, protože to může zpomalit start programu, zároveň máte </a:t>
+            </a:r>
+            <a:r>
+              <a:rPr lang="cs-CZ" dirty="0" err="1"/>
+              <a:t>executable</a:t>
+            </a:r>
+            <a:r>
+              <a:rPr lang="cs-CZ" dirty="0"/>
+              <a:t>, který je závislý na velikosti těch dat a máte jeden jediný program, kde nemůžete měnit </a:t>
+            </a:r>
+            <a:r>
+              <a:rPr lang="cs-CZ" dirty="0" err="1"/>
+              <a:t>csv</a:t>
+            </a:r>
+            <a:r>
+              <a:rPr lang="cs-CZ" dirty="0"/>
+              <a:t> data. Takže to byl špatný nápad</a:t>
+            </a:r>
+            <a:r>
+              <a:rPr lang="en-US" dirty="0"/>
+              <a:t>.</a:t>
+            </a:r>
+          </a:p>
+          <a:p>
+            <a:r>
+              <a:rPr lang="cs-CZ" dirty="0"/>
+              <a:t>Zde jsou vidět jakési svislé čáry, které mají říkat, že </a:t>
+            </a:r>
+            <a:r>
+              <a:rPr lang="cs-CZ" dirty="0" err="1"/>
+              <a:t>konkurentně</a:t>
+            </a:r>
+            <a:r>
+              <a:rPr lang="cs-CZ" dirty="0"/>
+              <a:t> má běžet </a:t>
+            </a:r>
+            <a:r>
+              <a:rPr lang="cs-CZ" dirty="0" err="1"/>
+              <a:t>Gausovský</a:t>
+            </a:r>
+            <a:r>
+              <a:rPr lang="cs-CZ" dirty="0"/>
+              <a:t> filtr, jehož výstup se ukládá do databáze a </a:t>
+            </a:r>
+            <a:r>
+              <a:rPr lang="cs-CZ" dirty="0" err="1"/>
+              <a:t>Kalmanův</a:t>
+            </a:r>
+            <a:r>
+              <a:rPr lang="cs-CZ" dirty="0"/>
+              <a:t> filtr, kde se </a:t>
+            </a:r>
+            <a:r>
+              <a:rPr lang="cs-CZ" dirty="0" err="1"/>
+              <a:t>konkurentně</a:t>
+            </a:r>
+            <a:r>
+              <a:rPr lang="cs-CZ" dirty="0"/>
+              <a:t> </a:t>
+            </a:r>
+            <a:r>
+              <a:rPr lang="cs-CZ" dirty="0" err="1"/>
+              <a:t>vypisujou</a:t>
+            </a:r>
+            <a:r>
+              <a:rPr lang="cs-CZ" dirty="0"/>
+              <a:t> data do standardního výstupu a nějakého souboru.</a:t>
+            </a:r>
+          </a:p>
+          <a:p>
+            <a:r>
+              <a:rPr lang="cs-CZ" dirty="0"/>
+              <a:t>Tímhle způsobem, můžeme vytvořit velmi přehledné </a:t>
+            </a:r>
+            <a:r>
+              <a:rPr lang="cs-CZ" dirty="0" err="1"/>
+              <a:t>konkurentní</a:t>
+            </a:r>
+            <a:r>
+              <a:rPr lang="cs-CZ" dirty="0"/>
+              <a:t> funkce.</a:t>
+            </a:r>
+          </a:p>
+          <a:p>
+            <a:endParaRPr lang="cs-CZ" dirty="0"/>
+          </a:p>
+          <a:p>
             <a:pPr marL="0" marR="0" lvl="0" indent="0" algn="l" defTabSz="914400" rtl="0" eaLnBrk="1" fontAlgn="auto" latinLnBrk="0" hangingPunct="1">
               <a:lnSpc>
                 <a:spcPct val="100000"/>
@@ -2108,107 +2567,67 @@
             </a:pPr>
             <a:r>
               <a:rPr lang="cs-CZ" dirty="0"/>
-              <a:t>Obecně na rozpoznání nějakého textu potřebujete </a:t>
-            </a:r>
-            <a:r>
-              <a:rPr lang="cs-CZ" dirty="0" err="1"/>
-              <a:t>parser</a:t>
-            </a:r>
-            <a:r>
-              <a:rPr lang="cs-CZ" dirty="0"/>
-              <a:t> a </a:t>
-            </a:r>
-            <a:r>
-              <a:rPr lang="cs-CZ" dirty="0" err="1"/>
-              <a:t>lexer</a:t>
-            </a:r>
-            <a:r>
-              <a:rPr lang="cs-CZ" dirty="0"/>
-              <a:t>, v kódu je mnohdy těžké najít rozdíl mezi těmito pojmy, </a:t>
-            </a:r>
-            <a:r>
-              <a:rPr lang="cs-CZ" dirty="0" err="1"/>
-              <a:t>lexer</a:t>
-            </a:r>
-            <a:r>
-              <a:rPr lang="cs-CZ" dirty="0"/>
-              <a:t> je v podstatě text rozdělený na tokeny a </a:t>
-            </a:r>
-            <a:r>
-              <a:rPr lang="cs-CZ" dirty="0" err="1"/>
-              <a:t>parser</a:t>
-            </a:r>
-            <a:r>
-              <a:rPr lang="cs-CZ" dirty="0"/>
-              <a:t> jsou funkce </a:t>
-            </a:r>
-            <a:r>
-              <a:rPr lang="cs-CZ" dirty="0" err="1"/>
-              <a:t>parsující</a:t>
-            </a:r>
-            <a:r>
-              <a:rPr lang="cs-CZ" dirty="0"/>
-              <a:t> tokeny do AST. AST je abstraktní syntaktický strom, nebo</a:t>
+              <a:t>Následným zkoumáním se zjistilo, že toto DSL se nemusí využít pouze na zpracování dat, třeba </a:t>
+            </a:r>
+            <a:r>
+              <a:rPr lang="en-US" dirty="0" err="1"/>
+              <a:t>zde</a:t>
             </a:r>
             <a:r>
               <a:rPr lang="en-US" dirty="0"/>
-              <a:t>-li </a:t>
-            </a:r>
-            <a:r>
-              <a:rPr lang="en-US" dirty="0" err="1"/>
-              <a:t>strom</a:t>
+              <a:t> </a:t>
+            </a:r>
+            <a:r>
+              <a:rPr lang="cs-CZ" dirty="0"/>
+              <a:t>je jeden z příkladů</a:t>
             </a:r>
             <a:r>
               <a:rPr lang="en-US" dirty="0"/>
-              <a:t> token</a:t>
-            </a:r>
-            <a:r>
-              <a:rPr lang="cs-CZ" dirty="0"/>
-              <a:t>ů. </a:t>
-            </a:r>
-          </a:p>
-          <a:p>
-            <a:pPr marL="0" marR="0" lvl="0" indent="0" algn="l" defTabSz="914400" rtl="0" eaLnBrk="1" fontAlgn="auto" latinLnBrk="0" hangingPunct="1">
-              <a:lnSpc>
-                <a:spcPct val="100000"/>
-              </a:lnSpc>
-              <a:spcBef>
-                <a:spcPts val="0"/>
-              </a:spcBef>
-              <a:spcAft>
-                <a:spcPts val="0"/>
-              </a:spcAft>
-              <a:buClrTx/>
-              <a:buSzTx/>
-              <a:buFontTx/>
-              <a:buNone/>
-              <a:tabLst/>
-              <a:defRPr/>
-            </a:pPr>
-            <a:endParaRPr lang="cs-CZ" dirty="0"/>
-          </a:p>
-          <a:p>
-            <a:pPr marL="0" marR="0" lvl="0" indent="0" algn="l" defTabSz="914400" rtl="0" eaLnBrk="1" fontAlgn="auto" latinLnBrk="0" hangingPunct="1">
-              <a:lnSpc>
-                <a:spcPct val="100000"/>
-              </a:lnSpc>
-              <a:spcBef>
-                <a:spcPts val="0"/>
-              </a:spcBef>
-              <a:spcAft>
-                <a:spcPts val="0"/>
-              </a:spcAft>
-              <a:buClrTx/>
-              <a:buSzTx/>
-              <a:buFontTx/>
-              <a:buNone/>
-              <a:tabLst/>
-              <a:defRPr/>
-            </a:pPr>
-            <a:r>
-              <a:rPr lang="cs-CZ" dirty="0"/>
-              <a:t>Pozn: Ukaž co je zde AST.</a:t>
-            </a:r>
+              <a:t>,</a:t>
+            </a:r>
+            <a:r>
+              <a:rPr lang="cs-CZ" dirty="0"/>
+              <a:t> jak </a:t>
+            </a:r>
+            <a:r>
+              <a:rPr lang="en-US" dirty="0"/>
+              <a:t>se m</a:t>
+            </a:r>
+            <a:r>
+              <a:rPr lang="cs-CZ" dirty="0" err="1"/>
+              <a:t>ůže</a:t>
+            </a:r>
+            <a:r>
+              <a:rPr lang="cs-CZ" dirty="0"/>
+              <a:t> </a:t>
+            </a:r>
+            <a:r>
+              <a:rPr lang="cs-CZ" dirty="0" err="1"/>
+              <a:t>haskelyzer</a:t>
+            </a:r>
+            <a:r>
+              <a:rPr lang="cs-CZ" dirty="0"/>
+              <a:t> využít. Dvoujádrová </a:t>
+            </a:r>
+            <a:r>
+              <a:rPr lang="cs-CZ" dirty="0" err="1"/>
+              <a:t>gui</a:t>
+            </a:r>
+            <a:r>
+              <a:rPr lang="cs-CZ" dirty="0"/>
+              <a:t> aplikace, kde sbíráte eventy a předáte je do vedlejšího vlákna na zpracování a mezitím hlavní vlákno </a:t>
+            </a:r>
+            <a:r>
+              <a:rPr lang="cs-CZ" dirty="0" err="1"/>
+              <a:t>renderuje</a:t>
+            </a:r>
+            <a:r>
+              <a:rPr lang="cs-CZ" dirty="0"/>
+              <a:t> aplikaci.</a:t>
+            </a:r>
+            <a:endParaRPr lang="en-US" dirty="0"/>
+          </a:p>
+          <a:p>
             <a:endParaRPr lang="en-US" dirty="0"/>
           </a:p>
           <a:p>
@@ -2233,7 +2652,7 @@
           <a:p>
             <a:fld id="{34A2E728-BA53-41A9-9D73-864C5C9A39D2}" type="slidenum">
               <a:rPr lang="en-US" smtClean="0"/>
-              <a:t>10</a:t>
+              <a:t>9</a:t>
             </a:fld>
             <a:endParaRPr lang="en-US"/>
           </a:p>
@@ -2242,7 +2661,7 @@
     </p:spTree>
     <p:extLst>
       <p:ext uri="{BB962C8B-B14F-4D97-AF65-F5344CB8AC3E}">
-        <p14:creationId xmlns:p14="http://schemas.microsoft.com/office/powerpoint/2010/main" val="4177691797"/>
+        <p14:creationId xmlns:p14="http://schemas.microsoft.com/office/powerpoint/2010/main" val="2877218949"/>
       </p:ext>
     </p:extLst>
   </p:cSld>
@@ -2297,44 +2716,44 @@
           <a:lstStyle/>
           <a:p>
             <a:r>
-              <a:rPr lang="en-US" dirty="0"/>
-              <a:t>V </a:t>
-            </a:r>
-            <a:r>
-              <a:rPr lang="en-US" dirty="0" err="1"/>
-              <a:t>Haskelyzeru</a:t>
-            </a:r>
-            <a:r>
-              <a:rPr lang="en-US" dirty="0"/>
-              <a:t> AST je list </a:t>
-            </a:r>
-            <a:r>
-              <a:rPr lang="en-US" dirty="0" err="1"/>
-              <a:t>datov</a:t>
-            </a:r>
-            <a:r>
-              <a:rPr lang="cs-CZ" dirty="0" err="1"/>
-              <a:t>ýho</a:t>
-            </a:r>
-            <a:r>
-              <a:rPr lang="cs-CZ" dirty="0"/>
-              <a:t> typu </a:t>
-            </a:r>
-            <a:r>
-              <a:rPr lang="cs-CZ" dirty="0" err="1"/>
-              <a:t>Expr</a:t>
-            </a:r>
-            <a:r>
-              <a:rPr lang="cs-CZ" dirty="0"/>
-              <a:t>. Zde jsou vidět z čeho se </a:t>
-            </a:r>
-            <a:r>
-              <a:rPr lang="cs-CZ" dirty="0" err="1"/>
-              <a:t>expression</a:t>
-            </a:r>
-            <a:r>
-              <a:rPr lang="cs-CZ" dirty="0"/>
-              <a:t> může skládat.</a:t>
+              <a:rPr lang="cs-CZ" dirty="0" err="1"/>
+              <a:t>Lexer</a:t>
+            </a:r>
+            <a:r>
+              <a:rPr lang="cs-CZ" dirty="0"/>
+              <a:t>, </a:t>
+            </a:r>
+            <a:r>
+              <a:rPr lang="cs-CZ" dirty="0" err="1"/>
+              <a:t>Parser</a:t>
+            </a:r>
+            <a:r>
+              <a:rPr lang="cs-CZ" dirty="0"/>
+              <a:t> a AST jsou vždy součásti nějakého jazyka, záleží teď jaká je strategie DSL. Záleží, jestli chcete </a:t>
+            </a:r>
+            <a:r>
+              <a:rPr lang="cs-CZ" dirty="0" err="1"/>
+              <a:t>parsovat</a:t>
+            </a:r>
+            <a:r>
+              <a:rPr lang="cs-CZ" dirty="0"/>
+              <a:t> jazyk během kompilace, za běhu programu a nebo jako preprocesor. </a:t>
+            </a:r>
+            <a:r>
+              <a:rPr lang="cs-CZ" dirty="0" err="1"/>
+              <a:t>Haskelyzer</a:t>
+            </a:r>
+            <a:r>
+              <a:rPr lang="cs-CZ" dirty="0"/>
+              <a:t> je zpracován během kompilace, protože jsem chtěl využít </a:t>
+            </a:r>
+            <a:r>
+              <a:rPr lang="cs-CZ" dirty="0" err="1"/>
+              <a:t>haskellův</a:t>
+            </a:r>
+            <a:r>
+              <a:rPr lang="cs-CZ" dirty="0"/>
+              <a:t> kompilátor GHC.</a:t>
             </a:r>
             <a:endParaRPr lang="en-US" dirty="0"/>
           </a:p>
@@ -2357,7 +2776,7 @@
           <a:p>
             <a:fld id="{34A2E728-BA53-41A9-9D73-864C5C9A39D2}" type="slidenum">
               <a:rPr lang="en-US" smtClean="0"/>
-              <a:t>11</a:t>
+              <a:t>10</a:t>
             </a:fld>
             <a:endParaRPr lang="en-US"/>
           </a:p>
@@ -2366,7 +2785,7 @@
     </p:spTree>
     <p:extLst>
       <p:ext uri="{BB962C8B-B14F-4D97-AF65-F5344CB8AC3E}">
-        <p14:creationId xmlns:p14="http://schemas.microsoft.com/office/powerpoint/2010/main" val="2755628041"/>
+        <p14:creationId xmlns:p14="http://schemas.microsoft.com/office/powerpoint/2010/main" val="1585429697"/>
       </p:ext>
     </p:extLst>
   </p:cSld>
@@ -2420,46 +2839,129 @@
           <a:bodyPr/>
           <a:lstStyle/>
           <a:p>
+            <a:pPr marL="0" marR="0" lvl="0" indent="0" algn="l" defTabSz="914400" rtl="0" eaLnBrk="1" fontAlgn="auto" latinLnBrk="0" hangingPunct="1">
+              <a:lnSpc>
+                <a:spcPct val="100000"/>
+              </a:lnSpc>
+              <a:spcBef>
+                <a:spcPts val="0"/>
+              </a:spcBef>
+              <a:spcAft>
+                <a:spcPts val="0"/>
+              </a:spcAft>
+              <a:buClrTx/>
+              <a:buSzTx/>
+              <a:buFontTx/>
+              <a:buNone/>
+              <a:tabLst/>
+              <a:defRPr/>
+            </a:pPr>
+            <a:r>
+              <a:rPr lang="cs-CZ" dirty="0"/>
+              <a:t>Obecně na rozpoznání nějakého textu potřebujete </a:t>
+            </a:r>
+            <a:r>
+              <a:rPr lang="cs-CZ" dirty="0" err="1"/>
+              <a:t>parser</a:t>
+            </a:r>
+            <a:r>
+              <a:rPr lang="cs-CZ" dirty="0"/>
+              <a:t> a </a:t>
+            </a:r>
+            <a:r>
+              <a:rPr lang="cs-CZ" dirty="0" err="1"/>
+              <a:t>lexer</a:t>
+            </a:r>
+            <a:r>
+              <a:rPr lang="cs-CZ" dirty="0"/>
+              <a:t>, v kódu je mnohdy těžké najít rozdíl mezi těmito pojmy, </a:t>
+            </a:r>
+            <a:r>
+              <a:rPr lang="cs-CZ" dirty="0" err="1"/>
+              <a:t>lexer</a:t>
+            </a:r>
+            <a:r>
+              <a:rPr lang="cs-CZ" dirty="0"/>
+              <a:t> je v podstatě text rozdělený na tokeny a </a:t>
+            </a:r>
+            <a:r>
+              <a:rPr lang="cs-CZ" dirty="0" err="1"/>
+              <a:t>parser</a:t>
+            </a:r>
+            <a:r>
+              <a:rPr lang="cs-CZ" dirty="0"/>
+              <a:t> jsou funkce </a:t>
+            </a:r>
+            <a:r>
+              <a:rPr lang="cs-CZ" dirty="0" err="1"/>
+              <a:t>parsující</a:t>
+            </a:r>
+            <a:r>
+              <a:rPr lang="cs-CZ" dirty="0"/>
+              <a:t> tokeny do AST. AST je abstraktní syntaktický strom, nebo</a:t>
+            </a:r>
             <a:r>
               <a:rPr lang="en-US" dirty="0"/>
-              <a:t>V </a:t>
+              <a:t>-li </a:t>
             </a:r>
             <a:r>
               <a:rPr lang="en-US" dirty="0" err="1"/>
-              <a:t>Haskelyzeru</a:t>
+              <a:t>strom</a:t>
             </a:r>
             <a:r>
               <a:rPr lang="en-US" dirty="0"/>
-              <a:t> AST je list </a:t>
-            </a:r>
-            <a:r>
-              <a:rPr lang="en-US" dirty="0" err="1"/>
-              <a:t>datov</a:t>
-            </a:r>
-            <a:r>
-              <a:rPr lang="cs-CZ" dirty="0" err="1"/>
-              <a:t>ýho</a:t>
-            </a:r>
-            <a:r>
-              <a:rPr lang="cs-CZ" dirty="0"/>
-              <a:t> typu </a:t>
-            </a:r>
-            <a:r>
-              <a:rPr lang="cs-CZ" dirty="0" err="1"/>
-              <a:t>Expr</a:t>
-            </a:r>
-            <a:r>
-              <a:rPr lang="cs-CZ" dirty="0"/>
-              <a:t>. Zde jsou vidět z čeho se </a:t>
-            </a:r>
-            <a:r>
-              <a:rPr lang="cs-CZ" dirty="0" err="1"/>
-              <a:t>expression</a:t>
-            </a:r>
-            <a:r>
-              <a:rPr lang="cs-CZ" dirty="0"/>
-              <a:t> může skládat.</a:t>
-            </a:r>
+              <a:t> token</a:t>
+            </a:r>
+            <a:r>
+              <a:rPr lang="cs-CZ" dirty="0"/>
+              <a:t>ů. </a:t>
+            </a:r>
+          </a:p>
+          <a:p>
+            <a:pPr marL="0" marR="0" lvl="0" indent="0" algn="l" defTabSz="914400" rtl="0" eaLnBrk="1" fontAlgn="auto" latinLnBrk="0" hangingPunct="1">
+              <a:lnSpc>
+                <a:spcPct val="100000"/>
+              </a:lnSpc>
+              <a:spcBef>
+                <a:spcPts val="0"/>
+              </a:spcBef>
+              <a:spcAft>
+                <a:spcPts val="0"/>
+              </a:spcAft>
+              <a:buClrTx/>
+              <a:buSzTx/>
+              <a:buFontTx/>
+              <a:buNone/>
+              <a:tabLst/>
+              <a:defRPr/>
+            </a:pPr>
+            <a:endParaRPr lang="cs-CZ" dirty="0"/>
+          </a:p>
+          <a:p>
+            <a:pPr marL="0" marR="0" lvl="0" indent="0" algn="l" defTabSz="914400" rtl="0" eaLnBrk="1" fontAlgn="auto" latinLnBrk="0" hangingPunct="1">
+              <a:lnSpc>
+                <a:spcPct val="100000"/>
+              </a:lnSpc>
+              <a:spcBef>
+                <a:spcPts val="0"/>
+              </a:spcBef>
+              <a:spcAft>
+                <a:spcPts val="0"/>
+              </a:spcAft>
+              <a:buClrTx/>
+              <a:buSzTx/>
+              <a:buFontTx/>
+              <a:buNone/>
+              <a:tabLst/>
+              <a:defRPr/>
+            </a:pPr>
+            <a:r>
+              <a:rPr lang="cs-CZ" dirty="0"/>
+              <a:t>Pozn: Ukaž co je zde AST.</a:t>
+            </a:r>
+            <a:endParaRPr lang="en-US" dirty="0"/>
+          </a:p>
+          <a:p>
             <a:endParaRPr lang="en-US" dirty="0"/>
           </a:p>
         </p:txBody>
@@ -2481,7 +2983,7 @@
           <a:p>
             <a:fld id="{34A2E728-BA53-41A9-9D73-864C5C9A39D2}" type="slidenum">
               <a:rPr lang="en-US" smtClean="0"/>
-              <a:t>12</a:t>
+              <a:t>11</a:t>
             </a:fld>
             <a:endParaRPr lang="en-US"/>
           </a:p>
@@ -2490,7 +2992,7 @@
     </p:spTree>
     <p:extLst>
       <p:ext uri="{BB962C8B-B14F-4D97-AF65-F5344CB8AC3E}">
-        <p14:creationId xmlns:p14="http://schemas.microsoft.com/office/powerpoint/2010/main" val="4150160995"/>
+        <p14:creationId xmlns:p14="http://schemas.microsoft.com/office/powerpoint/2010/main" val="4177691797"/>
       </p:ext>
     </p:extLst>
   </p:cSld>
@@ -2649,7 +3151,7 @@
           <a:p>
             <a:fld id="{5B79B397-A688-4604-91A9-31A825709B71}" type="datetimeFigureOut">
               <a:rPr lang="en-US" smtClean="0"/>
-              <a:t>6/2/2024</a:t>
+              <a:t>6/7/2024</a:t>
             </a:fld>
             <a:endParaRPr lang="en-US" dirty="0"/>
           </a:p>
@@ -2849,7 +3351,7 @@
           <a:p>
             <a:fld id="{5B79B397-A688-4604-91A9-31A825709B71}" type="datetimeFigureOut">
               <a:rPr lang="en-US" smtClean="0"/>
-              <a:t>6/2/2024</a:t>
+              <a:t>6/7/2024</a:t>
             </a:fld>
             <a:endParaRPr lang="en-US" dirty="0"/>
           </a:p>
@@ -3059,7 +3561,7 @@
           <a:p>
             <a:fld id="{5B79B397-A688-4604-91A9-31A825709B71}" type="datetimeFigureOut">
               <a:rPr lang="en-US" smtClean="0"/>
-              <a:t>6/2/2024</a:t>
+              <a:t>6/7/2024</a:t>
             </a:fld>
             <a:endParaRPr lang="en-US" dirty="0"/>
           </a:p>
@@ -3259,7 +3761,7 @@
           <a:p>
             <a:fld id="{5B79B397-A688-4604-91A9-31A825709B71}" type="datetimeFigureOut">
               <a:rPr lang="en-US" smtClean="0"/>
-              <a:t>6/2/2024</a:t>
+              <a:t>6/7/2024</a:t>
             </a:fld>
             <a:endParaRPr lang="en-US" dirty="0"/>
           </a:p>
@@ -3535,7 +4037,7 @@
           <a:p>
             <a:fld id="{5B79B397-A688-4604-91A9-31A825709B71}" type="datetimeFigureOut">
               <a:rPr lang="en-US" smtClean="0"/>
-              <a:t>6/2/2024</a:t>
+              <a:t>6/7/2024</a:t>
             </a:fld>
             <a:endParaRPr lang="en-US" dirty="0"/>
           </a:p>
@@ -3803,7 +4305,7 @@
           <a:p>
             <a:fld id="{5B79B397-A688-4604-91A9-31A825709B71}" type="datetimeFigureOut">
               <a:rPr lang="en-US" smtClean="0"/>
-              <a:t>6/2/2024</a:t>
+              <a:t>6/7/2024</a:t>
             </a:fld>
             <a:endParaRPr lang="en-US" dirty="0"/>
           </a:p>
@@ -4218,7 +4720,7 @@
           <a:p>
             <a:fld id="{5B79B397-A688-4604-91A9-31A825709B71}" type="datetimeFigureOut">
               <a:rPr lang="en-US" smtClean="0"/>
-              <a:t>6/2/2024</a:t>
+              <a:t>6/7/2024</a:t>
             </a:fld>
             <a:endParaRPr lang="en-US" dirty="0"/>
           </a:p>
@@ -4360,7 +4862,7 @@
           <a:p>
             <a:fld id="{5B79B397-A688-4604-91A9-31A825709B71}" type="datetimeFigureOut">
               <a:rPr lang="en-US" smtClean="0"/>
-              <a:t>6/2/2024</a:t>
+              <a:t>6/7/2024</a:t>
             </a:fld>
             <a:endParaRPr lang="en-US" dirty="0"/>
           </a:p>
@@ -4473,7 +4975,7 @@
           <a:p>
             <a:fld id="{5B79B397-A688-4604-91A9-31A825709B71}" type="datetimeFigureOut">
               <a:rPr lang="en-US" smtClean="0"/>
-              <a:t>6/2/2024</a:t>
+              <a:t>6/7/2024</a:t>
             </a:fld>
             <a:endParaRPr lang="en-US" dirty="0"/>
           </a:p>
@@ -4786,7 +5288,7 @@
           <a:p>
             <a:fld id="{5B79B397-A688-4604-91A9-31A825709B71}" type="datetimeFigureOut">
               <a:rPr lang="en-US" smtClean="0"/>
-              <a:t>6/2/2024</a:t>
+              <a:t>6/7/2024</a:t>
             </a:fld>
             <a:endParaRPr lang="en-US" dirty="0"/>
           </a:p>
@@ -5075,7 +5577,7 @@
           <a:p>
             <a:fld id="{5B79B397-A688-4604-91A9-31A825709B71}" type="datetimeFigureOut">
               <a:rPr lang="en-US" smtClean="0"/>
-              <a:t>6/2/2024</a:t>
+              <a:t>6/7/2024</a:t>
             </a:fld>
             <a:endParaRPr lang="en-US" dirty="0"/>
           </a:p>
@@ -5318,7 +5820,7 @@
           <a:p>
             <a:fld id="{5B79B397-A688-4604-91A9-31A825709B71}" type="datetimeFigureOut">
               <a:rPr lang="en-US" smtClean="0"/>
-              <a:t>6/2/2024</a:t>
+              <a:t>6/7/2024</a:t>
             </a:fld>
             <a:endParaRPr lang="en-US" dirty="0"/>
           </a:p>
@@ -5843,6 +6345,101 @@
           <p:cNvPr id="2" name="Nadpis 1">
             <a:extLst>
               <a:ext uri="{FF2B5EF4-FFF2-40B4-BE49-F238E27FC236}">
+                <a16:creationId xmlns:a16="http://schemas.microsoft.com/office/drawing/2014/main" id="{84761754-3E19-F001-A63E-8C55A7F13F13}"/>
+              </a:ext>
+            </a:extLst>
+          </p:cNvPr>
+          <p:cNvSpPr>
+            <a:spLocks noGrp="1"/>
+          </p:cNvSpPr>
+          <p:nvPr>
+            <p:ph type="title"/>
+          </p:nvPr>
+        </p:nvSpPr>
+        <p:spPr/>
+        <p:txBody>
+          <a:bodyPr/>
+          <a:lstStyle/>
+          <a:p>
+            <a:r>
+              <a:rPr lang="en-US" dirty="0"/>
+              <a:t>Jak</a:t>
+            </a:r>
+            <a:r>
+              <a:rPr lang="cs-CZ" dirty="0"/>
+              <a:t> obecně</a:t>
+            </a:r>
+            <a:r>
+              <a:rPr lang="en-US" dirty="0"/>
+              <a:t> implementovat DSL</a:t>
+            </a:r>
+          </a:p>
+        </p:txBody>
+      </p:sp>
+      <p:pic>
+        <p:nvPicPr>
+          <p:cNvPr id="5" name="Zástupný obsah 4">
+            <a:extLst>
+              <a:ext uri="{FF2B5EF4-FFF2-40B4-BE49-F238E27FC236}">
+                <a16:creationId xmlns:a16="http://schemas.microsoft.com/office/drawing/2014/main" id="{330131FD-FAD7-6FFA-2D32-9FF212A70D9F}"/>
+              </a:ext>
+            </a:extLst>
+          </p:cNvPr>
+          <p:cNvPicPr>
+            <a:picLocks noGrp="1" noChangeAspect="1"/>
+          </p:cNvPicPr>
+          <p:nvPr>
+            <p:ph idx="1"/>
+          </p:nvPr>
+        </p:nvPicPr>
+        <p:blipFill>
+          <a:blip r:embed="rId3"/>
+          <a:stretch>
+            <a:fillRect/>
+          </a:stretch>
+        </p:blipFill>
+        <p:spPr>
+          <a:xfrm>
+            <a:off x="2237836" y="2657367"/>
+            <a:ext cx="7716327" cy="1543265"/>
+          </a:xfrm>
+        </p:spPr>
+      </p:pic>
+    </p:spTree>
+    <p:extLst>
+      <p:ext uri="{BB962C8B-B14F-4D97-AF65-F5344CB8AC3E}">
+        <p14:creationId xmlns:p14="http://schemas.microsoft.com/office/powerpoint/2010/main" val="1306260350"/>
+      </p:ext>
+    </p:extLst>
+  </p:cSld>
+  <p:clrMapOvr>
+    <a:masterClrMapping/>
+  </p:clrMapOvr>
+</p:sld>
+</file>
+
+<file path=ppt/slides/slide11.xml><?xml version="1.0" encoding="utf-8"?>
+<p:sld xmlns:a="http://schemas.openxmlformats.org/drawingml/2006/main" xmlns:r="http://schemas.openxmlformats.org/officeDocument/2006/relationships" xmlns:p="http://schemas.openxmlformats.org/presentationml/2006/main">
+  <p:cSld>
+    <p:spTree>
+      <p:nvGrpSpPr>
+        <p:cNvPr id="1" name=""/>
+        <p:cNvGrpSpPr/>
+        <p:nvPr/>
+      </p:nvGrpSpPr>
+      <p:grpSpPr>
+        <a:xfrm>
+          <a:off x="0" y="0"/>
+          <a:ext cx="0" cy="0"/>
+          <a:chOff x="0" y="0"/>
+          <a:chExt cx="0" cy="0"/>
+        </a:xfrm>
+      </p:grpSpPr>
+      <p:sp>
+        <p:nvSpPr>
+          <p:cNvPr id="2" name="Nadpis 1">
+            <a:extLst>
+              <a:ext uri="{FF2B5EF4-FFF2-40B4-BE49-F238E27FC236}">
                 <a16:creationId xmlns:a16="http://schemas.microsoft.com/office/drawing/2014/main" id="{72871456-523C-5989-1888-BF5712E928EB}"/>
               </a:ext>
             </a:extLst>
@@ -5989,7 +6586,7 @@
 </p:sld>
 </file>
 
-<file path=ppt/slides/slide11.xml><?xml version="1.0" encoding="utf-8"?>
+<file path=ppt/slides/slide12.xml><?xml version="1.0" encoding="utf-8"?>
 <p:sld xmlns:a="http://schemas.openxmlformats.org/drawingml/2006/main" xmlns:r="http://schemas.openxmlformats.org/officeDocument/2006/relationships" xmlns:p="http://schemas.openxmlformats.org/presentationml/2006/main">
   <p:cSld>
     <p:spTree>
@@ -6174,7 +6771,7 @@
 </p:sld>
 </file>
 
-<file path=ppt/slides/slide12.xml><?xml version="1.0" encoding="utf-8"?>
+<file path=ppt/slides/slide13.xml><?xml version="1.0" encoding="utf-8"?>
 <p:sld xmlns:a="http://schemas.openxmlformats.org/drawingml/2006/main" xmlns:r="http://schemas.openxmlformats.org/officeDocument/2006/relationships" xmlns:p="http://schemas.openxmlformats.org/presentationml/2006/main">
   <p:cSld>
     <p:spTree>
@@ -6275,111 +6872,6 @@
 </p:sld>
 </file>
 
-<file path=ppt/slides/slide13.xml><?xml version="1.0" encoding="utf-8"?>
-<p:sld xmlns:a="http://schemas.openxmlformats.org/drawingml/2006/main" xmlns:r="http://schemas.openxmlformats.org/officeDocument/2006/relationships" xmlns:p="http://schemas.openxmlformats.org/presentationml/2006/main">
-  <p:cSld>
-    <p:spTree>
-      <p:nvGrpSpPr>
-        <p:cNvPr id="1" name=""/>
-        <p:cNvGrpSpPr/>
-        <p:nvPr/>
-      </p:nvGrpSpPr>
-      <p:grpSpPr>
-        <a:xfrm>
-          <a:off x="0" y="0"/>
-          <a:ext cx="0" cy="0"/>
-          <a:chOff x="0" y="0"/>
-          <a:chExt cx="0" cy="0"/>
-        </a:xfrm>
-      </p:grpSpPr>
-      <p:sp>
-        <p:nvSpPr>
-          <p:cNvPr id="2" name="Nadpis 1">
-            <a:extLst>
-              <a:ext uri="{FF2B5EF4-FFF2-40B4-BE49-F238E27FC236}">
-                <a16:creationId xmlns:a16="http://schemas.microsoft.com/office/drawing/2014/main" id="{DD7F3427-63C6-ED61-6B15-3C5FB3DEE422}"/>
-              </a:ext>
-            </a:extLst>
-          </p:cNvPr>
-          <p:cNvSpPr>
-            <a:spLocks noGrp="1"/>
-          </p:cNvSpPr>
-          <p:nvPr>
-            <p:ph type="title"/>
-          </p:nvPr>
-        </p:nvSpPr>
-        <p:spPr/>
-        <p:txBody>
-          <a:bodyPr/>
-          <a:lstStyle/>
-          <a:p>
-            <a:r>
-              <a:rPr lang="en-US" dirty="0" err="1"/>
-              <a:t>Lexer</a:t>
-            </a:r>
-            <a:r>
-              <a:rPr lang="en-US" dirty="0"/>
-              <a:t>, parser a AST</a:t>
-            </a:r>
-          </a:p>
-        </p:txBody>
-      </p:sp>
-      <p:sp>
-        <p:nvSpPr>
-          <p:cNvPr id="3" name="Zástupný obsah 2">
-            <a:extLst>
-              <a:ext uri="{FF2B5EF4-FFF2-40B4-BE49-F238E27FC236}">
-                <a16:creationId xmlns:a16="http://schemas.microsoft.com/office/drawing/2014/main" id="{62B5BC36-24F2-26FE-AB2C-D8C45DAAECF4}"/>
-              </a:ext>
-            </a:extLst>
-          </p:cNvPr>
-          <p:cNvSpPr>
-            <a:spLocks noGrp="1"/>
-          </p:cNvSpPr>
-          <p:nvPr>
-            <p:ph idx="1"/>
-          </p:nvPr>
-        </p:nvSpPr>
-        <p:spPr/>
-        <p:txBody>
-          <a:bodyPr/>
-          <a:lstStyle/>
-          <a:p>
-            <a:r>
-              <a:rPr lang="en-US" dirty="0"/>
-              <a:t>TDD – Test Driven Development</a:t>
-            </a:r>
-          </a:p>
-          <a:p>
-            <a:r>
-              <a:rPr lang="en-US" dirty="0"/>
-              <a:t>Bez test</a:t>
-            </a:r>
-            <a:r>
-              <a:rPr lang="cs-CZ" dirty="0"/>
-              <a:t>ů nevznikne žádný spolehlivý </a:t>
-            </a:r>
-            <a:r>
-              <a:rPr lang="cs-CZ" dirty="0" err="1"/>
-              <a:t>parser</a:t>
-            </a:r>
-            <a:endParaRPr lang="en-US" dirty="0"/>
-          </a:p>
-        </p:txBody>
-      </p:sp>
-    </p:spTree>
-    <p:extLst>
-      <p:ext uri="{BB962C8B-B14F-4D97-AF65-F5344CB8AC3E}">
-        <p14:creationId xmlns:p14="http://schemas.microsoft.com/office/powerpoint/2010/main" val="1710481969"/>
-      </p:ext>
-    </p:extLst>
-  </p:cSld>
-  <p:clrMapOvr>
-    <a:masterClrMapping/>
-  </p:clrMapOvr>
-</p:sld>
-</file>
-
 <file path=ppt/slides/slide14.xml><?xml version="1.0" encoding="utf-8"?>
 <p:sld xmlns:a="http://schemas.openxmlformats.org/drawingml/2006/main" xmlns:r="http://schemas.openxmlformats.org/officeDocument/2006/relationships" xmlns:p="http://schemas.openxmlformats.org/presentationml/2006/main">
   <p:cSld>
@@ -6402,7 +6894,7 @@
           <p:cNvPr id="2" name="Nadpis 1">
             <a:extLst>
               <a:ext uri="{FF2B5EF4-FFF2-40B4-BE49-F238E27FC236}">
-                <a16:creationId xmlns:a16="http://schemas.microsoft.com/office/drawing/2014/main" id="{842708F0-90E1-7EEC-ABDE-1CDD89006991}"/>
+                <a16:creationId xmlns:a16="http://schemas.microsoft.com/office/drawing/2014/main" id="{DD7F3427-63C6-ED61-6B15-3C5FB3DEE422}"/>
               </a:ext>
             </a:extLst>
           </p:cNvPr>
@@ -6420,7 +6912,7 @@
           <a:p>
             <a:r>
               <a:rPr lang="cs-CZ" dirty="0"/>
-              <a:t>Z AST do LLVM</a:t>
+              <a:t>Testování</a:t>
             </a:r>
             <a:endParaRPr lang="en-US" dirty="0"/>
           </a:p>
@@ -6431,7 +6923,7 @@
           <p:cNvPr id="3" name="Zástupný obsah 2">
             <a:extLst>
               <a:ext uri="{FF2B5EF4-FFF2-40B4-BE49-F238E27FC236}">
-                <a16:creationId xmlns:a16="http://schemas.microsoft.com/office/drawing/2014/main" id="{B42FCDE0-5E4A-947B-CB3E-D2DC252DA0D1}"/>
+                <a16:creationId xmlns:a16="http://schemas.microsoft.com/office/drawing/2014/main" id="{62B5BC36-24F2-26FE-AB2C-D8C45DAAECF4}"/>
               </a:ext>
             </a:extLst>
           </p:cNvPr>
@@ -6448,46 +6940,23 @@
           <a:lstStyle/>
           <a:p>
             <a:r>
-              <a:rPr lang="cs-CZ" dirty="0"/>
-              <a:t>Jedná se o front end kompilátorů </a:t>
-            </a:r>
-            <a:r>
               <a:rPr lang="en-US" dirty="0"/>
-              <a:t>– clang, Jai, Odin</a:t>
-            </a:r>
-            <a:endParaRPr lang="cs-CZ" dirty="0"/>
+              <a:t>TDD – Test Driven Development</a:t>
+            </a:r>
           </a:p>
           <a:p>
             <a:r>
               <a:rPr lang="en-US" dirty="0"/>
-              <a:t>Nen</a:t>
-            </a:r>
-            <a:r>
-              <a:rPr lang="cs-CZ" dirty="0"/>
-              <a:t>í vhodné na DSL</a:t>
-            </a:r>
-          </a:p>
-          <a:p>
-            <a:r>
-              <a:rPr lang="cs-CZ" dirty="0"/>
-              <a:t>Na programovací jazyk ano</a:t>
-            </a:r>
-          </a:p>
-          <a:p>
-            <a:r>
-              <a:rPr lang="cs-CZ" dirty="0"/>
-              <a:t>U DSL generování </a:t>
-            </a:r>
-            <a:r>
-              <a:rPr lang="cs-CZ" dirty="0" err="1"/>
-              <a:t>bindings</a:t>
-            </a:r>
-            <a:r>
-              <a:rPr lang="cs-CZ" dirty="0"/>
-              <a:t> mezi jazyky? Moc náročné.</a:t>
-            </a:r>
-          </a:p>
-          <a:p>
+              <a:t>Bez test</a:t>
+            </a:r>
+            <a:r>
+              <a:rPr lang="cs-CZ" dirty="0"/>
+              <a:t>ů nevznikne žádný spolehlivý </a:t>
+            </a:r>
+            <a:r>
+              <a:rPr lang="cs-CZ" dirty="0" err="1"/>
+              <a:t>parser</a:t>
+            </a:r>
             <a:endParaRPr lang="en-US" dirty="0"/>
           </a:p>
         </p:txBody>
@@ -6495,7 +6964,7 @@
     </p:spTree>
     <p:extLst>
       <p:ext uri="{BB962C8B-B14F-4D97-AF65-F5344CB8AC3E}">
-        <p14:creationId xmlns:p14="http://schemas.microsoft.com/office/powerpoint/2010/main" val="1457939447"/>
+        <p14:creationId xmlns:p14="http://schemas.microsoft.com/office/powerpoint/2010/main" val="1710481969"/>
       </p:ext>
     </p:extLst>
   </p:cSld>
@@ -6916,7 +7385,7 @@
           </p:nvPr>
         </p:nvPicPr>
         <p:blipFill>
-          <a:blip r:embed="rId2"/>
+          <a:blip r:embed="rId3"/>
           <a:stretch>
             <a:fillRect/>
           </a:stretch>
@@ -6963,7 +7432,7 @@
             <p:nvPr/>
           </p:nvPicPr>
           <p:blipFill rotWithShape="1">
-            <a:blip r:embed="rId3"/>
+            <a:blip r:embed="rId4"/>
             <a:srcRect b="67995"/>
             <a:stretch/>
           </p:blipFill>
@@ -6992,7 +7461,7 @@
             <p:nvPr/>
           </p:nvPicPr>
           <p:blipFill rotWithShape="1">
-            <a:blip r:embed="rId3"/>
+            <a:blip r:embed="rId4"/>
             <a:srcRect t="84254"/>
             <a:stretch/>
           </p:blipFill>
@@ -7364,7 +7833,7 @@
           <p:cNvPr id="2" name="Nadpis 1">
             <a:extLst>
               <a:ext uri="{FF2B5EF4-FFF2-40B4-BE49-F238E27FC236}">
-                <a16:creationId xmlns:a16="http://schemas.microsoft.com/office/drawing/2014/main" id="{E0A3B800-1838-2717-B99D-95D663BAB46E}"/>
+                <a16:creationId xmlns:a16="http://schemas.microsoft.com/office/drawing/2014/main" id="{FE4179BF-C205-75E1-4187-8A31CF01AA1B}"/>
               </a:ext>
             </a:extLst>
           </p:cNvPr>
@@ -7381,9 +7850,10 @@
           <a:lstStyle/>
           <a:p>
             <a:r>
-              <a:rPr lang="en-US" dirty="0"/>
-              <a:t>Tacit programming</a:t>
-            </a:r>
+              <a:rPr lang="cs-CZ" dirty="0"/>
+              <a:t>Cíle práce </a:t>
+            </a:r>
+            <a:endParaRPr lang="en-US" dirty="0"/>
           </a:p>
         </p:txBody>
       </p:sp>
@@ -7392,7 +7862,7 @@
           <p:cNvPr id="3" name="Zástupný obsah 2">
             <a:extLst>
               <a:ext uri="{FF2B5EF4-FFF2-40B4-BE49-F238E27FC236}">
-                <a16:creationId xmlns:a16="http://schemas.microsoft.com/office/drawing/2014/main" id="{FC592830-F270-EED8-5A15-D15F6171D02F}"/>
+                <a16:creationId xmlns:a16="http://schemas.microsoft.com/office/drawing/2014/main" id="{714A9FFB-844A-A149-5924-ED0C40C75B23}"/>
               </a:ext>
             </a:extLst>
           </p:cNvPr>
@@ -7409,83 +7879,66 @@
           <a:lstStyle/>
           <a:p>
             <a:r>
-              <a:rPr lang="en-US" dirty="0" err="1"/>
-              <a:t>Funkce</a:t>
-            </a:r>
-            <a:r>
-              <a:rPr lang="cs-CZ" dirty="0"/>
-              <a:t> implicitně pracují s jejími argumenty</a:t>
-            </a:r>
-          </a:p>
-          <a:p>
+              <a:rPr lang="cs-CZ" dirty="0"/>
+              <a:t>Zkoumání </a:t>
+            </a:r>
+            <a:r>
+              <a:rPr lang="cs-CZ" dirty="0" err="1"/>
+              <a:t>Tacit</a:t>
+            </a:r>
+            <a:r>
+              <a:rPr lang="cs-CZ" dirty="0"/>
+              <a:t> </a:t>
+            </a:r>
+            <a:r>
+              <a:rPr lang="cs-CZ" dirty="0" err="1"/>
+              <a:t>programmingu</a:t>
+            </a:r>
             <a:endParaRPr lang="cs-CZ" dirty="0"/>
           </a:p>
-        </p:txBody>
-      </p:sp>
-      <p:pic>
-        <p:nvPicPr>
-          <p:cNvPr id="5" name="Obrázek 4">
-            <a:extLst>
-              <a:ext uri="{FF2B5EF4-FFF2-40B4-BE49-F238E27FC236}">
-                <a16:creationId xmlns:a16="http://schemas.microsoft.com/office/drawing/2014/main" id="{2D4F65B8-C97F-712B-43BD-7BD87CC4D019}"/>
-              </a:ext>
-            </a:extLst>
-          </p:cNvPr>
-          <p:cNvPicPr>
-            <a:picLocks noChangeAspect="1"/>
-          </p:cNvPicPr>
-          <p:nvPr/>
-        </p:nvPicPr>
-        <p:blipFill>
-          <a:blip r:embed="rId2"/>
-          <a:stretch>
-            <a:fillRect/>
-          </a:stretch>
-        </p:blipFill>
-        <p:spPr>
-          <a:xfrm>
-            <a:off x="2337863" y="2395393"/>
-            <a:ext cx="7516274" cy="2067213"/>
-          </a:xfrm>
-          <a:prstGeom prst="rect">
-            <a:avLst/>
-          </a:prstGeom>
-        </p:spPr>
-      </p:pic>
-      <p:pic>
-        <p:nvPicPr>
-          <p:cNvPr id="7" name="Obrázek 6">
-            <a:extLst>
-              <a:ext uri="{FF2B5EF4-FFF2-40B4-BE49-F238E27FC236}">
-                <a16:creationId xmlns:a16="http://schemas.microsoft.com/office/drawing/2014/main" id="{B18E0B06-AD54-5F7D-3D3C-DFFAAA73909E}"/>
-              </a:ext>
-            </a:extLst>
-          </p:cNvPr>
-          <p:cNvPicPr>
-            <a:picLocks noChangeAspect="1"/>
-          </p:cNvPicPr>
-          <p:nvPr/>
-        </p:nvPicPr>
-        <p:blipFill>
-          <a:blip r:embed="rId3"/>
-          <a:stretch>
-            <a:fillRect/>
-          </a:stretch>
-        </p:blipFill>
-        <p:spPr>
-          <a:xfrm>
-            <a:off x="2280705" y="4619758"/>
-            <a:ext cx="7630590" cy="1981477"/>
-          </a:xfrm>
-          <a:prstGeom prst="rect">
-            <a:avLst/>
-          </a:prstGeom>
-        </p:spPr>
-      </p:pic>
+          <a:p>
+            <a:r>
+              <a:rPr lang="cs-CZ" dirty="0"/>
+              <a:t>Zkoumání DSL</a:t>
+            </a:r>
+          </a:p>
+          <a:p>
+            <a:r>
+              <a:rPr lang="cs-CZ" dirty="0"/>
+              <a:t>Vytvoření </a:t>
+            </a:r>
+            <a:r>
+              <a:rPr lang="cs-CZ" dirty="0" err="1"/>
+              <a:t>parseru</a:t>
+            </a:r>
+            <a:endParaRPr lang="cs-CZ" dirty="0"/>
+          </a:p>
+          <a:p>
+            <a:r>
+              <a:rPr lang="cs-CZ" dirty="0"/>
+              <a:t>Implementovat výstup </a:t>
+            </a:r>
+            <a:r>
+              <a:rPr lang="cs-CZ" dirty="0" err="1"/>
+              <a:t>parseru</a:t>
+            </a:r>
+            <a:r>
+              <a:rPr lang="cs-CZ" dirty="0"/>
+              <a:t> (AST) do vlastního DSL pro konkurenci</a:t>
+            </a:r>
+          </a:p>
+          <a:p>
+            <a:r>
+              <a:rPr lang="cs-CZ" dirty="0"/>
+              <a:t>Příklady užití</a:t>
+            </a:r>
+          </a:p>
+        </p:txBody>
+      </p:sp>
     </p:spTree>
     <p:extLst>
       <p:ext uri="{BB962C8B-B14F-4D97-AF65-F5344CB8AC3E}">
-        <p14:creationId xmlns:p14="http://schemas.microsoft.com/office/powerpoint/2010/main" val="3302633431"/>
+        <p14:creationId xmlns:p14="http://schemas.microsoft.com/office/powerpoint/2010/main" val="586127659"/>
       </p:ext>
     </p:extLst>
   </p:cSld>
@@ -7563,6 +8016,27 @@
           <a:lstStyle/>
           <a:p>
             <a:r>
+              <a:rPr lang="en-US" dirty="0" err="1"/>
+              <a:t>Lep</a:t>
+            </a:r>
+            <a:r>
+              <a:rPr lang="cs-CZ" dirty="0" err="1"/>
+              <a:t>ší</a:t>
+            </a:r>
+            <a:r>
+              <a:rPr lang="cs-CZ" dirty="0"/>
+              <a:t> dokumentace</a:t>
+            </a:r>
+          </a:p>
+          <a:p>
+            <a:r>
+              <a:rPr lang="cs-CZ" dirty="0"/>
+              <a:t>Kontejner pro zkoušku DSL</a:t>
+            </a:r>
+            <a:endParaRPr lang="en-US" dirty="0"/>
+          </a:p>
+          <a:p>
+            <a:r>
               <a:rPr lang="cs-CZ" dirty="0"/>
               <a:t>Tvorba </a:t>
             </a:r>
@@ -7592,11 +8066,7 @@
             </a:r>
             <a:r>
               <a:rPr lang="cs-CZ" dirty="0"/>
-              <a:t> a duplikace </a:t>
-            </a:r>
-            <a:r>
-              <a:rPr lang="cs-CZ"/>
-              <a:t>stejných funkcí</a:t>
+              <a:t> a duplikace stejných funkcí</a:t>
             </a:r>
           </a:p>
         </p:txBody>
@@ -7701,7 +8171,7 @@
           <p:cNvPr id="2" name="Nadpis 1">
             <a:extLst>
               <a:ext uri="{FF2B5EF4-FFF2-40B4-BE49-F238E27FC236}">
-                <a16:creationId xmlns:a16="http://schemas.microsoft.com/office/drawing/2014/main" id="{3E42DB06-CB1B-CFBE-4FBF-9574F0CB9544}"/>
+                <a16:creationId xmlns:a16="http://schemas.microsoft.com/office/drawing/2014/main" id="{E0A3B800-1838-2717-B99D-95D663BAB46E}"/>
               </a:ext>
             </a:extLst>
           </p:cNvPr>
@@ -7719,13 +8189,8 @@
           <a:p>
             <a:r>
               <a:rPr lang="en-US" dirty="0"/>
-              <a:t>Currying a</a:t>
-            </a:r>
-            <a:r>
-              <a:rPr lang="cs-CZ" dirty="0"/>
-              <a:t> kompozice funkcí</a:t>
-            </a:r>
-            <a:endParaRPr lang="en-US" dirty="0"/>
+              <a:t>Tacit/point-free programming</a:t>
+            </a:r>
           </a:p>
         </p:txBody>
       </p:sp>
@@ -7734,7 +8199,7 @@
           <p:cNvPr id="3" name="Zástupný obsah 2">
             <a:extLst>
               <a:ext uri="{FF2B5EF4-FFF2-40B4-BE49-F238E27FC236}">
-                <a16:creationId xmlns:a16="http://schemas.microsoft.com/office/drawing/2014/main" id="{5FF6275E-E68B-5523-4E13-3BCB46DED1A2}"/>
+                <a16:creationId xmlns:a16="http://schemas.microsoft.com/office/drawing/2014/main" id="{FC592830-F270-EED8-5A15-D15F6171D02F}"/>
               </a:ext>
             </a:extLst>
           </p:cNvPr>
@@ -7751,64 +8216,25 @@
           <a:lstStyle/>
           <a:p>
             <a:r>
-              <a:rPr lang="en-US" dirty="0"/>
-              <a:t>f:: (a, b) -&gt; c po </a:t>
-            </a:r>
-            <a:r>
               <a:rPr lang="en-US" dirty="0" err="1"/>
-              <a:t>curryingu</a:t>
-            </a:r>
-            <a:r>
-              <a:rPr lang="en-US" dirty="0"/>
-              <a:t> f:: a -&gt; (b -&gt; c) </a:t>
-            </a:r>
-            <a:r>
-              <a:rPr lang="en-US" dirty="0" err="1"/>
-              <a:t>nebo</a:t>
-            </a:r>
-            <a:r>
-              <a:rPr lang="en-US" dirty="0"/>
-              <a:t>-li f:: a -&gt; b -&gt; c</a:t>
-            </a:r>
-          </a:p>
-          <a:p>
-            <a:r>
-              <a:rPr lang="en-US" dirty="0"/>
-              <a:t>Currying je </a:t>
-            </a:r>
-            <a:r>
-              <a:rPr lang="en-US" dirty="0" err="1"/>
-              <a:t>zabudovan</a:t>
-            </a:r>
-            <a:r>
-              <a:rPr lang="cs-CZ" dirty="0"/>
-              <a:t>ý v GHC</a:t>
-            </a:r>
-          </a:p>
-          <a:p>
-            <a:r>
-              <a:rPr lang="cs-CZ" dirty="0"/>
-              <a:t>Kompozice </a:t>
-            </a:r>
-            <a:r>
-              <a:rPr lang="en-US" dirty="0"/>
-              <a:t>(.):: (b -&gt; c) -&gt; (a -&gt; b) -&gt; a -&gt; c</a:t>
-            </a:r>
-          </a:p>
-          <a:p>
-            <a:pPr marL="0" indent="0">
-              <a:buNone/>
-            </a:pPr>
-            <a:endParaRPr lang="en-US" dirty="0"/>
+              <a:t>Funkce</a:t>
+            </a:r>
+            <a:r>
+              <a:rPr lang="cs-CZ" dirty="0"/>
+              <a:t> implicitně pracují se svými argumenty</a:t>
+            </a:r>
+          </a:p>
+          <a:p>
+            <a:endParaRPr lang="cs-CZ" dirty="0"/>
           </a:p>
         </p:txBody>
       </p:sp>
       <p:pic>
         <p:nvPicPr>
-          <p:cNvPr id="5" name="Obrázek 4">
-            <a:extLst>
-              <a:ext uri="{FF2B5EF4-FFF2-40B4-BE49-F238E27FC236}">
-                <a16:creationId xmlns:a16="http://schemas.microsoft.com/office/drawing/2014/main" id="{E3E0A320-9B7A-03DE-F67B-29F92CCC7E6D}"/>
+          <p:cNvPr id="6" name="Obrázek 5">
+            <a:extLst>
+              <a:ext uri="{FF2B5EF4-FFF2-40B4-BE49-F238E27FC236}">
+                <a16:creationId xmlns:a16="http://schemas.microsoft.com/office/drawing/2014/main" id="{ADEDDDC1-1B0C-43C0-E094-0B2EA8D62C00}"/>
               </a:ext>
             </a:extLst>
           </p:cNvPr>
@@ -7818,60 +8244,25 @@
           <p:nvPr/>
         </p:nvPicPr>
         <p:blipFill>
-          <a:blip r:embed="rId2"/>
+          <a:blip r:embed="rId3"/>
           <a:stretch>
             <a:fillRect/>
           </a:stretch>
         </p:blipFill>
         <p:spPr>
           <a:xfrm>
-            <a:off x="1899652" y="3552777"/>
-            <a:ext cx="8392696" cy="1886213"/>
+            <a:off x="2618890" y="2461695"/>
+            <a:ext cx="6954220" cy="3715268"/>
           </a:xfrm>
           <a:prstGeom prst="rect">
             <a:avLst/>
           </a:prstGeom>
         </p:spPr>
       </p:pic>
-      <p:sp>
-        <p:nvSpPr>
-          <p:cNvPr id="6" name="TextovéPole 5">
-            <a:extLst>
-              <a:ext uri="{FF2B5EF4-FFF2-40B4-BE49-F238E27FC236}">
-                <a16:creationId xmlns:a16="http://schemas.microsoft.com/office/drawing/2014/main" id="{EB2941C1-560C-AFA5-77EB-00D5C8159037}"/>
-              </a:ext>
-            </a:extLst>
-          </p:cNvPr>
-          <p:cNvSpPr txBox="1"/>
-          <p:nvPr/>
-        </p:nvSpPr>
-        <p:spPr>
-          <a:xfrm>
-            <a:off x="4709402" y="5573927"/>
-            <a:ext cx="2773195" cy="369332"/>
-          </a:xfrm>
-          <a:prstGeom prst="rect">
-            <a:avLst/>
-          </a:prstGeom>
-          <a:noFill/>
-        </p:spPr>
-        <p:txBody>
-          <a:bodyPr wrap="none" rtlCol="0">
-            <a:spAutoFit/>
-          </a:bodyPr>
-          <a:lstStyle/>
-          <a:p>
-            <a:r>
-              <a:rPr lang="en-US" dirty="0"/>
-              <a:t>f(x) = (sin x) ^ 2 + (cos x) ^ 2</a:t>
-            </a:r>
-          </a:p>
-        </p:txBody>
-      </p:sp>
     </p:spTree>
     <p:extLst>
       <p:ext uri="{BB962C8B-B14F-4D97-AF65-F5344CB8AC3E}">
-        <p14:creationId xmlns:p14="http://schemas.microsoft.com/office/powerpoint/2010/main" val="1041731204"/>
+        <p14:creationId xmlns:p14="http://schemas.microsoft.com/office/powerpoint/2010/main" val="3302633431"/>
       </p:ext>
     </p:extLst>
   </p:cSld>
@@ -7903,7 +8294,7 @@
           <p:cNvPr id="2" name="Nadpis 1">
             <a:extLst>
               <a:ext uri="{FF2B5EF4-FFF2-40B4-BE49-F238E27FC236}">
-                <a16:creationId xmlns:a16="http://schemas.microsoft.com/office/drawing/2014/main" id="{3D1BA813-165F-EC54-B941-2445CEF6DB89}"/>
+                <a16:creationId xmlns:a16="http://schemas.microsoft.com/office/drawing/2014/main" id="{3E42DB06-CB1B-CFBE-4FBF-9574F0CB9544}"/>
               </a:ext>
             </a:extLst>
           </p:cNvPr>
@@ -7920,308 +8311,122 @@
           <a:lstStyle/>
           <a:p>
             <a:r>
+              <a:rPr lang="cs-CZ" dirty="0"/>
+              <a:t>Funkcionální podpora </a:t>
+            </a:r>
+            <a:r>
+              <a:rPr lang="cs-CZ" dirty="0" err="1"/>
+              <a:t>tacit</a:t>
+            </a:r>
+            <a:r>
+              <a:rPr lang="cs-CZ" dirty="0"/>
+              <a:t> </a:t>
+            </a:r>
+            <a:r>
+              <a:rPr lang="cs-CZ" dirty="0" err="1"/>
+              <a:t>programmingu</a:t>
+            </a:r>
+            <a:endParaRPr lang="en-US" dirty="0"/>
+          </a:p>
+        </p:txBody>
+      </p:sp>
+      <p:sp>
+        <p:nvSpPr>
+          <p:cNvPr id="3" name="Zástupný obsah 2">
+            <a:extLst>
+              <a:ext uri="{FF2B5EF4-FFF2-40B4-BE49-F238E27FC236}">
+                <a16:creationId xmlns:a16="http://schemas.microsoft.com/office/drawing/2014/main" id="{5FF6275E-E68B-5523-4E13-3BCB46DED1A2}"/>
+              </a:ext>
+            </a:extLst>
+          </p:cNvPr>
+          <p:cNvSpPr>
+            <a:spLocks noGrp="1"/>
+          </p:cNvSpPr>
+          <p:nvPr>
+            <p:ph idx="1"/>
+          </p:nvPr>
+        </p:nvSpPr>
+        <p:spPr/>
+        <p:txBody>
+          <a:bodyPr/>
+          <a:lstStyle/>
+          <a:p>
+            <a:r>
               <a:rPr lang="en-US" dirty="0"/>
-              <a:t>Tacit programming</a:t>
-            </a:r>
-          </a:p>
-        </p:txBody>
-      </p:sp>
-      <p:grpSp>
-        <p:nvGrpSpPr>
-          <p:cNvPr id="24" name="Skupina 23">
-            <a:extLst>
-              <a:ext uri="{FF2B5EF4-FFF2-40B4-BE49-F238E27FC236}">
-                <a16:creationId xmlns:a16="http://schemas.microsoft.com/office/drawing/2014/main" id="{EF93D086-417E-E9CA-0FD8-AD154EE60C4F}"/>
-              </a:ext>
-            </a:extLst>
-          </p:cNvPr>
-          <p:cNvGrpSpPr/>
+              <a:t>f:: (a, b) -&gt; c po </a:t>
+            </a:r>
+            <a:r>
+              <a:rPr lang="en-US" dirty="0" err="1"/>
+              <a:t>curryingu</a:t>
+            </a:r>
+            <a:r>
+              <a:rPr lang="en-US" dirty="0"/>
+              <a:t> f:: a -&gt; (b -&gt; c) </a:t>
+            </a:r>
+            <a:r>
+              <a:rPr lang="en-US" dirty="0" err="1"/>
+              <a:t>nebo</a:t>
+            </a:r>
+            <a:r>
+              <a:rPr lang="en-US" dirty="0"/>
+              <a:t>-li f:: a -&gt; b -&gt; c</a:t>
+            </a:r>
+          </a:p>
+          <a:p>
+            <a:r>
+              <a:rPr lang="en-US" dirty="0"/>
+              <a:t>Currying je </a:t>
+            </a:r>
+            <a:r>
+              <a:rPr lang="en-US" dirty="0" err="1"/>
+              <a:t>zabudovan</a:t>
+            </a:r>
+            <a:r>
+              <a:rPr lang="cs-CZ" dirty="0"/>
+              <a:t>ý v GHC</a:t>
+            </a:r>
+          </a:p>
+          <a:p>
+            <a:pPr marL="0" indent="0">
+              <a:buNone/>
+            </a:pPr>
+            <a:endParaRPr lang="en-US" dirty="0"/>
+          </a:p>
+        </p:txBody>
+      </p:sp>
+      <p:pic>
+        <p:nvPicPr>
+          <p:cNvPr id="6" name="Obrázek 5">
+            <a:extLst>
+              <a:ext uri="{FF2B5EF4-FFF2-40B4-BE49-F238E27FC236}">
+                <a16:creationId xmlns:a16="http://schemas.microsoft.com/office/drawing/2014/main" id="{6B68ACD5-04EF-42CB-132C-30A08333E01B}"/>
+              </a:ext>
+            </a:extLst>
+          </p:cNvPr>
+          <p:cNvPicPr>
+            <a:picLocks noChangeAspect="1"/>
+          </p:cNvPicPr>
           <p:nvPr/>
-        </p:nvGrpSpPr>
-        <p:grpSpPr>
+        </p:nvPicPr>
+        <p:blipFill rotWithShape="1">
+          <a:blip r:embed="rId3"/>
+          <a:srcRect l="11067" t="26988"/>
+          <a:stretch/>
+        </p:blipFill>
+        <p:spPr>
           <a:xfrm>
-            <a:off x="2266415" y="1690688"/>
-            <a:ext cx="7659169" cy="1194180"/>
-            <a:chOff x="2266415" y="1690688"/>
-            <a:chExt cx="7659169" cy="1194180"/>
+            <a:off x="2855788" y="3429000"/>
+            <a:ext cx="6480424" cy="1461478"/>
           </a:xfrm>
-        </p:grpSpPr>
-        <p:grpSp>
-          <p:nvGrpSpPr>
-            <p:cNvPr id="19" name="Skupina 18">
-              <a:extLst>
-                <a:ext uri="{FF2B5EF4-FFF2-40B4-BE49-F238E27FC236}">
-                  <a16:creationId xmlns:a16="http://schemas.microsoft.com/office/drawing/2014/main" id="{F7CA9148-DDAD-C693-C302-C4050875A6BD}"/>
-                </a:ext>
-              </a:extLst>
-            </p:cNvPr>
-            <p:cNvGrpSpPr/>
-            <p:nvPr/>
-          </p:nvGrpSpPr>
-          <p:grpSpPr>
-            <a:xfrm>
-              <a:off x="2266415" y="1690688"/>
-              <a:ext cx="7659169" cy="1194180"/>
-              <a:chOff x="2266415" y="1690688"/>
-              <a:chExt cx="7659169" cy="1194180"/>
-            </a:xfrm>
-          </p:grpSpPr>
-          <p:grpSp>
-            <p:nvGrpSpPr>
-              <p:cNvPr id="14" name="Skupina 13">
-                <a:extLst>
-                  <a:ext uri="{FF2B5EF4-FFF2-40B4-BE49-F238E27FC236}">
-                    <a16:creationId xmlns:a16="http://schemas.microsoft.com/office/drawing/2014/main" id="{F28CCD0A-58DA-F6C2-8CE9-C5B4FAC5B57C}"/>
-                  </a:ext>
-                </a:extLst>
-              </p:cNvPr>
-              <p:cNvGrpSpPr/>
-              <p:nvPr/>
-            </p:nvGrpSpPr>
-            <p:grpSpPr>
-              <a:xfrm>
-                <a:off x="2266415" y="1690688"/>
-                <a:ext cx="7659169" cy="952633"/>
-                <a:chOff x="2266415" y="1690688"/>
-                <a:chExt cx="7659169" cy="952633"/>
-              </a:xfrm>
-            </p:grpSpPr>
-            <p:pic>
-              <p:nvPicPr>
-                <p:cNvPr id="11" name="Obrázek 10">
-                  <a:extLst>
-                    <a:ext uri="{FF2B5EF4-FFF2-40B4-BE49-F238E27FC236}">
-                      <a16:creationId xmlns:a16="http://schemas.microsoft.com/office/drawing/2014/main" id="{83972936-0A63-E500-711F-40742888D412}"/>
-                    </a:ext>
-                  </a:extLst>
-                </p:cNvPr>
-                <p:cNvPicPr>
-                  <a:picLocks noChangeAspect="1"/>
-                </p:cNvPicPr>
-                <p:nvPr/>
-              </p:nvPicPr>
-              <p:blipFill>
-                <a:blip r:embed="rId3"/>
-                <a:stretch>
-                  <a:fillRect/>
-                </a:stretch>
-              </p:blipFill>
-              <p:spPr>
-                <a:xfrm>
-                  <a:off x="2266415" y="1690688"/>
-                  <a:ext cx="7659169" cy="952633"/>
-                </a:xfrm>
-                <a:prstGeom prst="rect">
-                  <a:avLst/>
-                </a:prstGeom>
-              </p:spPr>
-            </p:pic>
-            <p:pic>
-              <p:nvPicPr>
-                <p:cNvPr id="13" name="Obrázek 12">
-                  <a:extLst>
-                    <a:ext uri="{FF2B5EF4-FFF2-40B4-BE49-F238E27FC236}">
-                      <a16:creationId xmlns:a16="http://schemas.microsoft.com/office/drawing/2014/main" id="{E8978CE0-AF5B-C373-1256-E3A5BEF82793}"/>
-                    </a:ext>
-                  </a:extLst>
-                </p:cNvPr>
-                <p:cNvPicPr>
-                  <a:picLocks noChangeAspect="1"/>
-                </p:cNvPicPr>
-                <p:nvPr/>
-              </p:nvPicPr>
-              <p:blipFill>
-                <a:blip r:embed="rId4"/>
-                <a:stretch>
-                  <a:fillRect/>
-                </a:stretch>
-              </p:blipFill>
-              <p:spPr>
-                <a:xfrm>
-                  <a:off x="7372468" y="2429691"/>
-                  <a:ext cx="129844" cy="142210"/>
-                </a:xfrm>
-                <a:prstGeom prst="rect">
-                  <a:avLst/>
-                </a:prstGeom>
-              </p:spPr>
-            </p:pic>
-          </p:grpSp>
-          <p:pic>
-            <p:nvPicPr>
-              <p:cNvPr id="16" name="Obrázek 15">
-                <a:extLst>
-                  <a:ext uri="{FF2B5EF4-FFF2-40B4-BE49-F238E27FC236}">
-                    <a16:creationId xmlns:a16="http://schemas.microsoft.com/office/drawing/2014/main" id="{0B97B01B-2210-46B2-9EFE-C8999CFACBEB}"/>
-                  </a:ext>
-                </a:extLst>
-              </p:cNvPr>
-              <p:cNvPicPr>
-                <a:picLocks noChangeAspect="1"/>
-              </p:cNvPicPr>
-              <p:nvPr/>
-            </p:nvPicPr>
-            <p:blipFill>
-              <a:blip r:embed="rId5"/>
-              <a:stretch>
-                <a:fillRect/>
-              </a:stretch>
-            </p:blipFill>
-            <p:spPr>
-              <a:xfrm>
-                <a:off x="2266415" y="2646710"/>
-                <a:ext cx="7649643" cy="238158"/>
-              </a:xfrm>
-              <a:prstGeom prst="rect">
-                <a:avLst/>
-              </a:prstGeom>
-            </p:spPr>
-          </p:pic>
-          <p:pic>
-            <p:nvPicPr>
-              <p:cNvPr id="18" name="Obrázek 17">
-                <a:extLst>
-                  <a:ext uri="{FF2B5EF4-FFF2-40B4-BE49-F238E27FC236}">
-                    <a16:creationId xmlns:a16="http://schemas.microsoft.com/office/drawing/2014/main" id="{21590C39-6D8E-5DAF-1438-3E6F3C906E7A}"/>
-                  </a:ext>
-                </a:extLst>
-              </p:cNvPr>
-              <p:cNvPicPr>
-                <a:picLocks noChangeAspect="1"/>
-              </p:cNvPicPr>
-              <p:nvPr/>
-            </p:nvPicPr>
-            <p:blipFill>
-              <a:blip r:embed="rId6"/>
-              <a:stretch>
-                <a:fillRect/>
-              </a:stretch>
-            </p:blipFill>
-            <p:spPr>
-              <a:xfrm>
-                <a:off x="2283013" y="2699104"/>
-                <a:ext cx="209579" cy="133369"/>
-              </a:xfrm>
-              <a:prstGeom prst="rect">
-                <a:avLst/>
-              </a:prstGeom>
-            </p:spPr>
-          </p:pic>
-        </p:grpSp>
-        <p:pic>
-          <p:nvPicPr>
-            <p:cNvPr id="23" name="Obrázek 22">
-              <a:extLst>
-                <a:ext uri="{FF2B5EF4-FFF2-40B4-BE49-F238E27FC236}">
-                  <a16:creationId xmlns:a16="http://schemas.microsoft.com/office/drawing/2014/main" id="{D6B2533B-CCEE-B5F7-2F4D-7EBF3D047288}"/>
-                </a:ext>
-              </a:extLst>
-            </p:cNvPr>
-            <p:cNvPicPr>
-              <a:picLocks noChangeAspect="1"/>
-            </p:cNvPicPr>
-            <p:nvPr/>
-          </p:nvPicPr>
-          <p:blipFill>
-            <a:blip r:embed="rId7"/>
-            <a:stretch>
-              <a:fillRect/>
-            </a:stretch>
-          </p:blipFill>
-          <p:spPr>
-            <a:xfrm>
-              <a:off x="2309137" y="2643321"/>
-              <a:ext cx="3118480" cy="238158"/>
-            </a:xfrm>
-            <a:prstGeom prst="rect">
-              <a:avLst/>
-            </a:prstGeom>
-          </p:spPr>
-        </p:pic>
-      </p:grpSp>
-      <p:grpSp>
-        <p:nvGrpSpPr>
-          <p:cNvPr id="28" name="Skupina 27">
-            <a:extLst>
-              <a:ext uri="{FF2B5EF4-FFF2-40B4-BE49-F238E27FC236}">
-                <a16:creationId xmlns:a16="http://schemas.microsoft.com/office/drawing/2014/main" id="{528BD5FF-3CDD-7F5F-7046-37AD09079439}"/>
-              </a:ext>
-            </a:extLst>
-          </p:cNvPr>
-          <p:cNvGrpSpPr/>
-          <p:nvPr/>
-        </p:nvGrpSpPr>
-        <p:grpSpPr>
-          <a:xfrm>
-            <a:off x="2459971" y="3429000"/>
-            <a:ext cx="7262530" cy="2831690"/>
-            <a:chOff x="2237292" y="1384133"/>
-            <a:chExt cx="7262530" cy="2831690"/>
-          </a:xfrm>
-        </p:grpSpPr>
-        <p:pic>
-          <p:nvPicPr>
-            <p:cNvPr id="29" name="Obrázek 28">
-              <a:extLst>
-                <a:ext uri="{FF2B5EF4-FFF2-40B4-BE49-F238E27FC236}">
-                  <a16:creationId xmlns:a16="http://schemas.microsoft.com/office/drawing/2014/main" id="{D2387287-B428-4C9C-3A9F-5C2444103BA4}"/>
-                </a:ext>
-              </a:extLst>
-            </p:cNvPr>
-            <p:cNvPicPr>
-              <a:picLocks noChangeAspect="1"/>
-            </p:cNvPicPr>
-            <p:nvPr/>
-          </p:nvPicPr>
-          <p:blipFill rotWithShape="1">
-            <a:blip r:embed="rId8"/>
-            <a:srcRect b="58817"/>
-            <a:stretch/>
-          </p:blipFill>
-          <p:spPr>
-            <a:xfrm>
-              <a:off x="2237292" y="1384133"/>
-              <a:ext cx="7262530" cy="2044868"/>
-            </a:xfrm>
-            <a:prstGeom prst="rect">
-              <a:avLst/>
-            </a:prstGeom>
-          </p:spPr>
-        </p:pic>
-        <p:pic>
-          <p:nvPicPr>
-            <p:cNvPr id="30" name="Obrázek 29">
-              <a:extLst>
-                <a:ext uri="{FF2B5EF4-FFF2-40B4-BE49-F238E27FC236}">
-                  <a16:creationId xmlns:a16="http://schemas.microsoft.com/office/drawing/2014/main" id="{86BDABD3-C3C0-AB6D-7B03-494BA55B9AB9}"/>
-                </a:ext>
-              </a:extLst>
-            </p:cNvPr>
-            <p:cNvPicPr>
-              <a:picLocks noChangeAspect="1"/>
-            </p:cNvPicPr>
-            <p:nvPr/>
-          </p:nvPicPr>
-          <p:blipFill rotWithShape="1">
-            <a:blip r:embed="rId8"/>
-            <a:srcRect t="84154"/>
-            <a:stretch/>
-          </p:blipFill>
-          <p:spPr>
-            <a:xfrm>
-              <a:off x="2237292" y="3429000"/>
-              <a:ext cx="7262530" cy="786823"/>
-            </a:xfrm>
-            <a:prstGeom prst="rect">
-              <a:avLst/>
-            </a:prstGeom>
-          </p:spPr>
-        </p:pic>
-      </p:grpSp>
+          <a:prstGeom prst="rect">
+            <a:avLst/>
+          </a:prstGeom>
+        </p:spPr>
+      </p:pic>
     </p:spTree>
     <p:extLst>
       <p:ext uri="{BB962C8B-B14F-4D97-AF65-F5344CB8AC3E}">
-        <p14:creationId xmlns:p14="http://schemas.microsoft.com/office/powerpoint/2010/main" val="610009777"/>
+        <p14:creationId xmlns:p14="http://schemas.microsoft.com/office/powerpoint/2010/main" val="3379905407"/>
       </p:ext>
     </p:extLst>
   </p:cSld>
@@ -8253,7 +8458,7 @@
           <p:cNvPr id="2" name="Nadpis 1">
             <a:extLst>
               <a:ext uri="{FF2B5EF4-FFF2-40B4-BE49-F238E27FC236}">
-                <a16:creationId xmlns:a16="http://schemas.microsoft.com/office/drawing/2014/main" id="{386826CF-612F-2D3C-A642-3879D4DEBD19}"/>
+                <a16:creationId xmlns:a16="http://schemas.microsoft.com/office/drawing/2014/main" id="{3E42DB06-CB1B-CFBE-4FBF-9574F0CB9544}"/>
               </a:ext>
             </a:extLst>
           </p:cNvPr>
@@ -8271,128 +8476,140 @@
           <a:p>
             <a:r>
               <a:rPr lang="cs-CZ" dirty="0"/>
-              <a:t>Co je </a:t>
+              <a:t>Funkcionální podpora </a:t>
+            </a:r>
+            <a:r>
+              <a:rPr lang="cs-CZ" dirty="0" err="1"/>
+              <a:t>tacit</a:t>
+            </a:r>
+            <a:r>
+              <a:rPr lang="cs-CZ" dirty="0"/>
+              <a:t> </a:t>
+            </a:r>
+            <a:r>
+              <a:rPr lang="cs-CZ" dirty="0" err="1"/>
+              <a:t>programmingu</a:t>
+            </a:r>
+            <a:endParaRPr lang="en-US" dirty="0"/>
+          </a:p>
+        </p:txBody>
+      </p:sp>
+      <p:sp>
+        <p:nvSpPr>
+          <p:cNvPr id="3" name="Zástupný obsah 2">
+            <a:extLst>
+              <a:ext uri="{FF2B5EF4-FFF2-40B4-BE49-F238E27FC236}">
+                <a16:creationId xmlns:a16="http://schemas.microsoft.com/office/drawing/2014/main" id="{5FF6275E-E68B-5523-4E13-3BCB46DED1A2}"/>
+              </a:ext>
+            </a:extLst>
+          </p:cNvPr>
+          <p:cNvSpPr>
+            <a:spLocks noGrp="1"/>
+          </p:cNvSpPr>
+          <p:nvPr>
+            <p:ph idx="1"/>
+          </p:nvPr>
+        </p:nvSpPr>
+        <p:spPr/>
+        <p:txBody>
+          <a:bodyPr/>
+          <a:lstStyle/>
+          <a:p>
+            <a:r>
+              <a:rPr lang="cs-CZ" dirty="0"/>
+              <a:t>Kompozice </a:t>
             </a:r>
             <a:r>
               <a:rPr lang="en-US" dirty="0"/>
-              <a:t>DSL</a:t>
-            </a:r>
-          </a:p>
-        </p:txBody>
-      </p:sp>
-      <p:sp>
-        <p:nvSpPr>
-          <p:cNvPr id="3" name="Zástupný obsah 2">
-            <a:extLst>
-              <a:ext uri="{FF2B5EF4-FFF2-40B4-BE49-F238E27FC236}">
-                <a16:creationId xmlns:a16="http://schemas.microsoft.com/office/drawing/2014/main" id="{19A2B0DC-FA7D-5B63-D2CC-5C036DF4FB88}"/>
-              </a:ext>
-            </a:extLst>
-          </p:cNvPr>
-          <p:cNvSpPr>
-            <a:spLocks noGrp="1"/>
-          </p:cNvSpPr>
-          <p:nvPr>
-            <p:ph idx="1"/>
-          </p:nvPr>
-        </p:nvSpPr>
-        <p:spPr/>
-        <p:txBody>
-          <a:bodyPr/>
-          <a:lstStyle/>
+              <a:t>(.):: (b -&gt; c) -&gt; (a -&gt; b) -&gt; a -&gt; c</a:t>
+            </a:r>
+            <a:endParaRPr lang="cs-CZ" dirty="0"/>
+          </a:p>
           <a:p>
             <a:r>
               <a:rPr lang="en-US" dirty="0"/>
-              <a:t>Dom</a:t>
-            </a:r>
-            <a:r>
-              <a:rPr lang="cs-CZ" dirty="0" err="1"/>
-              <a:t>énově</a:t>
-            </a:r>
-            <a:r>
-              <a:rPr lang="cs-CZ" dirty="0"/>
-              <a:t> specifický jazyk (</a:t>
-            </a:r>
-            <a:r>
-              <a:rPr lang="cs-CZ" dirty="0" err="1"/>
-              <a:t>doman</a:t>
-            </a:r>
-            <a:r>
-              <a:rPr lang="cs-CZ" dirty="0"/>
-              <a:t> </a:t>
-            </a:r>
-            <a:r>
-              <a:rPr lang="cs-CZ" dirty="0" err="1"/>
-              <a:t>specific</a:t>
-            </a:r>
-            <a:r>
-              <a:rPr lang="cs-CZ" dirty="0"/>
-              <a:t> </a:t>
-            </a:r>
-            <a:r>
-              <a:rPr lang="cs-CZ" dirty="0" err="1"/>
-              <a:t>language</a:t>
-            </a:r>
-            <a:r>
-              <a:rPr lang="cs-CZ" dirty="0"/>
-              <a:t>), který by měl řešit pouze problém domény.</a:t>
-            </a:r>
-          </a:p>
-          <a:p>
-            <a:r>
-              <a:rPr lang="cs-CZ" dirty="0"/>
-              <a:t>Ghetto </a:t>
-            </a:r>
-            <a:r>
-              <a:rPr lang="cs-CZ" dirty="0" err="1"/>
-              <a:t>language</a:t>
+              <a:t>f(g(x)) == (f . g)(x)</a:t>
+            </a:r>
+          </a:p>
+          <a:p>
+            <a:r>
+              <a:rPr lang="en-US" dirty="0"/>
+              <a:t>(|&gt;) = flip (.)</a:t>
             </a:r>
             <a:endParaRPr lang="cs-CZ" dirty="0"/>
           </a:p>
           <a:p>
-            <a:r>
-              <a:rPr lang="cs-CZ" dirty="0"/>
-              <a:t>CSS a HTML, XAML, GLSL, SQL, </a:t>
-            </a:r>
-            <a:r>
-              <a:rPr lang="cs-CZ" dirty="0" err="1"/>
-              <a:t>Verilog</a:t>
-            </a:r>
-            <a:r>
-              <a:rPr lang="cs-CZ" dirty="0"/>
-              <a:t> a VHDL, </a:t>
-            </a:r>
-            <a:r>
-              <a:rPr lang="cs-CZ" dirty="0" err="1"/>
-              <a:t>Makefile</a:t>
-            </a:r>
-            <a:r>
-              <a:rPr lang="cs-CZ" dirty="0"/>
-              <a:t>, </a:t>
-            </a:r>
-            <a:r>
-              <a:rPr lang="cs-CZ" dirty="0" err="1"/>
-              <a:t>cmake</a:t>
-            </a:r>
-            <a:r>
-              <a:rPr lang="cs-CZ" dirty="0"/>
-              <a:t> </a:t>
-            </a:r>
-            <a:r>
-              <a:rPr lang="cs-CZ" dirty="0" err="1"/>
-              <a:t>file</a:t>
-            </a:r>
-            <a:endParaRPr lang="cs-CZ" dirty="0"/>
-          </a:p>
-          <a:p>
+            <a:pPr marL="0" indent="0">
+              <a:buNone/>
+            </a:pPr>
             <a:endParaRPr lang="en-US" dirty="0"/>
           </a:p>
         </p:txBody>
       </p:sp>
+      <p:pic>
+        <p:nvPicPr>
+          <p:cNvPr id="17" name="Obrázek 16">
+            <a:extLst>
+              <a:ext uri="{FF2B5EF4-FFF2-40B4-BE49-F238E27FC236}">
+                <a16:creationId xmlns:a16="http://schemas.microsoft.com/office/drawing/2014/main" id="{5D8B2739-7828-E71A-390E-224C8397752F}"/>
+              </a:ext>
+            </a:extLst>
+          </p:cNvPr>
+          <p:cNvPicPr>
+            <a:picLocks noChangeAspect="1"/>
+          </p:cNvPicPr>
+          <p:nvPr/>
+        </p:nvPicPr>
+        <p:blipFill>
+          <a:blip r:embed="rId3"/>
+          <a:stretch>
+            <a:fillRect/>
+          </a:stretch>
+        </p:blipFill>
+        <p:spPr>
+          <a:xfrm>
+            <a:off x="3556792" y="3650202"/>
+            <a:ext cx="5082543" cy="820198"/>
+          </a:xfrm>
+          <a:prstGeom prst="rect">
+            <a:avLst/>
+          </a:prstGeom>
+        </p:spPr>
+      </p:pic>
+      <p:pic>
+        <p:nvPicPr>
+          <p:cNvPr id="19" name="Obrázek 18">
+            <a:extLst>
+              <a:ext uri="{FF2B5EF4-FFF2-40B4-BE49-F238E27FC236}">
+                <a16:creationId xmlns:a16="http://schemas.microsoft.com/office/drawing/2014/main" id="{D2E261AF-4DD2-E285-5F8C-9240E10D58D9}"/>
+              </a:ext>
+            </a:extLst>
+          </p:cNvPr>
+          <p:cNvPicPr>
+            <a:picLocks noChangeAspect="1"/>
+          </p:cNvPicPr>
+          <p:nvPr/>
+        </p:nvPicPr>
+        <p:blipFill>
+          <a:blip r:embed="rId4"/>
+          <a:stretch>
+            <a:fillRect/>
+          </a:stretch>
+        </p:blipFill>
+        <p:spPr>
+          <a:xfrm>
+            <a:off x="3552665" y="4726444"/>
+            <a:ext cx="5086670" cy="1585456"/>
+          </a:xfrm>
+          <a:prstGeom prst="rect">
+            <a:avLst/>
+          </a:prstGeom>
+        </p:spPr>
+      </p:pic>
     </p:spTree>
     <p:extLst>
       <p:ext uri="{BB962C8B-B14F-4D97-AF65-F5344CB8AC3E}">
-        <p14:creationId xmlns:p14="http://schemas.microsoft.com/office/powerpoint/2010/main" val="2865605863"/>
+        <p14:creationId xmlns:p14="http://schemas.microsoft.com/office/powerpoint/2010/main" val="3168338193"/>
       </p:ext>
     </p:extLst>
   </p:cSld>
@@ -8424,7 +8641,7 @@
           <p:cNvPr id="2" name="Nadpis 1">
             <a:extLst>
               <a:ext uri="{FF2B5EF4-FFF2-40B4-BE49-F238E27FC236}">
-                <a16:creationId xmlns:a16="http://schemas.microsoft.com/office/drawing/2014/main" id="{924F1B41-961A-82D0-65A8-F2E3C55C598A}"/>
+                <a16:creationId xmlns:a16="http://schemas.microsoft.com/office/drawing/2014/main" id="{3E42DB06-CB1B-CFBE-4FBF-9574F0CB9544}"/>
               </a:ext>
             </a:extLst>
           </p:cNvPr>
@@ -8442,65 +8659,40 @@
           <a:p>
             <a:r>
               <a:rPr lang="cs-CZ" dirty="0"/>
-              <a:t>Proč </a:t>
-            </a:r>
-            <a:r>
-              <a:rPr lang="cs-CZ" dirty="0" err="1"/>
-              <a:t>haskell</a:t>
-            </a:r>
-            <a:r>
-              <a:rPr lang="cs-CZ" dirty="0"/>
-              <a:t>? Konkurence?</a:t>
+              <a:t>Funkcionální podpora </a:t>
+            </a:r>
+            <a:r>
+              <a:rPr lang="cs-CZ" dirty="0" err="1"/>
+              <a:t>tacit</a:t>
+            </a:r>
+            <a:r>
+              <a:rPr lang="cs-CZ" dirty="0"/>
+              <a:t> </a:t>
+            </a:r>
+            <a:r>
+              <a:rPr lang="cs-CZ" dirty="0" err="1"/>
+              <a:t>programmingu</a:t>
             </a:r>
             <a:endParaRPr lang="en-US" dirty="0"/>
           </a:p>
         </p:txBody>
       </p:sp>
-      <p:pic>
-        <p:nvPicPr>
-          <p:cNvPr id="9" name="Zástupný obsah 8" descr="Haskell offers a broad spectrum of tools for developing parallel or concurrent programs. For parallelism, Haskell libraries enable concise high-level parallel programs with results that are guaranteed to be deterministic, i.e., independent of the number of cores and the scheduling being used. Concurrency is supported with lightweight threads and high level abstractions such as software transactional memory for managing information shared across threads. Distributed programming is still mainly a research area. Some low-level tools (MPI bindings) and research prototypes are available and new approaches being developed, such as Cloud Haskell (Erlang-style actors as a Haskell library).">
-            <a:extLst>
-              <a:ext uri="{FF2B5EF4-FFF2-40B4-BE49-F238E27FC236}">
-                <a16:creationId xmlns:a16="http://schemas.microsoft.com/office/drawing/2014/main" id="{496E54D6-8974-4274-A288-72FE13F028E6}"/>
-              </a:ext>
-            </a:extLst>
-          </p:cNvPr>
-          <p:cNvPicPr>
-            <a:picLocks noGrp="1" noChangeAspect="1"/>
-          </p:cNvPicPr>
-          <p:nvPr>
-            <p:ph idx="1"/>
-          </p:nvPr>
-        </p:nvPicPr>
-        <p:blipFill>
-          <a:blip r:embed="rId3"/>
-          <a:stretch>
-            <a:fillRect/>
-          </a:stretch>
-        </p:blipFill>
+      <p:sp>
+        <p:nvSpPr>
+          <p:cNvPr id="6" name="TextovéPole 5">
+            <a:extLst>
+              <a:ext uri="{FF2B5EF4-FFF2-40B4-BE49-F238E27FC236}">
+                <a16:creationId xmlns:a16="http://schemas.microsoft.com/office/drawing/2014/main" id="{EB2941C1-560C-AFA5-77EB-00D5C8159037}"/>
+              </a:ext>
+            </a:extLst>
+          </p:cNvPr>
+          <p:cNvSpPr txBox="1"/>
+          <p:nvPr/>
+        </p:nvSpPr>
         <p:spPr>
           <a:xfrm>
-            <a:off x="838200" y="1950405"/>
-            <a:ext cx="10515600" cy="2611752"/>
-          </a:xfrm>
-        </p:spPr>
-      </p:pic>
-      <p:sp>
-        <p:nvSpPr>
-          <p:cNvPr id="11" name="TextovéPole 10">
-            <a:extLst>
-              <a:ext uri="{FF2B5EF4-FFF2-40B4-BE49-F238E27FC236}">
-                <a16:creationId xmlns:a16="http://schemas.microsoft.com/office/drawing/2014/main" id="{1FC871ED-04BD-537D-AE4D-C2206AD16F3C}"/>
-              </a:ext>
-            </a:extLst>
-          </p:cNvPr>
-          <p:cNvSpPr txBox="1"/>
-          <p:nvPr/>
-        </p:nvSpPr>
-        <p:spPr>
-          <a:xfrm>
-            <a:off x="2786184" y="4821874"/>
-            <a:ext cx="6619631" cy="369332"/>
+            <a:off x="4709402" y="4724954"/>
+            <a:ext cx="2773195" cy="369332"/>
           </a:xfrm>
           <a:prstGeom prst="rect">
             <a:avLst/>
@@ -8508,31 +8700,51 @@
           <a:noFill/>
         </p:spPr>
         <p:txBody>
-          <a:bodyPr wrap="square">
+          <a:bodyPr wrap="none" rtlCol="0">
             <a:spAutoFit/>
           </a:bodyPr>
           <a:lstStyle/>
           <a:p>
             <a:r>
-              <a:rPr lang="en-US" dirty="0">
-                <a:hlinkClick r:id="rId4"/>
-              </a:rPr>
-              <a:t>Applications and libraries/Concurrency and parallelism - </a:t>
-            </a:r>
-            <a:r>
-              <a:rPr lang="en-US" dirty="0" err="1">
-                <a:hlinkClick r:id="rId4"/>
-              </a:rPr>
-              <a:t>HaskellWiki</a:t>
-            </a:r>
-            <a:endParaRPr lang="en-US" dirty="0"/>
-          </a:p>
-        </p:txBody>
-      </p:sp>
+              <a:rPr lang="en-US" dirty="0"/>
+              <a:t>f(x) = (sin x) ^ 2 + (cos x) ^ 2</a:t>
+            </a:r>
+          </a:p>
+        </p:txBody>
+      </p:sp>
+      <p:pic>
+        <p:nvPicPr>
+          <p:cNvPr id="15" name="Obrázek 14">
+            <a:extLst>
+              <a:ext uri="{FF2B5EF4-FFF2-40B4-BE49-F238E27FC236}">
+                <a16:creationId xmlns:a16="http://schemas.microsoft.com/office/drawing/2014/main" id="{4DD41E70-3C85-36A4-4CEF-CAA8678F0A62}"/>
+              </a:ext>
+            </a:extLst>
+          </p:cNvPr>
+          <p:cNvPicPr>
+            <a:picLocks noChangeAspect="1"/>
+          </p:cNvPicPr>
+          <p:nvPr/>
+        </p:nvPicPr>
+        <p:blipFill rotWithShape="1">
+          <a:blip r:embed="rId3"/>
+          <a:srcRect r="11080"/>
+          <a:stretch/>
+        </p:blipFill>
+        <p:spPr>
+          <a:xfrm>
+            <a:off x="1961126" y="2486969"/>
+            <a:ext cx="8269748" cy="1884062"/>
+          </a:xfrm>
+          <a:prstGeom prst="rect">
+            <a:avLst/>
+          </a:prstGeom>
+        </p:spPr>
+      </p:pic>
     </p:spTree>
     <p:extLst>
       <p:ext uri="{BB962C8B-B14F-4D97-AF65-F5344CB8AC3E}">
-        <p14:creationId xmlns:p14="http://schemas.microsoft.com/office/powerpoint/2010/main" val="2269886300"/>
+        <p14:creationId xmlns:p14="http://schemas.microsoft.com/office/powerpoint/2010/main" val="2472433421"/>
       </p:ext>
     </p:extLst>
   </p:cSld>
@@ -8564,7 +8776,7 @@
           <p:cNvPr id="2" name="Nadpis 1">
             <a:extLst>
               <a:ext uri="{FF2B5EF4-FFF2-40B4-BE49-F238E27FC236}">
-                <a16:creationId xmlns:a16="http://schemas.microsoft.com/office/drawing/2014/main" id="{05B09B86-A72A-8656-9D10-A0CFEE7AF3A8}"/>
+                <a16:creationId xmlns:a16="http://schemas.microsoft.com/office/drawing/2014/main" id="{386826CF-612F-2D3C-A642-3879D4DEBD19}"/>
               </a:ext>
             </a:extLst>
           </p:cNvPr>
@@ -8582,53 +8794,158 @@
           <a:p>
             <a:r>
               <a:rPr lang="cs-CZ" dirty="0"/>
-              <a:t>Návrh </a:t>
-            </a:r>
-            <a:r>
-              <a:rPr lang="cs-CZ" dirty="0" err="1"/>
-              <a:t>tacitního</a:t>
-            </a:r>
-            <a:r>
-              <a:rPr lang="cs-CZ" dirty="0"/>
-              <a:t> DSL</a:t>
-            </a:r>
+              <a:t>Co je </a:t>
+            </a:r>
+            <a:r>
+              <a:rPr lang="en-US" dirty="0"/>
+              <a:t>DSL</a:t>
+            </a:r>
+          </a:p>
+        </p:txBody>
+      </p:sp>
+      <p:sp>
+        <p:nvSpPr>
+          <p:cNvPr id="3" name="Zástupný obsah 2">
+            <a:extLst>
+              <a:ext uri="{FF2B5EF4-FFF2-40B4-BE49-F238E27FC236}">
+                <a16:creationId xmlns:a16="http://schemas.microsoft.com/office/drawing/2014/main" id="{19A2B0DC-FA7D-5B63-D2CC-5C036DF4FB88}"/>
+              </a:ext>
+            </a:extLst>
+          </p:cNvPr>
+          <p:cNvSpPr>
+            <a:spLocks noGrp="1"/>
+          </p:cNvSpPr>
+          <p:nvPr>
+            <p:ph idx="1"/>
+          </p:nvPr>
+        </p:nvSpPr>
+        <p:spPr/>
+        <p:txBody>
+          <a:bodyPr/>
+          <a:lstStyle/>
+          <a:p>
+            <a:r>
+              <a:rPr lang="en-US" dirty="0"/>
+              <a:t>Dom</a:t>
+            </a:r>
+            <a:r>
+              <a:rPr lang="cs-CZ" dirty="0" err="1"/>
+              <a:t>énově</a:t>
+            </a:r>
+            <a:r>
+              <a:rPr lang="cs-CZ" dirty="0"/>
+              <a:t> specifický jazyk (</a:t>
+            </a:r>
+            <a:r>
+              <a:rPr lang="cs-CZ" dirty="0" err="1"/>
+              <a:t>doman</a:t>
+            </a:r>
+            <a:r>
+              <a:rPr lang="cs-CZ" dirty="0"/>
+              <a:t> </a:t>
+            </a:r>
+            <a:r>
+              <a:rPr lang="cs-CZ" dirty="0" err="1"/>
+              <a:t>specific</a:t>
+            </a:r>
+            <a:r>
+              <a:rPr lang="cs-CZ" dirty="0"/>
+              <a:t> </a:t>
+            </a:r>
+            <a:r>
+              <a:rPr lang="cs-CZ" dirty="0" err="1"/>
+              <a:t>language</a:t>
+            </a:r>
+            <a:r>
+              <a:rPr lang="cs-CZ" dirty="0"/>
+              <a:t>), který by měl řešit pouze problém domény.</a:t>
+            </a:r>
+          </a:p>
+          <a:p>
+            <a:r>
+              <a:rPr lang="cs-CZ" dirty="0" err="1"/>
+              <a:t>Wrapper</a:t>
+            </a:r>
+            <a:r>
+              <a:rPr lang="cs-CZ" dirty="0"/>
+              <a:t> nad knihovnou</a:t>
+            </a:r>
+          </a:p>
+          <a:p>
+            <a:r>
+              <a:rPr lang="cs-CZ" dirty="0"/>
+              <a:t>CSS a HTML, XAML, GLSL a SPIRV, SQL, </a:t>
+            </a:r>
+            <a:r>
+              <a:rPr lang="cs-CZ" dirty="0" err="1"/>
+              <a:t>Verilog</a:t>
+            </a:r>
+            <a:r>
+              <a:rPr lang="cs-CZ" dirty="0"/>
+              <a:t> a VHDL, </a:t>
+            </a:r>
+            <a:r>
+              <a:rPr lang="cs-CZ" dirty="0" err="1"/>
+              <a:t>Makefile</a:t>
+            </a:r>
+            <a:r>
+              <a:rPr lang="cs-CZ" dirty="0"/>
+              <a:t>, </a:t>
+            </a:r>
+            <a:r>
+              <a:rPr lang="cs-CZ" dirty="0" err="1"/>
+              <a:t>cmake</a:t>
+            </a:r>
+            <a:r>
+              <a:rPr lang="cs-CZ" dirty="0"/>
+              <a:t> </a:t>
+            </a:r>
+            <a:r>
+              <a:rPr lang="cs-CZ" dirty="0" err="1"/>
+              <a:t>file</a:t>
+            </a:r>
+            <a:r>
+              <a:rPr lang="cs-CZ" dirty="0"/>
+              <a:t>, </a:t>
+            </a:r>
+            <a:r>
+              <a:rPr lang="cs-CZ" dirty="0" err="1"/>
+              <a:t>github</a:t>
+            </a:r>
+            <a:r>
+              <a:rPr lang="cs-CZ" dirty="0"/>
+              <a:t> </a:t>
+            </a:r>
+            <a:r>
+              <a:rPr lang="cs-CZ" dirty="0" err="1"/>
+              <a:t>workflows</a:t>
+            </a:r>
+            <a:r>
+              <a:rPr lang="en-US" dirty="0"/>
+              <a:t> CI/CD pipeline</a:t>
+            </a:r>
+            <a:endParaRPr lang="cs-CZ" dirty="0"/>
+          </a:p>
+          <a:p>
+            <a:r>
+              <a:rPr lang="cs-CZ" dirty="0"/>
+              <a:t>Ghetto </a:t>
+            </a:r>
+            <a:r>
+              <a:rPr lang="cs-CZ" dirty="0" err="1"/>
+              <a:t>language</a:t>
+            </a:r>
+            <a:endParaRPr lang="cs-CZ" dirty="0"/>
+          </a:p>
+          <a:p>
             <a:endParaRPr lang="en-US" dirty="0"/>
           </a:p>
         </p:txBody>
       </p:sp>
-      <p:pic>
-        <p:nvPicPr>
-          <p:cNvPr id="5" name="Zástupný obsah 4">
-            <a:extLst>
-              <a:ext uri="{FF2B5EF4-FFF2-40B4-BE49-F238E27FC236}">
-                <a16:creationId xmlns:a16="http://schemas.microsoft.com/office/drawing/2014/main" id="{233B950F-99F7-5688-32CB-C73C0BD8B041}"/>
-              </a:ext>
-            </a:extLst>
-          </p:cNvPr>
-          <p:cNvPicPr>
-            <a:picLocks noGrp="1" noChangeAspect="1"/>
-          </p:cNvPicPr>
-          <p:nvPr>
-            <p:ph idx="1"/>
-          </p:nvPr>
-        </p:nvPicPr>
-        <p:blipFill>
-          <a:blip r:embed="rId3"/>
-          <a:stretch>
-            <a:fillRect/>
-          </a:stretch>
-        </p:blipFill>
-        <p:spPr>
-          <a:xfrm>
-            <a:off x="2838529" y="1966302"/>
-            <a:ext cx="6514942" cy="4351338"/>
-          </a:xfrm>
-        </p:spPr>
-      </p:pic>
     </p:spTree>
     <p:extLst>
       <p:ext uri="{BB962C8B-B14F-4D97-AF65-F5344CB8AC3E}">
-        <p14:creationId xmlns:p14="http://schemas.microsoft.com/office/powerpoint/2010/main" val="3849756529"/>
+        <p14:creationId xmlns:p14="http://schemas.microsoft.com/office/powerpoint/2010/main" val="2865605863"/>
       </p:ext>
     </p:extLst>
   </p:cSld>
@@ -8660,7 +8977,7 @@
           <p:cNvPr id="2" name="Nadpis 1">
             <a:extLst>
               <a:ext uri="{FF2B5EF4-FFF2-40B4-BE49-F238E27FC236}">
-                <a16:creationId xmlns:a16="http://schemas.microsoft.com/office/drawing/2014/main" id="{43EB58E0-9A30-5FB9-9BCE-34C2234E63F8}"/>
+                <a16:creationId xmlns:a16="http://schemas.microsoft.com/office/drawing/2014/main" id="{924F1B41-961A-82D0-65A8-F2E3C55C598A}"/>
               </a:ext>
             </a:extLst>
           </p:cNvPr>
@@ -8678,15 +8995,15 @@
           <a:p>
             <a:r>
               <a:rPr lang="cs-CZ" dirty="0"/>
-              <a:t>Návrh </a:t>
-            </a:r>
-            <a:r>
-              <a:rPr lang="cs-CZ" dirty="0" err="1"/>
-              <a:t>tacitního</a:t>
-            </a:r>
-            <a:r>
-              <a:rPr lang="cs-CZ" dirty="0"/>
-              <a:t> DSL</a:t>
+              <a:t>Proč </a:t>
+            </a:r>
+            <a:r>
+              <a:rPr lang="cs-CZ" dirty="0" err="1"/>
+              <a:t>haskell</a:t>
+            </a:r>
+            <a:r>
+              <a:rPr lang="cs-CZ" dirty="0"/>
+              <a:t>? Konkurence?</a:t>
             </a:r>
             <a:endParaRPr lang="en-US" dirty="0"/>
           </a:p>
@@ -8694,10 +9011,10 @@
       </p:sp>
       <p:pic>
         <p:nvPicPr>
-          <p:cNvPr id="5" name="Zástupný obsah 4">
-            <a:extLst>
-              <a:ext uri="{FF2B5EF4-FFF2-40B4-BE49-F238E27FC236}">
-                <a16:creationId xmlns:a16="http://schemas.microsoft.com/office/drawing/2014/main" id="{CC7D2C2E-9F04-E6A6-58FB-AC26DC321587}"/>
+          <p:cNvPr id="9" name="Zástupný obsah 8" descr="Haskell offers a broad spectrum of tools for developing parallel or concurrent programs. For parallelism, Haskell libraries enable concise high-level parallel programs with results that are guaranteed to be deterministic, i.e., independent of the number of cores and the scheduling being used. Concurrency is supported with lightweight threads and high level abstractions such as software transactional memory for managing information shared across threads. Distributed programming is still mainly a research area. Some low-level tools (MPI bindings) and research prototypes are available and new approaches being developed, such as Cloud Haskell (Erlang-style actors as a Haskell library).">
+            <a:extLst>
+              <a:ext uri="{FF2B5EF4-FFF2-40B4-BE49-F238E27FC236}">
+                <a16:creationId xmlns:a16="http://schemas.microsoft.com/office/drawing/2014/main" id="{496E54D6-8974-4274-A288-72FE13F028E6}"/>
               </a:ext>
             </a:extLst>
           </p:cNvPr>
@@ -8716,15 +9033,59 @@
         </p:blipFill>
         <p:spPr>
           <a:xfrm>
-            <a:off x="1985389" y="2557341"/>
-            <a:ext cx="8221222" cy="1743318"/>
+            <a:off x="838200" y="1950405"/>
+            <a:ext cx="10515600" cy="2611752"/>
           </a:xfrm>
         </p:spPr>
       </p:pic>
+      <p:sp>
+        <p:nvSpPr>
+          <p:cNvPr id="11" name="TextovéPole 10">
+            <a:extLst>
+              <a:ext uri="{FF2B5EF4-FFF2-40B4-BE49-F238E27FC236}">
+                <a16:creationId xmlns:a16="http://schemas.microsoft.com/office/drawing/2014/main" id="{1FC871ED-04BD-537D-AE4D-C2206AD16F3C}"/>
+              </a:ext>
+            </a:extLst>
+          </p:cNvPr>
+          <p:cNvSpPr txBox="1"/>
+          <p:nvPr/>
+        </p:nvSpPr>
+        <p:spPr>
+          <a:xfrm>
+            <a:off x="2786184" y="4821874"/>
+            <a:ext cx="6619631" cy="369332"/>
+          </a:xfrm>
+          <a:prstGeom prst="rect">
+            <a:avLst/>
+          </a:prstGeom>
+          <a:noFill/>
+        </p:spPr>
+        <p:txBody>
+          <a:bodyPr wrap="square">
+            <a:spAutoFit/>
+          </a:bodyPr>
+          <a:lstStyle/>
+          <a:p>
+            <a:r>
+              <a:rPr lang="en-US" dirty="0">
+                <a:hlinkClick r:id="rId4"/>
+              </a:rPr>
+              <a:t>Applications and libraries/Concurrency and parallelism - </a:t>
+            </a:r>
+            <a:r>
+              <a:rPr lang="en-US" dirty="0" err="1">
+                <a:hlinkClick r:id="rId4"/>
+              </a:rPr>
+              <a:t>HaskellWiki</a:t>
+            </a:r>
+            <a:endParaRPr lang="en-US" dirty="0"/>
+          </a:p>
+        </p:txBody>
+      </p:sp>
     </p:spTree>
     <p:extLst>
       <p:ext uri="{BB962C8B-B14F-4D97-AF65-F5344CB8AC3E}">
-        <p14:creationId xmlns:p14="http://schemas.microsoft.com/office/powerpoint/2010/main" val="2064798826"/>
+        <p14:creationId xmlns:p14="http://schemas.microsoft.com/office/powerpoint/2010/main" val="2269886300"/>
       </p:ext>
     </p:extLst>
   </p:cSld>
@@ -8756,7 +9117,7 @@
           <p:cNvPr id="2" name="Nadpis 1">
             <a:extLst>
               <a:ext uri="{FF2B5EF4-FFF2-40B4-BE49-F238E27FC236}">
-                <a16:creationId xmlns:a16="http://schemas.microsoft.com/office/drawing/2014/main" id="{84761754-3E19-F001-A63E-8C55A7F13F13}"/>
+                <a16:creationId xmlns:a16="http://schemas.microsoft.com/office/drawing/2014/main" id="{05B09B86-A72A-8656-9D10-A0CFEE7AF3A8}"/>
               </a:ext>
             </a:extLst>
           </p:cNvPr>
@@ -8773,35 +9134,34 @@
           <a:lstStyle/>
           <a:p>
             <a:r>
-              <a:rPr lang="en-US" dirty="0"/>
-              <a:t>Jak</a:t>
-            </a:r>
-            <a:r>
-              <a:rPr lang="cs-CZ" dirty="0"/>
-              <a:t> obecně</a:t>
-            </a:r>
-            <a:r>
-              <a:rPr lang="en-US" dirty="0"/>
-              <a:t> implementovat DSL</a:t>
-            </a:r>
+              <a:rPr lang="cs-CZ" dirty="0"/>
+              <a:t>Návrh </a:t>
+            </a:r>
+            <a:r>
+              <a:rPr lang="cs-CZ" dirty="0" err="1"/>
+              <a:t>tacitního</a:t>
+            </a:r>
+            <a:r>
+              <a:rPr lang="cs-CZ" dirty="0"/>
+              <a:t> DSL</a:t>
+            </a:r>
+            <a:endParaRPr lang="en-US" dirty="0"/>
           </a:p>
         </p:txBody>
       </p:sp>
       <p:pic>
         <p:nvPicPr>
-          <p:cNvPr id="5" name="Zástupný obsah 4">
-            <a:extLst>
-              <a:ext uri="{FF2B5EF4-FFF2-40B4-BE49-F238E27FC236}">
-                <a16:creationId xmlns:a16="http://schemas.microsoft.com/office/drawing/2014/main" id="{330131FD-FAD7-6FFA-2D32-9FF212A70D9F}"/>
+          <p:cNvPr id="11" name="Obrázek 10">
+            <a:extLst>
+              <a:ext uri="{FF2B5EF4-FFF2-40B4-BE49-F238E27FC236}">
+                <a16:creationId xmlns:a16="http://schemas.microsoft.com/office/drawing/2014/main" id="{50904227-6DB9-DF7D-96D7-8ADED5E6A03A}"/>
               </a:ext>
             </a:extLst>
           </p:cNvPr>
           <p:cNvPicPr>
-            <a:picLocks noGrp="1" noChangeAspect="1"/>
+            <a:picLocks noChangeAspect="1"/>
           </p:cNvPicPr>
-          <p:nvPr>
-            <p:ph idx="1"/>
-          </p:nvPr>
+          <p:nvPr/>
         </p:nvPicPr>
         <p:blipFill>
           <a:blip r:embed="rId3"/>
@@ -8811,15 +9171,47 @@
         </p:blipFill>
         <p:spPr>
           <a:xfrm>
-            <a:off x="2237836" y="2657367"/>
-            <a:ext cx="7716327" cy="1543265"/>
+            <a:off x="2278183" y="2048246"/>
+            <a:ext cx="7635632" cy="1159842"/>
+          </a:xfrm>
+          <a:prstGeom prst="rect">
+            <a:avLst/>
+          </a:prstGeom>
+        </p:spPr>
+      </p:pic>
+      <p:pic>
+        <p:nvPicPr>
+          <p:cNvPr id="12" name="Zástupný obsah 4">
+            <a:extLst>
+              <a:ext uri="{FF2B5EF4-FFF2-40B4-BE49-F238E27FC236}">
+                <a16:creationId xmlns:a16="http://schemas.microsoft.com/office/drawing/2014/main" id="{2CAB35B6-EC89-B51A-2B79-0AAA2E534B00}"/>
+              </a:ext>
+            </a:extLst>
+          </p:cNvPr>
+          <p:cNvPicPr>
+            <a:picLocks noGrp="1" noChangeAspect="1"/>
+          </p:cNvPicPr>
+          <p:nvPr>
+            <p:ph idx="1"/>
+          </p:nvPr>
+        </p:nvPicPr>
+        <p:blipFill>
+          <a:blip r:embed="rId4"/>
+          <a:stretch>
+            <a:fillRect/>
+          </a:stretch>
+        </p:blipFill>
+        <p:spPr>
+          <a:xfrm>
+            <a:off x="1985388" y="4229833"/>
+            <a:ext cx="8221222" cy="1743318"/>
           </a:xfrm>
         </p:spPr>
       </p:pic>
     </p:spTree>
     <p:extLst>
       <p:ext uri="{BB962C8B-B14F-4D97-AF65-F5344CB8AC3E}">
-        <p14:creationId xmlns:p14="http://schemas.microsoft.com/office/powerpoint/2010/main" val="1306260350"/>
+        <p14:creationId xmlns:p14="http://schemas.microsoft.com/office/powerpoint/2010/main" val="3849756529"/>
       </p:ext>
     </p:extLst>
   </p:cSld>

--- a/TacitProgramming.pptx
+++ b/TacitProgramming.pptx
@@ -5,30 +5,28 @@
     <p:sldMasterId id="2147483648" r:id="rId1"/>
   </p:sldMasterIdLst>
   <p:notesMasterIdLst>
-    <p:notesMasterId r:id="rId23"/>
+    <p:notesMasterId r:id="rId21"/>
   </p:notesMasterIdLst>
   <p:sldIdLst>
     <p:sldId id="256" r:id="rId2"/>
     <p:sldId id="280" r:id="rId3"/>
-    <p:sldId id="257" r:id="rId4"/>
-    <p:sldId id="281" r:id="rId5"/>
-    <p:sldId id="278" r:id="rId6"/>
-    <p:sldId id="279" r:id="rId7"/>
+    <p:sldId id="282" r:id="rId4"/>
+    <p:sldId id="283" r:id="rId5"/>
+    <p:sldId id="257" r:id="rId6"/>
+    <p:sldId id="284" r:id="rId7"/>
     <p:sldId id="258" r:id="rId8"/>
     <p:sldId id="265" r:id="rId9"/>
-    <p:sldId id="264" r:id="rId10"/>
-    <p:sldId id="260" r:id="rId11"/>
-    <p:sldId id="259" r:id="rId12"/>
-    <p:sldId id="270" r:id="rId13"/>
-    <p:sldId id="272" r:id="rId14"/>
-    <p:sldId id="263" r:id="rId15"/>
-    <p:sldId id="268" r:id="rId16"/>
-    <p:sldId id="269" r:id="rId17"/>
-    <p:sldId id="273" r:id="rId18"/>
-    <p:sldId id="274" r:id="rId19"/>
-    <p:sldId id="275" r:id="rId20"/>
-    <p:sldId id="276" r:id="rId21"/>
-    <p:sldId id="277" r:id="rId22"/>
+    <p:sldId id="259" r:id="rId10"/>
+    <p:sldId id="264" r:id="rId11"/>
+    <p:sldId id="260" r:id="rId12"/>
+    <p:sldId id="272" r:id="rId13"/>
+    <p:sldId id="268" r:id="rId14"/>
+    <p:sldId id="269" r:id="rId15"/>
+    <p:sldId id="273" r:id="rId16"/>
+    <p:sldId id="274" r:id="rId17"/>
+    <p:sldId id="275" r:id="rId18"/>
+    <p:sldId id="276" r:id="rId19"/>
+    <p:sldId id="277" r:id="rId20"/>
   </p:sldIdLst>
   <p:sldSz cx="12192000" cy="6858000"/>
   <p:notesSz cx="6858000" cy="9144000"/>
@@ -217,7 +215,7 @@
           <a:p>
             <a:fld id="{7AC69CEB-8FCF-4C0A-A6EE-FAC01C67231E}" type="datetimeFigureOut">
               <a:rPr lang="en-US" smtClean="0"/>
-              <a:t>6/7/2024</a:t>
+              <a:t>6/12/2024</a:t>
             </a:fld>
             <a:endParaRPr lang="en-US"/>
           </a:p>
@@ -530,55 +528,33 @@
           <a:lstStyle/>
           <a:p>
             <a:r>
-              <a:rPr lang="en-US" dirty="0"/>
-              <a:t> Tacit programming t</a:t>
-            </a:r>
-            <a:r>
-              <a:rPr lang="cs-CZ" dirty="0" err="1"/>
-              <a:t>éž</a:t>
-            </a:r>
-            <a:r>
-              <a:rPr lang="cs-CZ" dirty="0"/>
-              <a:t> takzvaně point</a:t>
-            </a:r>
-            <a:r>
-              <a:rPr lang="en-US" dirty="0"/>
-              <a:t>-free, proto</a:t>
-            </a:r>
-            <a:r>
-              <a:rPr lang="cs-CZ" dirty="0"/>
-              <a:t>že argumentům funkce se přezdívá </a:t>
-            </a:r>
-            <a:r>
-              <a:rPr lang="cs-CZ" dirty="0" err="1"/>
-              <a:t>points</a:t>
-            </a:r>
-            <a:r>
-              <a:rPr lang="cs-CZ" dirty="0"/>
-              <a:t>, implicitně pracuje se svými argumenty.</a:t>
-            </a:r>
-            <a:br>
-              <a:rPr lang="cs-CZ" dirty="0"/>
-            </a:br>
-            <a:r>
-              <a:rPr lang="cs-CZ" dirty="0"/>
-              <a:t>Zde je příklad výpočet rozptylu.</a:t>
-            </a:r>
-            <a:br>
-              <a:rPr lang="cs-CZ" dirty="0"/>
-            </a:br>
-            <a:r>
-              <a:rPr lang="cs-CZ" dirty="0"/>
-              <a:t>Obyčejná imperativní funkce a zde je tzv. </a:t>
-            </a:r>
-            <a:r>
-              <a:rPr lang="cs-CZ" dirty="0" err="1"/>
-              <a:t>pipování</a:t>
-            </a:r>
-            <a:r>
-              <a:rPr lang="cs-CZ" dirty="0"/>
-              <a:t>.</a:t>
-            </a:r>
+              <a:rPr lang="cs-CZ" dirty="0"/>
+              <a:t>Hlavním cílem bylo vytvořit DSL pro usnadnění práce se souběžností. Tady jsem vymyslel příklad s c plus </a:t>
+            </a:r>
+            <a:r>
+              <a:rPr lang="cs-CZ" dirty="0" err="1"/>
+              <a:t>pluskem</a:t>
+            </a:r>
+            <a:r>
+              <a:rPr lang="cs-CZ" dirty="0"/>
+              <a:t>, kde na dvou vláknech počítáme rozptyl a </a:t>
+            </a:r>
+            <a:r>
+              <a:rPr lang="cs-CZ" dirty="0" err="1"/>
+              <a:t>printneme</a:t>
+            </a:r>
+            <a:r>
+              <a:rPr lang="cs-CZ" dirty="0"/>
+              <a:t> minimum z obou hodnot.</a:t>
+            </a:r>
+          </a:p>
+          <a:p>
+            <a:r>
+              <a:rPr lang="cs-CZ" dirty="0"/>
+              <a:t>Jedná se o celkem jednoduchý příklad, protože se zde nemusí počítat s nějakým komplexním stavem.</a:t>
+            </a:r>
+          </a:p>
+          <a:p>
             <a:endParaRPr lang="en-US" dirty="0"/>
           </a:p>
         </p:txBody>
@@ -609,7 +585,7 @@
     </p:spTree>
     <p:extLst>
       <p:ext uri="{BB962C8B-B14F-4D97-AF65-F5344CB8AC3E}">
-        <p14:creationId xmlns:p14="http://schemas.microsoft.com/office/powerpoint/2010/main" val="101912950"/>
+        <p14:creationId xmlns:p14="http://schemas.microsoft.com/office/powerpoint/2010/main" val="4138500109"/>
       </p:ext>
     </p:extLst>
   </p:cSld>
@@ -664,44 +640,52 @@
           <a:lstStyle/>
           <a:p>
             <a:r>
+              <a:rPr lang="en-US" dirty="0" err="1"/>
+              <a:t>Tady</a:t>
+            </a:r>
+            <a:r>
               <a:rPr lang="en-US" dirty="0"/>
-              <a:t>V </a:t>
-            </a:r>
-            <a:r>
-              <a:rPr lang="en-US" dirty="0" err="1"/>
-              <a:t>Haskelyzeru</a:t>
+              <a:t> </a:t>
+            </a:r>
+            <a:r>
+              <a:rPr lang="cs-CZ" dirty="0"/>
+              <a:t>jsou vidět z </a:t>
             </a:r>
             <a:r>
               <a:rPr lang="en-US" dirty="0"/>
-              <a:t> AST je list </a:t>
-            </a:r>
-            <a:r>
-              <a:rPr lang="en-US" dirty="0" err="1"/>
-              <a:t>datov</a:t>
-            </a:r>
-            <a:r>
-              <a:rPr lang="cs-CZ" dirty="0" err="1"/>
-              <a:t>ýho</a:t>
-            </a:r>
-            <a:r>
-              <a:rPr lang="cs-CZ" dirty="0"/>
-              <a:t> typu </a:t>
-            </a:r>
-            <a:r>
-              <a:rPr lang="cs-CZ" dirty="0" err="1"/>
-              <a:t>Expr</a:t>
-            </a:r>
-            <a:r>
-              <a:rPr lang="cs-CZ" dirty="0"/>
-              <a:t>. Zde  jsou vidět z čeho se </a:t>
-            </a:r>
-            <a:r>
-              <a:rPr lang="cs-CZ" dirty="0" err="1"/>
-              <a:t>expression</a:t>
-            </a:r>
-            <a:r>
-              <a:rPr lang="cs-CZ" dirty="0"/>
-              <a:t> může skládat. Nejzajímavější je zde tenhle červeně zakroužkovaný. </a:t>
+              <a:t>jak</a:t>
+            </a:r>
+            <a:r>
+              <a:rPr lang="cs-CZ" dirty="0" err="1"/>
+              <a:t>ých</a:t>
+            </a:r>
+            <a:r>
+              <a:rPr lang="cs-CZ" dirty="0"/>
+              <a:t> tokenů se naše </a:t>
+            </a:r>
+            <a:r>
+              <a:rPr lang="cs-CZ" dirty="0" err="1"/>
+              <a:t>konkurentní</a:t>
+            </a:r>
+            <a:r>
+              <a:rPr lang="cs-CZ" dirty="0"/>
+              <a:t> funkce skládá. Též musím zmínit, že při psaní </a:t>
+            </a:r>
+            <a:r>
+              <a:rPr lang="cs-CZ" dirty="0" err="1"/>
+              <a:t>parseru</a:t>
+            </a:r>
+            <a:r>
+              <a:rPr lang="cs-CZ" dirty="0"/>
+              <a:t> se musí psát testy. Stačí, aby se změnily lehce požadavky a </a:t>
+            </a:r>
+            <a:r>
+              <a:rPr lang="cs-CZ" dirty="0" err="1"/>
+              <a:t>parser</a:t>
+            </a:r>
+            <a:r>
+              <a:rPr lang="cs-CZ" dirty="0"/>
+              <a:t> už nemusí opět fungovat.</a:t>
             </a:r>
             <a:endParaRPr lang="en-US" dirty="0"/>
           </a:p>
@@ -733,7 +717,7 @@
     </p:spTree>
     <p:extLst>
       <p:ext uri="{BB962C8B-B14F-4D97-AF65-F5344CB8AC3E}">
-        <p14:creationId xmlns:p14="http://schemas.microsoft.com/office/powerpoint/2010/main" val="2755628041"/>
+        <p14:creationId xmlns:p14="http://schemas.microsoft.com/office/powerpoint/2010/main" val="4150160995"/>
       </p:ext>
     </p:extLst>
   </p:cSld>
@@ -787,46 +771,6 @@
           <a:bodyPr/>
           <a:lstStyle/>
           <a:p>
-            <a:r>
-              <a:rPr lang="en-US" dirty="0"/>
-              <a:t>V </a:t>
-            </a:r>
-            <a:r>
-              <a:rPr lang="en-US" dirty="0" err="1"/>
-              <a:t>Haskelyzeru</a:t>
-            </a:r>
-            <a:r>
-              <a:rPr lang="en-US" dirty="0"/>
-              <a:t> AST je list </a:t>
-            </a:r>
-            <a:r>
-              <a:rPr lang="en-US" dirty="0" err="1"/>
-              <a:t>datov</a:t>
-            </a:r>
-            <a:r>
-              <a:rPr lang="cs-CZ" dirty="0" err="1"/>
-              <a:t>ýho</a:t>
-            </a:r>
-            <a:r>
-              <a:rPr lang="cs-CZ" dirty="0"/>
-              <a:t> typu </a:t>
-            </a:r>
-            <a:r>
-              <a:rPr lang="cs-CZ" dirty="0" err="1"/>
-              <a:t>Expr</a:t>
-            </a:r>
-            <a:r>
-              <a:rPr lang="cs-CZ" dirty="0"/>
-              <a:t>. Zde jsou vidět z čeho se naše </a:t>
-            </a:r>
-            <a:r>
-              <a:rPr lang="cs-CZ" dirty="0" err="1"/>
-              <a:t>konkurentní</a:t>
-            </a:r>
-            <a:r>
-              <a:rPr lang="cs-CZ" dirty="0"/>
-              <a:t> funkce skládá.</a:t>
-            </a:r>
             <a:endParaRPr lang="en-US" dirty="0"/>
           </a:p>
         </p:txBody>
@@ -857,7 +801,7 @@
     </p:spTree>
     <p:extLst>
       <p:ext uri="{BB962C8B-B14F-4D97-AF65-F5344CB8AC3E}">
-        <p14:creationId xmlns:p14="http://schemas.microsoft.com/office/powerpoint/2010/main" val="4150160995"/>
+        <p14:creationId xmlns:p14="http://schemas.microsoft.com/office/powerpoint/2010/main" val="2962217520"/>
       </p:ext>
     </p:extLst>
   </p:cSld>
@@ -913,31 +857,47 @@
           <a:p>
             <a:r>
               <a:rPr lang="cs-CZ" dirty="0"/>
-              <a:t>Bez testů nevznikne žádný spolehlivý </a:t>
-            </a:r>
-            <a:r>
-              <a:rPr lang="cs-CZ" dirty="0" err="1"/>
-              <a:t>parser</a:t>
-            </a:r>
-            <a:r>
-              <a:rPr lang="cs-CZ" dirty="0"/>
-              <a:t>, protože implementace může být velmi volatilní. Stačí třeba aby někde funkce očekávala </a:t>
-            </a:r>
-            <a:r>
-              <a:rPr lang="cs-CZ" dirty="0" err="1"/>
-              <a:t>whitespace</a:t>
-            </a:r>
-            <a:r>
-              <a:rPr lang="cs-CZ" dirty="0"/>
-              <a:t> a najednou nějaká jiná funkce přestane fungovat. Tím testy tvoří záruku, že daný </a:t>
-            </a:r>
-            <a:r>
-              <a:rPr lang="cs-CZ" dirty="0" err="1"/>
-              <a:t>parser</a:t>
-            </a:r>
-            <a:r>
-              <a:rPr lang="cs-CZ" dirty="0"/>
-              <a:t> bude fungovat.</a:t>
+              <a:t>Kdysi jsem napsal vlastní 3D </a:t>
+            </a:r>
+            <a:r>
+              <a:rPr lang="cs-CZ" dirty="0" err="1"/>
+              <a:t>wavefront</a:t>
+            </a:r>
+            <a:r>
+              <a:rPr lang="cs-CZ" dirty="0"/>
+              <a:t> </a:t>
+            </a:r>
+            <a:r>
+              <a:rPr lang="cs-CZ" dirty="0" err="1"/>
+              <a:t>renderer</a:t>
+            </a:r>
+            <a:r>
+              <a:rPr lang="cs-CZ" dirty="0"/>
+              <a:t> a napadlo mě, že pokud máte velmi detailní modely, tak zpracování a </a:t>
+            </a:r>
+            <a:r>
+              <a:rPr lang="cs-CZ" dirty="0" err="1"/>
+              <a:t>parsování</a:t>
+            </a:r>
+            <a:r>
+              <a:rPr lang="cs-CZ" dirty="0"/>
+              <a:t> souborů </a:t>
+            </a:r>
+            <a:r>
+              <a:rPr lang="cs-CZ" dirty="0" err="1"/>
+              <a:t>obshající</a:t>
+            </a:r>
+            <a:r>
+              <a:rPr lang="cs-CZ" dirty="0"/>
+              <a:t> model může být časově složité. Napadlo mě, že ta časová náročnost může být zkrácená pokud </a:t>
+            </a:r>
+            <a:r>
+              <a:rPr lang="cs-CZ" dirty="0" err="1"/>
+              <a:t>parsovýní</a:t>
+            </a:r>
+            <a:r>
+              <a:rPr lang="cs-CZ" dirty="0"/>
+              <a:t> poběží na různých jádrech. Škálování a obecné transformace nejsou časově náročné, protože se jedná o úpravu matice, ale zde to má být pouze ukázka.</a:t>
             </a:r>
             <a:endParaRPr lang="en-US" dirty="0"/>
           </a:p>
@@ -969,7 +929,7 @@
     </p:spTree>
     <p:extLst>
       <p:ext uri="{BB962C8B-B14F-4D97-AF65-F5344CB8AC3E}">
-        <p14:creationId xmlns:p14="http://schemas.microsoft.com/office/powerpoint/2010/main" val="3066000145"/>
+        <p14:creationId xmlns:p14="http://schemas.microsoft.com/office/powerpoint/2010/main" val="1898115332"/>
       </p:ext>
     </p:extLst>
   </p:cSld>
@@ -1053,7 +1013,7 @@
     </p:spTree>
     <p:extLst>
       <p:ext uri="{BB962C8B-B14F-4D97-AF65-F5344CB8AC3E}">
-        <p14:creationId xmlns:p14="http://schemas.microsoft.com/office/powerpoint/2010/main" val="2962217520"/>
+        <p14:creationId xmlns:p14="http://schemas.microsoft.com/office/powerpoint/2010/main" val="367948929"/>
       </p:ext>
     </p:extLst>
   </p:cSld>
@@ -1109,11 +1069,27 @@
           <a:p>
             <a:r>
               <a:rPr lang="cs-CZ" dirty="0"/>
-              <a:t>Kdysi jsem napsal vlastní 3D </a:t>
-            </a:r>
-            <a:r>
-              <a:rPr lang="cs-CZ" dirty="0" err="1"/>
-              <a:t>wavefront</a:t>
+              <a:t>Našel jsem nějaký náhodný </a:t>
+            </a:r>
+            <a:r>
+              <a:rPr lang="cs-CZ" dirty="0" err="1"/>
+              <a:t>dataset</a:t>
+            </a:r>
+            <a:r>
+              <a:rPr lang="cs-CZ" dirty="0"/>
+              <a:t>, vše je </a:t>
+            </a:r>
+            <a:r>
+              <a:rPr lang="cs-CZ" dirty="0" err="1"/>
+              <a:t>referencováno</a:t>
+            </a:r>
+            <a:r>
+              <a:rPr lang="cs-CZ" dirty="0"/>
+              <a:t> v </a:t>
+            </a:r>
+            <a:r>
+              <a:rPr lang="cs-CZ" dirty="0" err="1"/>
+              <a:t>github</a:t>
             </a:r>
             <a:r>
               <a:rPr lang="cs-CZ" dirty="0"/>
@@ -1121,36 +1097,22 @@
             </a:r>
             <a:r>
               <a:rPr lang="cs-CZ" dirty="0" err="1"/>
-              <a:t>renderer</a:t>
-            </a:r>
-            <a:r>
-              <a:rPr lang="cs-CZ" dirty="0"/>
-              <a:t> a napadlo mě, že pokud máte velmi detailní modely, tak zpracování a </a:t>
-            </a:r>
-            <a:r>
-              <a:rPr lang="cs-CZ" dirty="0" err="1"/>
-              <a:t>parsování</a:t>
-            </a:r>
-            <a:r>
-              <a:rPr lang="cs-CZ" dirty="0"/>
-              <a:t> souborů </a:t>
-            </a:r>
-            <a:r>
-              <a:rPr lang="cs-CZ" dirty="0" err="1"/>
-              <a:t>obshající</a:t>
-            </a:r>
-            <a:r>
-              <a:rPr lang="cs-CZ" dirty="0"/>
-              <a:t> model může být časově složité. Napadlo mě, že ta časová náročnost může být zkrácená pokud </a:t>
-            </a:r>
-            <a:r>
-              <a:rPr lang="cs-CZ" dirty="0" err="1"/>
-              <a:t>parsovýní</a:t>
-            </a:r>
-            <a:r>
-              <a:rPr lang="cs-CZ" dirty="0"/>
-              <a:t> poběží na různých jádrech. Škálování a obecné transformace nejsou časově náročné, protože se jedná o úpravu matice, ale zde to má být pouze ukázka.</a:t>
-            </a:r>
+              <a:t>repozitáři</a:t>
+            </a:r>
+            <a:r>
+              <a:rPr lang="cs-CZ" dirty="0"/>
+              <a:t>. Nechal jsem běžet každý cluster na jednom vlákně oproti </a:t>
+            </a:r>
+            <a:r>
+              <a:rPr lang="cs-CZ" dirty="0" err="1"/>
+              <a:t>haskellyzeru</a:t>
+            </a:r>
+            <a:r>
+              <a:rPr lang="cs-CZ" dirty="0"/>
+              <a:t>, kde to běželo souběžně, což je též skvělý příklad využít DSL.</a:t>
+            </a:r>
+          </a:p>
+          <a:p>
             <a:endParaRPr lang="en-US" dirty="0"/>
           </a:p>
         </p:txBody>
@@ -1181,7 +1143,7 @@
     </p:spTree>
     <p:extLst>
       <p:ext uri="{BB962C8B-B14F-4D97-AF65-F5344CB8AC3E}">
-        <p14:creationId xmlns:p14="http://schemas.microsoft.com/office/powerpoint/2010/main" val="1898115332"/>
+        <p14:creationId xmlns:p14="http://schemas.microsoft.com/office/powerpoint/2010/main" val="2912545380"/>
       </p:ext>
     </p:extLst>
   </p:cSld>
@@ -1235,6 +1197,10 @@
           <a:bodyPr/>
           <a:lstStyle/>
           <a:p>
+            <a:r>
+              <a:rPr lang="cs-CZ" dirty="0"/>
+              <a:t>Jak vidíte, výsledek je průměrně víc jak 100x pomalejší.</a:t>
+            </a:r>
             <a:endParaRPr lang="en-US" dirty="0"/>
           </a:p>
         </p:txBody>
@@ -1257,222 +1223,6 @@
             <a:fld id="{34A2E728-BA53-41A9-9D73-864C5C9A39D2}" type="slidenum">
               <a:rPr lang="en-US" smtClean="0"/>
               <a:t>17</a:t>
-            </a:fld>
-            <a:endParaRPr lang="en-US"/>
-          </a:p>
-        </p:txBody>
-      </p:sp>
-    </p:spTree>
-    <p:extLst>
-      <p:ext uri="{BB962C8B-B14F-4D97-AF65-F5344CB8AC3E}">
-        <p14:creationId xmlns:p14="http://schemas.microsoft.com/office/powerpoint/2010/main" val="367948929"/>
-      </p:ext>
-    </p:extLst>
-  </p:cSld>
-  <p:clrMapOvr>
-    <a:masterClrMapping/>
-  </p:clrMapOvr>
-</p:notes>
-</file>
-
-<file path=ppt/notesSlides/notesSlide16.xml><?xml version="1.0" encoding="utf-8"?>
-<p:notes xmlns:a="http://schemas.openxmlformats.org/drawingml/2006/main" xmlns:r="http://schemas.openxmlformats.org/officeDocument/2006/relationships" xmlns:p="http://schemas.openxmlformats.org/presentationml/2006/main">
-  <p:cSld>
-    <p:spTree>
-      <p:nvGrpSpPr>
-        <p:cNvPr id="1" name=""/>
-        <p:cNvGrpSpPr/>
-        <p:nvPr/>
-      </p:nvGrpSpPr>
-      <p:grpSpPr>
-        <a:xfrm>
-          <a:off x="0" y="0"/>
-          <a:ext cx="0" cy="0"/>
-          <a:chOff x="0" y="0"/>
-          <a:chExt cx="0" cy="0"/>
-        </a:xfrm>
-      </p:grpSpPr>
-      <p:sp>
-        <p:nvSpPr>
-          <p:cNvPr id="2" name="Zástupný symbol pro obrázek snímku 1"/>
-          <p:cNvSpPr>
-            <a:spLocks noGrp="1" noRot="1" noChangeAspect="1"/>
-          </p:cNvSpPr>
-          <p:nvPr>
-            <p:ph type="sldImg"/>
-          </p:nvPr>
-        </p:nvSpPr>
-        <p:spPr/>
-      </p:sp>
-      <p:sp>
-        <p:nvSpPr>
-          <p:cNvPr id="3" name="Zástupný symbol pro poznámky 2"/>
-          <p:cNvSpPr>
-            <a:spLocks noGrp="1"/>
-          </p:cNvSpPr>
-          <p:nvPr>
-            <p:ph type="body" idx="1"/>
-          </p:nvPr>
-        </p:nvSpPr>
-        <p:spPr/>
-        <p:txBody>
-          <a:bodyPr/>
-          <a:lstStyle/>
-          <a:p>
-            <a:r>
-              <a:rPr lang="cs-CZ" dirty="0"/>
-              <a:t>Našel jsem nějaký náhodný </a:t>
-            </a:r>
-            <a:r>
-              <a:rPr lang="cs-CZ" dirty="0" err="1"/>
-              <a:t>dataset</a:t>
-            </a:r>
-            <a:r>
-              <a:rPr lang="cs-CZ" dirty="0"/>
-              <a:t>, vše je </a:t>
-            </a:r>
-            <a:r>
-              <a:rPr lang="cs-CZ" dirty="0" err="1"/>
-              <a:t>referencováno</a:t>
-            </a:r>
-            <a:r>
-              <a:rPr lang="cs-CZ" dirty="0"/>
-              <a:t> v </a:t>
-            </a:r>
-            <a:r>
-              <a:rPr lang="cs-CZ" dirty="0" err="1"/>
-              <a:t>github</a:t>
-            </a:r>
-            <a:r>
-              <a:rPr lang="cs-CZ" dirty="0"/>
-              <a:t> </a:t>
-            </a:r>
-            <a:r>
-              <a:rPr lang="cs-CZ" dirty="0" err="1"/>
-              <a:t>repozitáři</a:t>
-            </a:r>
-            <a:r>
-              <a:rPr lang="cs-CZ" dirty="0"/>
-              <a:t>. Nechal jsem běžet každý cluster na jednom vlákně oproti </a:t>
-            </a:r>
-            <a:r>
-              <a:rPr lang="cs-CZ" dirty="0" err="1"/>
-              <a:t>haskellyzeru</a:t>
-            </a:r>
-            <a:r>
-              <a:rPr lang="cs-CZ" dirty="0"/>
-              <a:t>, kde to běželo paralelně.</a:t>
-            </a:r>
-            <a:endParaRPr lang="en-US" dirty="0"/>
-          </a:p>
-        </p:txBody>
-      </p:sp>
-      <p:sp>
-        <p:nvSpPr>
-          <p:cNvPr id="4" name="Zástupný symbol pro číslo snímku 3"/>
-          <p:cNvSpPr>
-            <a:spLocks noGrp="1"/>
-          </p:cNvSpPr>
-          <p:nvPr>
-            <p:ph type="sldNum" sz="quarter" idx="5"/>
-          </p:nvPr>
-        </p:nvSpPr>
-        <p:spPr/>
-        <p:txBody>
-          <a:bodyPr/>
-          <a:lstStyle/>
-          <a:p>
-            <a:fld id="{34A2E728-BA53-41A9-9D73-864C5C9A39D2}" type="slidenum">
-              <a:rPr lang="en-US" smtClean="0"/>
-              <a:t>18</a:t>
-            </a:fld>
-            <a:endParaRPr lang="en-US"/>
-          </a:p>
-        </p:txBody>
-      </p:sp>
-    </p:spTree>
-    <p:extLst>
-      <p:ext uri="{BB962C8B-B14F-4D97-AF65-F5344CB8AC3E}">
-        <p14:creationId xmlns:p14="http://schemas.microsoft.com/office/powerpoint/2010/main" val="2912545380"/>
-      </p:ext>
-    </p:extLst>
-  </p:cSld>
-  <p:clrMapOvr>
-    <a:masterClrMapping/>
-  </p:clrMapOvr>
-</p:notes>
-</file>
-
-<file path=ppt/notesSlides/notesSlide17.xml><?xml version="1.0" encoding="utf-8"?>
-<p:notes xmlns:a="http://schemas.openxmlformats.org/drawingml/2006/main" xmlns:r="http://schemas.openxmlformats.org/officeDocument/2006/relationships" xmlns:p="http://schemas.openxmlformats.org/presentationml/2006/main">
-  <p:cSld>
-    <p:spTree>
-      <p:nvGrpSpPr>
-        <p:cNvPr id="1" name=""/>
-        <p:cNvGrpSpPr/>
-        <p:nvPr/>
-      </p:nvGrpSpPr>
-      <p:grpSpPr>
-        <a:xfrm>
-          <a:off x="0" y="0"/>
-          <a:ext cx="0" cy="0"/>
-          <a:chOff x="0" y="0"/>
-          <a:chExt cx="0" cy="0"/>
-        </a:xfrm>
-      </p:grpSpPr>
-      <p:sp>
-        <p:nvSpPr>
-          <p:cNvPr id="2" name="Zástupný symbol pro obrázek snímku 1"/>
-          <p:cNvSpPr>
-            <a:spLocks noGrp="1" noRot="1" noChangeAspect="1"/>
-          </p:cNvSpPr>
-          <p:nvPr>
-            <p:ph type="sldImg"/>
-          </p:nvPr>
-        </p:nvSpPr>
-        <p:spPr/>
-      </p:sp>
-      <p:sp>
-        <p:nvSpPr>
-          <p:cNvPr id="3" name="Zástupný symbol pro poznámky 2"/>
-          <p:cNvSpPr>
-            <a:spLocks noGrp="1"/>
-          </p:cNvSpPr>
-          <p:nvPr>
-            <p:ph type="body" idx="1"/>
-          </p:nvPr>
-        </p:nvSpPr>
-        <p:spPr/>
-        <p:txBody>
-          <a:bodyPr/>
-          <a:lstStyle/>
-          <a:p>
-            <a:r>
-              <a:rPr lang="cs-CZ" dirty="0"/>
-              <a:t>Jak vidíte, výsledek je průměrně víc jak 100x pomalejší.</a:t>
-            </a:r>
-            <a:endParaRPr lang="en-US" dirty="0"/>
-          </a:p>
-        </p:txBody>
-      </p:sp>
-      <p:sp>
-        <p:nvSpPr>
-          <p:cNvPr id="4" name="Zástupný symbol pro číslo snímku 3"/>
-          <p:cNvSpPr>
-            <a:spLocks noGrp="1"/>
-          </p:cNvSpPr>
-          <p:nvPr>
-            <p:ph type="sldNum" sz="quarter" idx="5"/>
-          </p:nvPr>
-        </p:nvSpPr>
-        <p:spPr/>
-        <p:txBody>
-          <a:bodyPr/>
-          <a:lstStyle/>
-          <a:p>
-            <a:fld id="{34A2E728-BA53-41A9-9D73-864C5C9A39D2}" type="slidenum">
-              <a:rPr lang="en-US" smtClean="0"/>
-              <a:t>19</a:t>
             </a:fld>
             <a:endParaRPr lang="en-US"/>
           </a:p>
@@ -1537,24 +1287,9 @@
           <a:p>
             <a:r>
               <a:rPr lang="cs-CZ" dirty="0"/>
-              <a:t>Co je </a:t>
-            </a:r>
-            <a:r>
-              <a:rPr lang="cs-CZ" dirty="0" err="1"/>
-              <a:t>currying</a:t>
-            </a:r>
-            <a:r>
-              <a:rPr lang="cs-CZ" dirty="0"/>
-              <a:t>? </a:t>
-            </a:r>
-            <a:r>
-              <a:rPr lang="cs-CZ" dirty="0" err="1"/>
-              <a:t>Currying</a:t>
-            </a:r>
-            <a:r>
-              <a:rPr lang="cs-CZ" dirty="0"/>
-              <a:t> převádí funkci, která přejímá argumenty a vrací sekvenci postupných funkcí, která přejímá argumenty.</a:t>
-            </a:r>
+              <a:t>Zde je jeho ekvivalentní příklad.</a:t>
+            </a:r>
+            <a:endParaRPr lang="en-US" dirty="0"/>
           </a:p>
         </p:txBody>
       </p:sp>
@@ -1584,7 +1319,7 @@
     </p:spTree>
     <p:extLst>
       <p:ext uri="{BB962C8B-B14F-4D97-AF65-F5344CB8AC3E}">
-        <p14:creationId xmlns:p14="http://schemas.microsoft.com/office/powerpoint/2010/main" val="3967303037"/>
+        <p14:creationId xmlns:p14="http://schemas.microsoft.com/office/powerpoint/2010/main" val="1108981039"/>
       </p:ext>
     </p:extLst>
   </p:cSld>
@@ -1639,33 +1374,56 @@
           <a:lstStyle/>
           <a:p>
             <a:r>
-              <a:rPr lang="en-US" dirty="0" err="1"/>
-              <a:t>Kompozice</a:t>
-            </a:r>
-            <a:r>
               <a:rPr lang="en-US" dirty="0"/>
-              <a:t> je</a:t>
-            </a:r>
-            <a:r>
-              <a:rPr lang="cs-CZ" dirty="0"/>
-              <a:t> </a:t>
-            </a:r>
-            <a:r>
-              <a:rPr lang="en-US" dirty="0" err="1"/>
-              <a:t>stejn</a:t>
-            </a:r>
-            <a:r>
-              <a:rPr lang="cs-CZ" dirty="0"/>
-              <a:t>á záležitost jako v matematice, kombinace </a:t>
-            </a:r>
-            <a:r>
-              <a:rPr lang="cs-CZ" dirty="0" err="1"/>
-              <a:t>funkcé</a:t>
-            </a:r>
-            <a:r>
-              <a:rPr lang="cs-CZ" dirty="0"/>
-              <a:t>, například tyto dvě funkce jsou stejné.</a:t>
-            </a:r>
+              <a:t> Tacit programming t</a:t>
+            </a:r>
+            <a:r>
+              <a:rPr lang="cs-CZ" dirty="0" err="1"/>
+              <a:t>éž</a:t>
+            </a:r>
+            <a:r>
+              <a:rPr lang="cs-CZ" dirty="0"/>
+              <a:t> takzvaně point</a:t>
+            </a:r>
+            <a:r>
+              <a:rPr lang="en-US" dirty="0"/>
+              <a:t>-free, proto</a:t>
+            </a:r>
+            <a:r>
+              <a:rPr lang="cs-CZ" dirty="0"/>
+              <a:t>že argumentům funkce se přezdívá </a:t>
+            </a:r>
+            <a:r>
+              <a:rPr lang="cs-CZ" dirty="0" err="1"/>
+              <a:t>points</a:t>
+            </a:r>
+            <a:r>
+              <a:rPr lang="cs-CZ" dirty="0"/>
+              <a:t>, implicitně pracuje se svými argumenty.</a:t>
+            </a:r>
+            <a:br>
+              <a:rPr lang="cs-CZ" dirty="0"/>
+            </a:br>
+            <a:r>
+              <a:rPr lang="cs-CZ" dirty="0"/>
+              <a:t>Zde je příklad výpočet rozptylu.</a:t>
+            </a:r>
+            <a:br>
+              <a:rPr lang="cs-CZ" dirty="0"/>
+            </a:br>
+            <a:r>
+              <a:rPr lang="cs-CZ" dirty="0"/>
+              <a:t>Obyčejná imperativní funkce a zde je tzv. </a:t>
+            </a:r>
+            <a:r>
+              <a:rPr lang="cs-CZ" dirty="0" err="1"/>
+              <a:t>pipování</a:t>
+            </a:r>
+            <a:r>
+              <a:rPr lang="cs-CZ" dirty="0"/>
+              <a:t>.</a:t>
+            </a:r>
+            <a:endParaRPr lang="en-US" dirty="0"/>
           </a:p>
         </p:txBody>
       </p:sp>
@@ -1695,7 +1453,7 @@
     </p:spTree>
     <p:extLst>
       <p:ext uri="{BB962C8B-B14F-4D97-AF65-F5344CB8AC3E}">
-        <p14:creationId xmlns:p14="http://schemas.microsoft.com/office/powerpoint/2010/main" val="2969489836"/>
+        <p14:creationId xmlns:p14="http://schemas.microsoft.com/office/powerpoint/2010/main" val="101912950"/>
       </p:ext>
     </p:extLst>
   </p:cSld>
@@ -1750,75 +1508,24 @@
           <a:lstStyle/>
           <a:p>
             <a:r>
-              <a:rPr lang="en-US" dirty="0"/>
-              <a:t>Tacit je </a:t>
-            </a:r>
-            <a:r>
-              <a:rPr lang="en-US" dirty="0" err="1"/>
-              <a:t>skv</a:t>
-            </a:r>
-            <a:r>
-              <a:rPr lang="cs-CZ" dirty="0" err="1"/>
-              <a:t>ělý</a:t>
-            </a:r>
-            <a:r>
-              <a:rPr lang="cs-CZ" dirty="0"/>
-              <a:t> zápis pro zjednodušení zápisu některých funkcí, ale ne vždy se hodí. Třeba zde máme funkci sinus na druhou x </a:t>
-            </a:r>
-            <a:r>
-              <a:rPr lang="en-US" dirty="0"/>
-              <a:t>+ </a:t>
-            </a:r>
-            <a:r>
-              <a:rPr lang="en-US" dirty="0" err="1"/>
-              <a:t>cosinus</a:t>
-            </a:r>
-            <a:r>
-              <a:rPr lang="en-US" dirty="0"/>
-              <a:t> </a:t>
-            </a:r>
-            <a:r>
-              <a:rPr lang="en-US" dirty="0" err="1"/>
-              <a:t>na</a:t>
-            </a:r>
-            <a:r>
-              <a:rPr lang="en-US" dirty="0"/>
-              <a:t> </a:t>
-            </a:r>
-            <a:r>
-              <a:rPr lang="en-US" dirty="0" err="1"/>
-              <a:t>druhou</a:t>
-            </a:r>
-            <a:r>
-              <a:rPr lang="en-US" dirty="0"/>
-              <a:t> x a jak </a:t>
-            </a:r>
-            <a:r>
-              <a:rPr lang="en-US" dirty="0" err="1"/>
-              <a:t>jist</a:t>
-            </a:r>
-            <a:r>
-              <a:rPr lang="cs-CZ" dirty="0"/>
-              <a:t>ě víte z matematiky, tak se vždy tento výraz rovná jedné.</a:t>
-            </a:r>
-          </a:p>
-          <a:p>
-            <a:r>
-              <a:rPr lang="cs-CZ" dirty="0"/>
-              <a:t>Když porovnáte řádek 7 s řádkem 9, tak můžete posoudit, který z těchto funkcí je víc čitelný.</a:t>
-            </a:r>
-          </a:p>
-          <a:p>
-            <a:endParaRPr lang="cs-CZ" dirty="0"/>
-          </a:p>
-          <a:p>
-            <a:r>
-              <a:rPr lang="cs-CZ" dirty="0" err="1"/>
-              <a:t>Tacit</a:t>
-            </a:r>
-            <a:r>
-              <a:rPr lang="cs-CZ" dirty="0"/>
-              <a:t> přístup by měla být dobrovolná syntaxe jazyka a ne povinná, jinak vám vznikají velmi nepřehledné funkce.</a:t>
+              <a:rPr lang="cs-CZ" dirty="0"/>
+              <a:t>Na to abyste měli </a:t>
+            </a:r>
+            <a:r>
+              <a:rPr lang="cs-CZ" dirty="0" err="1"/>
+              <a:t>tacit</a:t>
+            </a:r>
+            <a:r>
+              <a:rPr lang="cs-CZ" dirty="0"/>
+              <a:t> programování, potřebujete, aby jazyk podporoval formu nějakou formu kompozice a </a:t>
+            </a:r>
+            <a:r>
+              <a:rPr lang="cs-CZ" dirty="0" err="1"/>
+              <a:t>curryingu</a:t>
+            </a:r>
+            <a:r>
+              <a:rPr lang="cs-CZ" dirty="0"/>
+              <a:t>.</a:t>
             </a:r>
             <a:endParaRPr lang="en-US" dirty="0"/>
           </a:p>
@@ -1850,7 +1557,7 @@
     </p:spTree>
     <p:extLst>
       <p:ext uri="{BB962C8B-B14F-4D97-AF65-F5344CB8AC3E}">
-        <p14:creationId xmlns:p14="http://schemas.microsoft.com/office/powerpoint/2010/main" val="3568258964"/>
+        <p14:creationId xmlns:p14="http://schemas.microsoft.com/office/powerpoint/2010/main" val="559812209"/>
       </p:ext>
     </p:extLst>
   </p:cSld>
@@ -2433,121 +2140,6 @@
           <a:bodyPr/>
           <a:lstStyle/>
           <a:p>
-            <a:r>
-              <a:rPr lang="cs-CZ" dirty="0"/>
-              <a:t>Toto DSL má tento problém vyřešit.</a:t>
-            </a:r>
-          </a:p>
-          <a:p>
-            <a:r>
-              <a:rPr lang="en-US" dirty="0"/>
-              <a:t>P</a:t>
-            </a:r>
-            <a:r>
-              <a:rPr lang="cs-CZ" dirty="0" err="1"/>
-              <a:t>ůvodní</a:t>
-            </a:r>
-            <a:r>
-              <a:rPr lang="cs-CZ" dirty="0"/>
-              <a:t> návrh zahrnoval během kompilace zahrnout soubor example.csv a zároveň ověřit datové typy tohoto souboru. </a:t>
-            </a:r>
-            <a:r>
-              <a:rPr lang="en-US" dirty="0" err="1"/>
-              <a:t>Embedov</a:t>
-            </a:r>
-            <a:r>
-              <a:rPr lang="cs-CZ" dirty="0" err="1"/>
-              <a:t>ání</a:t>
-            </a:r>
-            <a:r>
-              <a:rPr lang="cs-CZ" dirty="0"/>
-              <a:t> dat není nejlepší nápad, protože to může zpomalit start programu, zároveň máte </a:t>
-            </a:r>
-            <a:r>
-              <a:rPr lang="cs-CZ" dirty="0" err="1"/>
-              <a:t>executable</a:t>
-            </a:r>
-            <a:r>
-              <a:rPr lang="cs-CZ" dirty="0"/>
-              <a:t>, který je závislý na velikosti těch dat a máte jeden jediný program, kde nemůžete měnit </a:t>
-            </a:r>
-            <a:r>
-              <a:rPr lang="cs-CZ" dirty="0" err="1"/>
-              <a:t>csv</a:t>
-            </a:r>
-            <a:r>
-              <a:rPr lang="cs-CZ" dirty="0"/>
-              <a:t> data. Takže to byl špatný nápad</a:t>
-            </a:r>
-            <a:r>
-              <a:rPr lang="en-US" dirty="0"/>
-              <a:t>.</a:t>
-            </a:r>
-          </a:p>
-          <a:p>
-            <a:r>
-              <a:rPr lang="cs-CZ" dirty="0"/>
-              <a:t>Zde jsou vidět jakési svislé čáry, které mají říkat, že </a:t>
-            </a:r>
-            <a:r>
-              <a:rPr lang="cs-CZ" dirty="0" err="1"/>
-              <a:t>konkurentně</a:t>
-            </a:r>
-            <a:r>
-              <a:rPr lang="cs-CZ" dirty="0"/>
-              <a:t> má běžet </a:t>
-            </a:r>
-            <a:r>
-              <a:rPr lang="cs-CZ" dirty="0" err="1"/>
-              <a:t>Gausovský</a:t>
-            </a:r>
-            <a:r>
-              <a:rPr lang="cs-CZ" dirty="0"/>
-              <a:t> filtr, jehož výstup se ukládá do databáze a </a:t>
-            </a:r>
-            <a:r>
-              <a:rPr lang="cs-CZ" dirty="0" err="1"/>
-              <a:t>Kalmanův</a:t>
-            </a:r>
-            <a:r>
-              <a:rPr lang="cs-CZ" dirty="0"/>
-              <a:t> filtr, kde se </a:t>
-            </a:r>
-            <a:r>
-              <a:rPr lang="cs-CZ" dirty="0" err="1"/>
-              <a:t>konkurentně</a:t>
-            </a:r>
-            <a:r>
-              <a:rPr lang="cs-CZ" dirty="0"/>
-              <a:t> </a:t>
-            </a:r>
-            <a:r>
-              <a:rPr lang="cs-CZ" dirty="0" err="1"/>
-              <a:t>vypisujou</a:t>
-            </a:r>
-            <a:r>
-              <a:rPr lang="cs-CZ" dirty="0"/>
-              <a:t> data do standardního výstupu a nějakého souboru.</a:t>
-            </a:r>
-          </a:p>
-          <a:p>
-            <a:r>
-              <a:rPr lang="cs-CZ" dirty="0"/>
-              <a:t>Tímhle způsobem, můžeme vytvořit velmi přehledné </a:t>
-            </a:r>
-            <a:r>
-              <a:rPr lang="cs-CZ" dirty="0" err="1"/>
-              <a:t>konkurentní</a:t>
-            </a:r>
-            <a:r>
-              <a:rPr lang="cs-CZ" dirty="0"/>
-              <a:t> funkce.</a:t>
-            </a:r>
-          </a:p>
-          <a:p>
-            <a:endParaRPr lang="cs-CZ" dirty="0"/>
-          </a:p>
-          <a:p>
             <a:pPr marL="0" marR="0" lvl="0" indent="0" algn="l" defTabSz="914400" rtl="0" eaLnBrk="1" fontAlgn="auto" latinLnBrk="0" hangingPunct="1">
               <a:lnSpc>
                 <a:spcPct val="100000"/>
@@ -2567,67 +2159,107 @@
             </a:pPr>
             <a:r>
               <a:rPr lang="cs-CZ" dirty="0"/>
-              <a:t>Následným zkoumáním se zjistilo, že toto DSL se nemusí využít pouze na zpracování dat, třeba </a:t>
+              <a:t>Obecně na rozpoznání nějakého textu potřebujete </a:t>
+            </a:r>
+            <a:r>
+              <a:rPr lang="cs-CZ" dirty="0" err="1"/>
+              <a:t>parser</a:t>
+            </a:r>
+            <a:r>
+              <a:rPr lang="cs-CZ" dirty="0"/>
+              <a:t> a </a:t>
+            </a:r>
+            <a:r>
+              <a:rPr lang="cs-CZ" dirty="0" err="1"/>
+              <a:t>lexer</a:t>
+            </a:r>
+            <a:r>
+              <a:rPr lang="cs-CZ" dirty="0"/>
+              <a:t>, v kódu je mnohdy těžké najít rozdíl mezi těmito pojmy, </a:t>
+            </a:r>
+            <a:r>
+              <a:rPr lang="cs-CZ" dirty="0" err="1"/>
+              <a:t>lexer</a:t>
+            </a:r>
+            <a:r>
+              <a:rPr lang="cs-CZ" dirty="0"/>
+              <a:t> je v podstatě text rozdělený na tokeny a </a:t>
+            </a:r>
+            <a:r>
+              <a:rPr lang="cs-CZ" dirty="0" err="1"/>
+              <a:t>parser</a:t>
+            </a:r>
+            <a:r>
+              <a:rPr lang="cs-CZ" dirty="0"/>
+              <a:t> jsou funkce </a:t>
+            </a:r>
+            <a:r>
+              <a:rPr lang="cs-CZ" dirty="0" err="1"/>
+              <a:t>parsující</a:t>
+            </a:r>
+            <a:r>
+              <a:rPr lang="cs-CZ" dirty="0"/>
+              <a:t> tokeny do AST. AST je abstraktní syntaktický strom, nebo</a:t>
+            </a:r>
+            <a:r>
+              <a:rPr lang="en-US" dirty="0"/>
+              <a:t>-li </a:t>
             </a:r>
             <a:r>
               <a:rPr lang="en-US" dirty="0" err="1"/>
-              <a:t>zde</a:t>
+              <a:t>strom</a:t>
             </a:r>
             <a:r>
               <a:rPr lang="en-US" dirty="0"/>
-              <a:t> </a:t>
-            </a:r>
-            <a:r>
-              <a:rPr lang="cs-CZ" dirty="0"/>
-              <a:t>je jeden z příkladů</a:t>
-            </a:r>
-            <a:r>
-              <a:rPr lang="en-US" dirty="0"/>
-              <a:t>,</a:t>
-            </a:r>
-            <a:r>
-              <a:rPr lang="cs-CZ" dirty="0"/>
-              <a:t> jak </a:t>
-            </a:r>
-            <a:r>
-              <a:rPr lang="en-US" dirty="0"/>
-              <a:t>se m</a:t>
-            </a:r>
-            <a:r>
-              <a:rPr lang="cs-CZ" dirty="0" err="1"/>
-              <a:t>ůže</a:t>
-            </a:r>
-            <a:r>
-              <a:rPr lang="cs-CZ" dirty="0"/>
-              <a:t> </a:t>
-            </a:r>
-            <a:r>
-              <a:rPr lang="cs-CZ" dirty="0" err="1"/>
-              <a:t>haskelyzer</a:t>
-            </a:r>
-            <a:r>
-              <a:rPr lang="cs-CZ" dirty="0"/>
-              <a:t> využít. Dvoujádrová </a:t>
-            </a:r>
-            <a:r>
-              <a:rPr lang="cs-CZ" dirty="0" err="1"/>
-              <a:t>gui</a:t>
-            </a:r>
-            <a:r>
-              <a:rPr lang="cs-CZ" dirty="0"/>
-              <a:t> aplikace, kde sbíráte eventy a předáte je do vedlejšího vlákna na zpracování a mezitím hlavní vlákno </a:t>
-            </a:r>
-            <a:r>
-              <a:rPr lang="cs-CZ" dirty="0" err="1"/>
-              <a:t>renderuje</a:t>
-            </a:r>
-            <a:r>
-              <a:rPr lang="cs-CZ" dirty="0"/>
-              <a:t> aplikaci.</a:t>
-            </a:r>
-            <a:endParaRPr lang="en-US" dirty="0"/>
-          </a:p>
-          <a:p>
+              <a:t> token</a:t>
+            </a:r>
+            <a:r>
+              <a:rPr lang="cs-CZ" dirty="0"/>
+              <a:t>ů. </a:t>
+            </a:r>
+          </a:p>
+          <a:p>
+            <a:pPr marL="0" marR="0" lvl="0" indent="0" algn="l" defTabSz="914400" rtl="0" eaLnBrk="1" fontAlgn="auto" latinLnBrk="0" hangingPunct="1">
+              <a:lnSpc>
+                <a:spcPct val="100000"/>
+              </a:lnSpc>
+              <a:spcBef>
+                <a:spcPts val="0"/>
+              </a:spcBef>
+              <a:spcAft>
+                <a:spcPts val="0"/>
+              </a:spcAft>
+              <a:buClrTx/>
+              <a:buSzTx/>
+              <a:buFontTx/>
+              <a:buNone/>
+              <a:tabLst/>
+              <a:defRPr/>
+            </a:pPr>
+            <a:endParaRPr lang="cs-CZ" dirty="0"/>
+          </a:p>
+          <a:p>
+            <a:pPr marL="0" marR="0" lvl="0" indent="0" algn="l" defTabSz="914400" rtl="0" eaLnBrk="1" fontAlgn="auto" latinLnBrk="0" hangingPunct="1">
+              <a:lnSpc>
+                <a:spcPct val="100000"/>
+              </a:lnSpc>
+              <a:spcBef>
+                <a:spcPts val="0"/>
+              </a:spcBef>
+              <a:spcAft>
+                <a:spcPts val="0"/>
+              </a:spcAft>
+              <a:buClrTx/>
+              <a:buSzTx/>
+              <a:buFontTx/>
+              <a:buNone/>
+              <a:tabLst/>
+              <a:defRPr/>
+            </a:pPr>
+            <a:r>
+              <a:rPr lang="cs-CZ" dirty="0"/>
+              <a:t>Pozn: Ukaž co je zde AST.</a:t>
+            </a:r>
             <a:endParaRPr lang="en-US" dirty="0"/>
           </a:p>
           <a:p>
@@ -2661,7 +2293,7 @@
     </p:spTree>
     <p:extLst>
       <p:ext uri="{BB962C8B-B14F-4D97-AF65-F5344CB8AC3E}">
-        <p14:creationId xmlns:p14="http://schemas.microsoft.com/office/powerpoint/2010/main" val="2877218949"/>
+        <p14:creationId xmlns:p14="http://schemas.microsoft.com/office/powerpoint/2010/main" val="4177691797"/>
       </p:ext>
     </p:extLst>
   </p:cSld>
@@ -2716,45 +2348,203 @@
           <a:lstStyle/>
           <a:p>
             <a:r>
-              <a:rPr lang="cs-CZ" dirty="0" err="1"/>
-              <a:t>Lexer</a:t>
-            </a:r>
-            <a:r>
-              <a:rPr lang="cs-CZ" dirty="0"/>
-              <a:t>, </a:t>
-            </a:r>
-            <a:r>
-              <a:rPr lang="cs-CZ" dirty="0" err="1"/>
-              <a:t>Parser</a:t>
-            </a:r>
-            <a:r>
-              <a:rPr lang="cs-CZ" dirty="0"/>
-              <a:t> a AST jsou vždy součásti nějakého jazyka, záleží teď jaká je strategie DSL. Záleží, jestli chcete </a:t>
-            </a:r>
-            <a:r>
-              <a:rPr lang="cs-CZ" dirty="0" err="1"/>
-              <a:t>parsovat</a:t>
-            </a:r>
-            <a:r>
-              <a:rPr lang="cs-CZ" dirty="0"/>
-              <a:t> jazyk během kompilace, za běhu programu a nebo jako preprocesor. </a:t>
-            </a:r>
-            <a:r>
-              <a:rPr lang="cs-CZ" dirty="0" err="1"/>
-              <a:t>Haskelyzer</a:t>
-            </a:r>
-            <a:r>
-              <a:rPr lang="cs-CZ" dirty="0"/>
-              <a:t> je zpracován během kompilace, protože jsem chtěl využít </a:t>
-            </a:r>
-            <a:r>
-              <a:rPr lang="cs-CZ" dirty="0" err="1"/>
-              <a:t>haskellův</a:t>
-            </a:r>
-            <a:r>
-              <a:rPr lang="cs-CZ" dirty="0"/>
-              <a:t> kompilátor GHC.</a:t>
-            </a:r>
+              <a:rPr lang="cs-CZ" dirty="0"/>
+              <a:t>Toto DSL má tento problém vyřešit.</a:t>
+            </a:r>
+          </a:p>
+          <a:p>
+            <a:r>
+              <a:rPr lang="en-US" dirty="0"/>
+              <a:t>P</a:t>
+            </a:r>
+            <a:r>
+              <a:rPr lang="cs-CZ" dirty="0" err="1"/>
+              <a:t>ůvodní</a:t>
+            </a:r>
+            <a:r>
+              <a:rPr lang="cs-CZ" dirty="0"/>
+              <a:t> návrh zahrnoval během kompilace zahrnout soubor example.csv a zároveň ověřit datové typy tohoto souboru. </a:t>
+            </a:r>
+            <a:r>
+              <a:rPr lang="en-US" dirty="0" err="1"/>
+              <a:t>Embedov</a:t>
+            </a:r>
+            <a:r>
+              <a:rPr lang="cs-CZ" dirty="0" err="1"/>
+              <a:t>ání</a:t>
+            </a:r>
+            <a:r>
+              <a:rPr lang="cs-CZ" dirty="0"/>
+              <a:t> dat není nejlepší nápad, protože to může zpomalit start programu, zároveň máte </a:t>
+            </a:r>
+            <a:r>
+              <a:rPr lang="cs-CZ" dirty="0" err="1"/>
+              <a:t>executable</a:t>
+            </a:r>
+            <a:r>
+              <a:rPr lang="cs-CZ" dirty="0"/>
+              <a:t>, který je závislý na velikosti těch dat a máte jeden jediný program, kde nemůžete měnit </a:t>
+            </a:r>
+            <a:r>
+              <a:rPr lang="cs-CZ" dirty="0" err="1"/>
+              <a:t>csv</a:t>
+            </a:r>
+            <a:r>
+              <a:rPr lang="cs-CZ" dirty="0"/>
+              <a:t> data. Takže to byl špatný nápad</a:t>
+            </a:r>
+            <a:r>
+              <a:rPr lang="en-US" dirty="0"/>
+              <a:t>.</a:t>
+            </a:r>
+          </a:p>
+          <a:p>
+            <a:r>
+              <a:rPr lang="cs-CZ" dirty="0"/>
+              <a:t>Zde jsou vidět jakési svislé čáry, které mají říkat, že </a:t>
+            </a:r>
+            <a:r>
+              <a:rPr lang="cs-CZ" dirty="0" err="1"/>
+              <a:t>konkurentně</a:t>
+            </a:r>
+            <a:r>
+              <a:rPr lang="cs-CZ" dirty="0"/>
+              <a:t> má běžet </a:t>
+            </a:r>
+            <a:r>
+              <a:rPr lang="cs-CZ" dirty="0" err="1"/>
+              <a:t>Gausovský</a:t>
+            </a:r>
+            <a:r>
+              <a:rPr lang="cs-CZ" dirty="0"/>
+              <a:t> filtr, jehož výstup se ukládá do databáze a </a:t>
+            </a:r>
+            <a:r>
+              <a:rPr lang="cs-CZ" dirty="0" err="1"/>
+              <a:t>Kalmanův</a:t>
+            </a:r>
+            <a:r>
+              <a:rPr lang="cs-CZ" dirty="0"/>
+              <a:t> filtr, kde se </a:t>
+            </a:r>
+            <a:r>
+              <a:rPr lang="cs-CZ" dirty="0" err="1"/>
+              <a:t>konkurentně</a:t>
+            </a:r>
+            <a:r>
+              <a:rPr lang="cs-CZ" dirty="0"/>
+              <a:t> </a:t>
+            </a:r>
+            <a:r>
+              <a:rPr lang="cs-CZ" dirty="0" err="1"/>
+              <a:t>vypisujou</a:t>
+            </a:r>
+            <a:r>
+              <a:rPr lang="cs-CZ" dirty="0"/>
+              <a:t> data do standardního výstupu a nějakého souboru.</a:t>
+            </a:r>
+          </a:p>
+          <a:p>
+            <a:r>
+              <a:rPr lang="cs-CZ" dirty="0"/>
+              <a:t>Tímhle způsobem, můžeme vytvořit velmi přehledné </a:t>
+            </a:r>
+            <a:r>
+              <a:rPr lang="cs-CZ" dirty="0" err="1"/>
+              <a:t>konkurentní</a:t>
+            </a:r>
+            <a:r>
+              <a:rPr lang="cs-CZ" dirty="0"/>
+              <a:t> funkce.</a:t>
+            </a:r>
+          </a:p>
+          <a:p>
+            <a:endParaRPr lang="cs-CZ" dirty="0"/>
+          </a:p>
+          <a:p>
+            <a:pPr marL="0" marR="0" lvl="0" indent="0" algn="l" defTabSz="914400" rtl="0" eaLnBrk="1" fontAlgn="auto" latinLnBrk="0" hangingPunct="1">
+              <a:lnSpc>
+                <a:spcPct val="100000"/>
+              </a:lnSpc>
+              <a:spcBef>
+                <a:spcPts val="0"/>
+              </a:spcBef>
+              <a:spcAft>
+                <a:spcPts val="0"/>
+              </a:spcAft>
+              <a:buClrTx/>
+              <a:buSzTx/>
+              <a:buFontTx/>
+              <a:buNone/>
+              <a:tabLst/>
+              <a:defRPr/>
+            </a:pPr>
+            <a:r>
+              <a:rPr lang="cs-CZ" dirty="0"/>
+              <a:t>Následným zkoumáním se zjistilo, že toto DSL se nemusí využít pouze na zpracování dat, třeba </a:t>
+            </a:r>
+            <a:r>
+              <a:rPr lang="en-US" dirty="0" err="1"/>
+              <a:t>zde</a:t>
+            </a:r>
+            <a:r>
+              <a:rPr lang="en-US" dirty="0"/>
+              <a:t> </a:t>
+            </a:r>
+            <a:r>
+              <a:rPr lang="cs-CZ" dirty="0"/>
+              <a:t>je jeden z příkladů</a:t>
+            </a:r>
+            <a:r>
+              <a:rPr lang="en-US" dirty="0"/>
+              <a:t>,</a:t>
+            </a:r>
+            <a:r>
+              <a:rPr lang="cs-CZ" dirty="0"/>
+              <a:t> jak </a:t>
+            </a:r>
+            <a:r>
+              <a:rPr lang="en-US" dirty="0"/>
+              <a:t>se m</a:t>
+            </a:r>
+            <a:r>
+              <a:rPr lang="cs-CZ" dirty="0" err="1"/>
+              <a:t>ůže</a:t>
+            </a:r>
+            <a:r>
+              <a:rPr lang="cs-CZ" dirty="0"/>
+              <a:t> </a:t>
+            </a:r>
+            <a:r>
+              <a:rPr lang="cs-CZ" dirty="0" err="1"/>
+              <a:t>haskelyzer</a:t>
+            </a:r>
+            <a:r>
+              <a:rPr lang="cs-CZ" dirty="0"/>
+              <a:t> využít. Dvoujádrová </a:t>
+            </a:r>
+            <a:r>
+              <a:rPr lang="cs-CZ" dirty="0" err="1"/>
+              <a:t>gui</a:t>
+            </a:r>
+            <a:r>
+              <a:rPr lang="cs-CZ" dirty="0"/>
+              <a:t> aplikace, kde sbíráte eventy a předáte je do vedlejšího vlákna na zpracování a mezitím hlavní vlákno </a:t>
+            </a:r>
+            <a:r>
+              <a:rPr lang="cs-CZ" dirty="0" err="1"/>
+              <a:t>renderuje</a:t>
+            </a:r>
+            <a:r>
+              <a:rPr lang="cs-CZ" dirty="0"/>
+              <a:t> aplikaci.</a:t>
+            </a:r>
+            <a:endParaRPr lang="en-US" dirty="0"/>
+          </a:p>
+          <a:p>
+            <a:endParaRPr lang="en-US" dirty="0"/>
+          </a:p>
+          <a:p>
             <a:endParaRPr lang="en-US" dirty="0"/>
           </a:p>
         </p:txBody>
@@ -2785,7 +2575,7 @@
     </p:spTree>
     <p:extLst>
       <p:ext uri="{BB962C8B-B14F-4D97-AF65-F5344CB8AC3E}">
-        <p14:creationId xmlns:p14="http://schemas.microsoft.com/office/powerpoint/2010/main" val="1585429697"/>
+        <p14:creationId xmlns:p14="http://schemas.microsoft.com/office/powerpoint/2010/main" val="2877218949"/>
       </p:ext>
     </p:extLst>
   </p:cSld>
@@ -2839,129 +2629,46 @@
           <a:bodyPr/>
           <a:lstStyle/>
           <a:p>
-            <a:pPr marL="0" marR="0" lvl="0" indent="0" algn="l" defTabSz="914400" rtl="0" eaLnBrk="1" fontAlgn="auto" latinLnBrk="0" hangingPunct="1">
-              <a:lnSpc>
-                <a:spcPct val="100000"/>
-              </a:lnSpc>
-              <a:spcBef>
-                <a:spcPts val="0"/>
-              </a:spcBef>
-              <a:spcAft>
-                <a:spcPts val="0"/>
-              </a:spcAft>
-              <a:buClrTx/>
-              <a:buSzTx/>
-              <a:buFontTx/>
-              <a:buNone/>
-              <a:tabLst/>
-              <a:defRPr/>
-            </a:pPr>
-            <a:r>
-              <a:rPr lang="cs-CZ" dirty="0"/>
-              <a:t>Obecně na rozpoznání nějakého textu potřebujete </a:t>
-            </a:r>
-            <a:r>
-              <a:rPr lang="cs-CZ" dirty="0" err="1"/>
-              <a:t>parser</a:t>
-            </a:r>
-            <a:r>
-              <a:rPr lang="cs-CZ" dirty="0"/>
-              <a:t> a </a:t>
-            </a:r>
-            <a:r>
-              <a:rPr lang="cs-CZ" dirty="0" err="1"/>
-              <a:t>lexer</a:t>
-            </a:r>
-            <a:r>
-              <a:rPr lang="cs-CZ" dirty="0"/>
-              <a:t>, v kódu je mnohdy těžké najít rozdíl mezi těmito pojmy, </a:t>
-            </a:r>
-            <a:r>
-              <a:rPr lang="cs-CZ" dirty="0" err="1"/>
-              <a:t>lexer</a:t>
-            </a:r>
-            <a:r>
-              <a:rPr lang="cs-CZ" dirty="0"/>
-              <a:t> je v podstatě text rozdělený na tokeny a </a:t>
-            </a:r>
-            <a:r>
-              <a:rPr lang="cs-CZ" dirty="0" err="1"/>
-              <a:t>parser</a:t>
-            </a:r>
-            <a:r>
-              <a:rPr lang="cs-CZ" dirty="0"/>
-              <a:t> jsou funkce </a:t>
-            </a:r>
-            <a:r>
-              <a:rPr lang="cs-CZ" dirty="0" err="1"/>
-              <a:t>parsující</a:t>
-            </a:r>
-            <a:r>
-              <a:rPr lang="cs-CZ" dirty="0"/>
-              <a:t> tokeny do AST. AST je abstraktní syntaktický strom, nebo</a:t>
-            </a:r>
-            <a:r>
-              <a:rPr lang="en-US" dirty="0"/>
-              <a:t>-li </a:t>
-            </a:r>
-            <a:r>
-              <a:rPr lang="en-US" dirty="0" err="1"/>
-              <a:t>strom</a:t>
-            </a:r>
-            <a:r>
-              <a:rPr lang="en-US" dirty="0"/>
-              <a:t> token</a:t>
-            </a:r>
-            <a:r>
-              <a:rPr lang="cs-CZ" dirty="0"/>
-              <a:t>ů. </a:t>
-            </a:r>
-          </a:p>
-          <a:p>
-            <a:pPr marL="0" marR="0" lvl="0" indent="0" algn="l" defTabSz="914400" rtl="0" eaLnBrk="1" fontAlgn="auto" latinLnBrk="0" hangingPunct="1">
-              <a:lnSpc>
-                <a:spcPct val="100000"/>
-              </a:lnSpc>
-              <a:spcBef>
-                <a:spcPts val="0"/>
-              </a:spcBef>
-              <a:spcAft>
-                <a:spcPts val="0"/>
-              </a:spcAft>
-              <a:buClrTx/>
-              <a:buSzTx/>
-              <a:buFontTx/>
-              <a:buNone/>
-              <a:tabLst/>
-              <a:defRPr/>
-            </a:pPr>
-            <a:endParaRPr lang="cs-CZ" dirty="0"/>
-          </a:p>
-          <a:p>
-            <a:pPr marL="0" marR="0" lvl="0" indent="0" algn="l" defTabSz="914400" rtl="0" eaLnBrk="1" fontAlgn="auto" latinLnBrk="0" hangingPunct="1">
-              <a:lnSpc>
-                <a:spcPct val="100000"/>
-              </a:lnSpc>
-              <a:spcBef>
-                <a:spcPts val="0"/>
-              </a:spcBef>
-              <a:spcAft>
-                <a:spcPts val="0"/>
-              </a:spcAft>
-              <a:buClrTx/>
-              <a:buSzTx/>
-              <a:buFontTx/>
-              <a:buNone/>
-              <a:tabLst/>
-              <a:defRPr/>
-            </a:pPr>
-            <a:r>
-              <a:rPr lang="cs-CZ" dirty="0"/>
-              <a:t>Pozn: Ukaž co je zde AST.</a:t>
-            </a:r>
-            <a:endParaRPr lang="en-US" dirty="0"/>
-          </a:p>
-          <a:p>
+            <a:r>
+              <a:rPr lang="cs-CZ" dirty="0" err="1"/>
+              <a:t>Lexer</a:t>
+            </a:r>
+            <a:r>
+              <a:rPr lang="cs-CZ" dirty="0"/>
+              <a:t>, </a:t>
+            </a:r>
+            <a:r>
+              <a:rPr lang="cs-CZ" dirty="0" err="1"/>
+              <a:t>Parser</a:t>
+            </a:r>
+            <a:r>
+              <a:rPr lang="cs-CZ" dirty="0"/>
+              <a:t> a AST jsou vždy součásti nějakého jazyka, záleží teď jaká je strategie DSL. Záleží, jestli chcete </a:t>
+            </a:r>
+            <a:r>
+              <a:rPr lang="cs-CZ" dirty="0" err="1"/>
+              <a:t>parsovat</a:t>
+            </a:r>
+            <a:r>
+              <a:rPr lang="cs-CZ" dirty="0"/>
+              <a:t> jazyk během kompilace, za běhu programu a nebo jako preprocesor. </a:t>
+            </a:r>
+            <a:r>
+              <a:rPr lang="cs-CZ" dirty="0" err="1"/>
+              <a:t>Haskelyzer</a:t>
+            </a:r>
+            <a:r>
+              <a:rPr lang="cs-CZ" dirty="0"/>
+              <a:t> je zpracován během kompilace, protože jsem chtěl využít </a:t>
+            </a:r>
+            <a:r>
+              <a:rPr lang="cs-CZ" dirty="0" err="1"/>
+              <a:t>haskellův</a:t>
+            </a:r>
+            <a:r>
+              <a:rPr lang="cs-CZ" dirty="0"/>
+              <a:t> kompilátor GHC.</a:t>
+            </a:r>
             <a:endParaRPr lang="en-US" dirty="0"/>
           </a:p>
         </p:txBody>
@@ -2992,7 +2699,7 @@
     </p:spTree>
     <p:extLst>
       <p:ext uri="{BB962C8B-B14F-4D97-AF65-F5344CB8AC3E}">
-        <p14:creationId xmlns:p14="http://schemas.microsoft.com/office/powerpoint/2010/main" val="4177691797"/>
+        <p14:creationId xmlns:p14="http://schemas.microsoft.com/office/powerpoint/2010/main" val="1585429697"/>
       </p:ext>
     </p:extLst>
   </p:cSld>
@@ -3151,7 +2858,7 @@
           <a:p>
             <a:fld id="{5B79B397-A688-4604-91A9-31A825709B71}" type="datetimeFigureOut">
               <a:rPr lang="en-US" smtClean="0"/>
-              <a:t>6/7/2024</a:t>
+              <a:t>6/12/2024</a:t>
             </a:fld>
             <a:endParaRPr lang="en-US" dirty="0"/>
           </a:p>
@@ -3351,7 +3058,7 @@
           <a:p>
             <a:fld id="{5B79B397-A688-4604-91A9-31A825709B71}" type="datetimeFigureOut">
               <a:rPr lang="en-US" smtClean="0"/>
-              <a:t>6/7/2024</a:t>
+              <a:t>6/12/2024</a:t>
             </a:fld>
             <a:endParaRPr lang="en-US" dirty="0"/>
           </a:p>
@@ -3561,7 +3268,7 @@
           <a:p>
             <a:fld id="{5B79B397-A688-4604-91A9-31A825709B71}" type="datetimeFigureOut">
               <a:rPr lang="en-US" smtClean="0"/>
-              <a:t>6/7/2024</a:t>
+              <a:t>6/12/2024</a:t>
             </a:fld>
             <a:endParaRPr lang="en-US" dirty="0"/>
           </a:p>
@@ -3761,7 +3468,7 @@
           <a:p>
             <a:fld id="{5B79B397-A688-4604-91A9-31A825709B71}" type="datetimeFigureOut">
               <a:rPr lang="en-US" smtClean="0"/>
-              <a:t>6/7/2024</a:t>
+              <a:t>6/12/2024</a:t>
             </a:fld>
             <a:endParaRPr lang="en-US" dirty="0"/>
           </a:p>
@@ -4037,7 +3744,7 @@
           <a:p>
             <a:fld id="{5B79B397-A688-4604-91A9-31A825709B71}" type="datetimeFigureOut">
               <a:rPr lang="en-US" smtClean="0"/>
-              <a:t>6/7/2024</a:t>
+              <a:t>6/12/2024</a:t>
             </a:fld>
             <a:endParaRPr lang="en-US" dirty="0"/>
           </a:p>
@@ -4305,7 +4012,7 @@
           <a:p>
             <a:fld id="{5B79B397-A688-4604-91A9-31A825709B71}" type="datetimeFigureOut">
               <a:rPr lang="en-US" smtClean="0"/>
-              <a:t>6/7/2024</a:t>
+              <a:t>6/12/2024</a:t>
             </a:fld>
             <a:endParaRPr lang="en-US" dirty="0"/>
           </a:p>
@@ -4720,7 +4427,7 @@
           <a:p>
             <a:fld id="{5B79B397-A688-4604-91A9-31A825709B71}" type="datetimeFigureOut">
               <a:rPr lang="en-US" smtClean="0"/>
-              <a:t>6/7/2024</a:t>
+              <a:t>6/12/2024</a:t>
             </a:fld>
             <a:endParaRPr lang="en-US" dirty="0"/>
           </a:p>
@@ -4862,7 +4569,7 @@
           <a:p>
             <a:fld id="{5B79B397-A688-4604-91A9-31A825709B71}" type="datetimeFigureOut">
               <a:rPr lang="en-US" smtClean="0"/>
-              <a:t>6/7/2024</a:t>
+              <a:t>6/12/2024</a:t>
             </a:fld>
             <a:endParaRPr lang="en-US" dirty="0"/>
           </a:p>
@@ -4975,7 +4682,7 @@
           <a:p>
             <a:fld id="{5B79B397-A688-4604-91A9-31A825709B71}" type="datetimeFigureOut">
               <a:rPr lang="en-US" smtClean="0"/>
-              <a:t>6/7/2024</a:t>
+              <a:t>6/12/2024</a:t>
             </a:fld>
             <a:endParaRPr lang="en-US" dirty="0"/>
           </a:p>
@@ -5288,7 +4995,7 @@
           <a:p>
             <a:fld id="{5B79B397-A688-4604-91A9-31A825709B71}" type="datetimeFigureOut">
               <a:rPr lang="en-US" smtClean="0"/>
-              <a:t>6/7/2024</a:t>
+              <a:t>6/12/2024</a:t>
             </a:fld>
             <a:endParaRPr lang="en-US" dirty="0"/>
           </a:p>
@@ -5577,7 +5284,7 @@
           <a:p>
             <a:fld id="{5B79B397-A688-4604-91A9-31A825709B71}" type="datetimeFigureOut">
               <a:rPr lang="en-US" smtClean="0"/>
-              <a:t>6/7/2024</a:t>
+              <a:t>6/12/2024</a:t>
             </a:fld>
             <a:endParaRPr lang="en-US" dirty="0"/>
           </a:p>
@@ -5820,7 +5527,7 @@
           <a:p>
             <a:fld id="{5B79B397-A688-4604-91A9-31A825709B71}" type="datetimeFigureOut">
               <a:rPr lang="en-US" smtClean="0"/>
-              <a:t>6/7/2024</a:t>
+              <a:t>6/12/2024</a:t>
             </a:fld>
             <a:endParaRPr lang="en-US" dirty="0"/>
           </a:p>
@@ -6345,7 +6052,7 @@
           <p:cNvPr id="2" name="Nadpis 1">
             <a:extLst>
               <a:ext uri="{FF2B5EF4-FFF2-40B4-BE49-F238E27FC236}">
-                <a16:creationId xmlns:a16="http://schemas.microsoft.com/office/drawing/2014/main" id="{84761754-3E19-F001-A63E-8C55A7F13F13}"/>
+                <a16:creationId xmlns:a16="http://schemas.microsoft.com/office/drawing/2014/main" id="{05B09B86-A72A-8656-9D10-A0CFEE7AF3A8}"/>
               </a:ext>
             </a:extLst>
           </p:cNvPr>
@@ -6362,35 +6069,34 @@
           <a:lstStyle/>
           <a:p>
             <a:r>
-              <a:rPr lang="en-US" dirty="0"/>
-              <a:t>Jak</a:t>
-            </a:r>
-            <a:r>
-              <a:rPr lang="cs-CZ" dirty="0"/>
-              <a:t> obecně</a:t>
-            </a:r>
-            <a:r>
-              <a:rPr lang="en-US" dirty="0"/>
-              <a:t> implementovat DSL</a:t>
-            </a:r>
+              <a:rPr lang="cs-CZ" dirty="0"/>
+              <a:t>Návrh </a:t>
+            </a:r>
+            <a:r>
+              <a:rPr lang="cs-CZ" dirty="0" err="1"/>
+              <a:t>tacitního</a:t>
+            </a:r>
+            <a:r>
+              <a:rPr lang="cs-CZ" dirty="0"/>
+              <a:t> DSL</a:t>
+            </a:r>
+            <a:endParaRPr lang="en-US" dirty="0"/>
           </a:p>
         </p:txBody>
       </p:sp>
       <p:pic>
         <p:nvPicPr>
-          <p:cNvPr id="5" name="Zástupný obsah 4">
-            <a:extLst>
-              <a:ext uri="{FF2B5EF4-FFF2-40B4-BE49-F238E27FC236}">
-                <a16:creationId xmlns:a16="http://schemas.microsoft.com/office/drawing/2014/main" id="{330131FD-FAD7-6FFA-2D32-9FF212A70D9F}"/>
+          <p:cNvPr id="11" name="Obrázek 10">
+            <a:extLst>
+              <a:ext uri="{FF2B5EF4-FFF2-40B4-BE49-F238E27FC236}">
+                <a16:creationId xmlns:a16="http://schemas.microsoft.com/office/drawing/2014/main" id="{50904227-6DB9-DF7D-96D7-8ADED5E6A03A}"/>
               </a:ext>
             </a:extLst>
           </p:cNvPr>
           <p:cNvPicPr>
-            <a:picLocks noGrp="1" noChangeAspect="1"/>
+            <a:picLocks noChangeAspect="1"/>
           </p:cNvPicPr>
-          <p:nvPr>
-            <p:ph idx="1"/>
-          </p:nvPr>
+          <p:nvPr/>
         </p:nvPicPr>
         <p:blipFill>
           <a:blip r:embed="rId3"/>
@@ -6400,15 +6106,47 @@
         </p:blipFill>
         <p:spPr>
           <a:xfrm>
-            <a:off x="2237836" y="2657367"/>
-            <a:ext cx="7716327" cy="1543265"/>
+            <a:off x="2278183" y="2048246"/>
+            <a:ext cx="7635632" cy="1159842"/>
+          </a:xfrm>
+          <a:prstGeom prst="rect">
+            <a:avLst/>
+          </a:prstGeom>
+        </p:spPr>
+      </p:pic>
+      <p:pic>
+        <p:nvPicPr>
+          <p:cNvPr id="12" name="Zástupný obsah 4">
+            <a:extLst>
+              <a:ext uri="{FF2B5EF4-FFF2-40B4-BE49-F238E27FC236}">
+                <a16:creationId xmlns:a16="http://schemas.microsoft.com/office/drawing/2014/main" id="{2CAB35B6-EC89-B51A-2B79-0AAA2E534B00}"/>
+              </a:ext>
+            </a:extLst>
+          </p:cNvPr>
+          <p:cNvPicPr>
+            <a:picLocks noGrp="1" noChangeAspect="1"/>
+          </p:cNvPicPr>
+          <p:nvPr>
+            <p:ph idx="1"/>
+          </p:nvPr>
+        </p:nvPicPr>
+        <p:blipFill>
+          <a:blip r:embed="rId4"/>
+          <a:stretch>
+            <a:fillRect/>
+          </a:stretch>
+        </p:blipFill>
+        <p:spPr>
+          <a:xfrm>
+            <a:off x="1985388" y="4229833"/>
+            <a:ext cx="8221222" cy="1743318"/>
           </a:xfrm>
         </p:spPr>
       </p:pic>
     </p:spTree>
     <p:extLst>
       <p:ext uri="{BB962C8B-B14F-4D97-AF65-F5344CB8AC3E}">
-        <p14:creationId xmlns:p14="http://schemas.microsoft.com/office/powerpoint/2010/main" val="1306260350"/>
+        <p14:creationId xmlns:p14="http://schemas.microsoft.com/office/powerpoint/2010/main" val="3849756529"/>
       </p:ext>
     </p:extLst>
   </p:cSld>
@@ -6440,7 +6178,7 @@
           <p:cNvPr id="2" name="Nadpis 1">
             <a:extLst>
               <a:ext uri="{FF2B5EF4-FFF2-40B4-BE49-F238E27FC236}">
-                <a16:creationId xmlns:a16="http://schemas.microsoft.com/office/drawing/2014/main" id="{72871456-523C-5989-1888-BF5712E928EB}"/>
+                <a16:creationId xmlns:a16="http://schemas.microsoft.com/office/drawing/2014/main" id="{84761754-3E19-F001-A63E-8C55A7F13F13}"/>
               </a:ext>
             </a:extLst>
           </p:cNvPr>
@@ -6457,67 +6195,35 @@
           <a:lstStyle/>
           <a:p>
             <a:r>
-              <a:rPr lang="en-US" dirty="0" err="1"/>
-              <a:t>Lexer</a:t>
-            </a:r>
-            <a:r>
-              <a:rPr lang="cs-CZ" dirty="0"/>
-              <a:t>, </a:t>
-            </a:r>
-            <a:r>
               <a:rPr lang="en-US" dirty="0"/>
-              <a:t>parser</a:t>
-            </a:r>
-            <a:r>
-              <a:rPr lang="cs-CZ" dirty="0"/>
-              <a:t> a AST</a:t>
-            </a:r>
-            <a:endParaRPr lang="en-US" dirty="0"/>
-          </a:p>
-        </p:txBody>
-      </p:sp>
-      <p:sp>
-        <p:nvSpPr>
-          <p:cNvPr id="3" name="Zástupný obsah 2">
-            <a:extLst>
-              <a:ext uri="{FF2B5EF4-FFF2-40B4-BE49-F238E27FC236}">
-                <a16:creationId xmlns:a16="http://schemas.microsoft.com/office/drawing/2014/main" id="{50F1234B-913E-DD3F-DF4A-84FA51EA54B9}"/>
-              </a:ext>
-            </a:extLst>
-          </p:cNvPr>
-          <p:cNvSpPr>
-            <a:spLocks noGrp="1"/>
-          </p:cNvSpPr>
-          <p:nvPr>
-            <p:ph idx="1"/>
-          </p:nvPr>
-        </p:nvSpPr>
-        <p:spPr/>
-        <p:txBody>
-          <a:bodyPr/>
-          <a:lstStyle/>
-          <a:p>
-            <a:r>
-              <a:rPr lang="cs-CZ" dirty="0" err="1"/>
-              <a:t>Parsec</a:t>
-            </a:r>
-            <a:endParaRPr lang="en-US" dirty="0"/>
+              <a:t>Jak</a:t>
+            </a:r>
+            <a:r>
+              <a:rPr lang="cs-CZ" dirty="0"/>
+              <a:t> obecně</a:t>
+            </a:r>
+            <a:r>
+              <a:rPr lang="en-US" dirty="0"/>
+              <a:t> implementovat DSL</a:t>
+            </a:r>
           </a:p>
         </p:txBody>
       </p:sp>
       <p:pic>
         <p:nvPicPr>
-          <p:cNvPr id="5" name="Obrázek 4">
-            <a:extLst>
-              <a:ext uri="{FF2B5EF4-FFF2-40B4-BE49-F238E27FC236}">
-                <a16:creationId xmlns:a16="http://schemas.microsoft.com/office/drawing/2014/main" id="{2EF2E4E9-E22D-C995-453A-687D89608FDE}"/>
+          <p:cNvPr id="5" name="Zástupný obsah 4">
+            <a:extLst>
+              <a:ext uri="{FF2B5EF4-FFF2-40B4-BE49-F238E27FC236}">
+                <a16:creationId xmlns:a16="http://schemas.microsoft.com/office/drawing/2014/main" id="{330131FD-FAD7-6FFA-2D32-9FF212A70D9F}"/>
               </a:ext>
             </a:extLst>
           </p:cNvPr>
           <p:cNvPicPr>
-            <a:picLocks noChangeAspect="1"/>
+            <a:picLocks noGrp="1" noChangeAspect="1"/>
           </p:cNvPicPr>
-          <p:nvPr/>
+          <p:nvPr>
+            <p:ph idx="1"/>
+          </p:nvPr>
         </p:nvPicPr>
         <p:blipFill>
           <a:blip r:embed="rId3"/>
@@ -6527,56 +6233,15 @@
         </p:blipFill>
         <p:spPr>
           <a:xfrm>
-            <a:off x="1323309" y="2586634"/>
-            <a:ext cx="9545382" cy="2829320"/>
+            <a:off x="216875" y="2776679"/>
+            <a:ext cx="11975125" cy="2395024"/>
           </a:xfrm>
-          <a:prstGeom prst="rect">
-            <a:avLst/>
-          </a:prstGeom>
         </p:spPr>
       </p:pic>
-      <p:sp>
-        <p:nvSpPr>
-          <p:cNvPr id="6" name="TextovéPole 5">
-            <a:extLst>
-              <a:ext uri="{FF2B5EF4-FFF2-40B4-BE49-F238E27FC236}">
-                <a16:creationId xmlns:a16="http://schemas.microsoft.com/office/drawing/2014/main" id="{B5BEA7AC-E75C-CF81-655F-12B486A1A82F}"/>
-              </a:ext>
-            </a:extLst>
-          </p:cNvPr>
-          <p:cNvSpPr txBox="1"/>
-          <p:nvPr/>
-        </p:nvSpPr>
-        <p:spPr>
-          <a:xfrm>
-            <a:off x="3795178" y="5807631"/>
-            <a:ext cx="4601644" cy="369332"/>
-          </a:xfrm>
-          <a:prstGeom prst="rect">
-            <a:avLst/>
-          </a:prstGeom>
-          <a:noFill/>
-        </p:spPr>
-        <p:txBody>
-          <a:bodyPr wrap="none" rtlCol="0">
-            <a:spAutoFit/>
-          </a:bodyPr>
-          <a:lstStyle/>
-          <a:p>
-            <a:r>
-              <a:rPr lang="en-US" dirty="0">
-                <a:hlinkClick r:id="rId4"/>
-              </a:rPr>
-              <a:t>Chapter 16. Using Parsec (realworldhaskell.org)</a:t>
-            </a:r>
-            <a:endParaRPr lang="en-US" dirty="0"/>
-          </a:p>
-        </p:txBody>
-      </p:sp>
     </p:spTree>
     <p:extLst>
       <p:ext uri="{BB962C8B-B14F-4D97-AF65-F5344CB8AC3E}">
-        <p14:creationId xmlns:p14="http://schemas.microsoft.com/office/powerpoint/2010/main" val="3761655728"/>
+        <p14:creationId xmlns:p14="http://schemas.microsoft.com/office/powerpoint/2010/main" val="1306260350"/>
       </p:ext>
     </p:extLst>
   </p:cSld>
@@ -6587,191 +6252,6 @@
 </file>
 
 <file path=ppt/slides/slide12.xml><?xml version="1.0" encoding="utf-8"?>
-<p:sld xmlns:a="http://schemas.openxmlformats.org/drawingml/2006/main" xmlns:r="http://schemas.openxmlformats.org/officeDocument/2006/relationships" xmlns:p="http://schemas.openxmlformats.org/presentationml/2006/main">
-  <p:cSld>
-    <p:spTree>
-      <p:nvGrpSpPr>
-        <p:cNvPr id="1" name=""/>
-        <p:cNvGrpSpPr/>
-        <p:nvPr/>
-      </p:nvGrpSpPr>
-      <p:grpSpPr>
-        <a:xfrm>
-          <a:off x="0" y="0"/>
-          <a:ext cx="0" cy="0"/>
-          <a:chOff x="0" y="0"/>
-          <a:chExt cx="0" cy="0"/>
-        </a:xfrm>
-      </p:grpSpPr>
-      <p:sp>
-        <p:nvSpPr>
-          <p:cNvPr id="2" name="Nadpis 1">
-            <a:extLst>
-              <a:ext uri="{FF2B5EF4-FFF2-40B4-BE49-F238E27FC236}">
-                <a16:creationId xmlns:a16="http://schemas.microsoft.com/office/drawing/2014/main" id="{826FBB81-EA67-2C85-A506-1FE58C7328BF}"/>
-              </a:ext>
-            </a:extLst>
-          </p:cNvPr>
-          <p:cNvSpPr>
-            <a:spLocks noGrp="1"/>
-          </p:cNvSpPr>
-          <p:nvPr>
-            <p:ph type="title"/>
-          </p:nvPr>
-        </p:nvSpPr>
-        <p:spPr/>
-        <p:txBody>
-          <a:bodyPr/>
-          <a:lstStyle/>
-          <a:p>
-            <a:r>
-              <a:rPr lang="en-US" dirty="0" err="1"/>
-              <a:t>Lexer</a:t>
-            </a:r>
-            <a:r>
-              <a:rPr lang="cs-CZ" dirty="0"/>
-              <a:t>, </a:t>
-            </a:r>
-            <a:r>
-              <a:rPr lang="en-US" dirty="0"/>
-              <a:t>parser</a:t>
-            </a:r>
-            <a:r>
-              <a:rPr lang="cs-CZ" dirty="0"/>
-              <a:t> a AST</a:t>
-            </a:r>
-            <a:endParaRPr lang="en-US" dirty="0"/>
-          </a:p>
-        </p:txBody>
-      </p:sp>
-      <p:sp>
-        <p:nvSpPr>
-          <p:cNvPr id="7" name="Zástupný obsah 6">
-            <a:extLst>
-              <a:ext uri="{FF2B5EF4-FFF2-40B4-BE49-F238E27FC236}">
-                <a16:creationId xmlns:a16="http://schemas.microsoft.com/office/drawing/2014/main" id="{43C31FD0-42C3-A19B-4849-995C38409277}"/>
-              </a:ext>
-            </a:extLst>
-          </p:cNvPr>
-          <p:cNvSpPr>
-            <a:spLocks noGrp="1"/>
-          </p:cNvSpPr>
-          <p:nvPr>
-            <p:ph idx="1"/>
-          </p:nvPr>
-        </p:nvSpPr>
-        <p:spPr/>
-        <p:txBody>
-          <a:bodyPr/>
-          <a:lstStyle/>
-          <a:p>
-            <a:r>
-              <a:rPr lang="cs-CZ" dirty="0"/>
-              <a:t>AST </a:t>
-            </a:r>
-            <a:r>
-              <a:rPr lang="en-US" dirty="0"/>
-              <a:t>= [Expr]</a:t>
-            </a:r>
-          </a:p>
-        </p:txBody>
-      </p:sp>
-      <p:pic>
-        <p:nvPicPr>
-          <p:cNvPr id="5" name="Obrázek 4">
-            <a:extLst>
-              <a:ext uri="{FF2B5EF4-FFF2-40B4-BE49-F238E27FC236}">
-                <a16:creationId xmlns:a16="http://schemas.microsoft.com/office/drawing/2014/main" id="{29DE5403-C605-FF1D-4A7D-3554D6742346}"/>
-              </a:ext>
-            </a:extLst>
-          </p:cNvPr>
-          <p:cNvPicPr>
-            <a:picLocks noChangeAspect="1"/>
-          </p:cNvPicPr>
-          <p:nvPr/>
-        </p:nvPicPr>
-        <p:blipFill>
-          <a:blip r:embed="rId3"/>
-          <a:stretch>
-            <a:fillRect/>
-          </a:stretch>
-        </p:blipFill>
-        <p:spPr>
-          <a:xfrm>
-            <a:off x="2309284" y="2447709"/>
-            <a:ext cx="7573432" cy="3962953"/>
-          </a:xfrm>
-          <a:prstGeom prst="rect">
-            <a:avLst/>
-          </a:prstGeom>
-        </p:spPr>
-      </p:pic>
-      <p:sp>
-        <p:nvSpPr>
-          <p:cNvPr id="6" name="Ovál 5">
-            <a:extLst>
-              <a:ext uri="{FF2B5EF4-FFF2-40B4-BE49-F238E27FC236}">
-                <a16:creationId xmlns:a16="http://schemas.microsoft.com/office/drawing/2014/main" id="{6CC61B4C-2161-002F-B5AB-B857E49EAE09}"/>
-              </a:ext>
-            </a:extLst>
-          </p:cNvPr>
-          <p:cNvSpPr/>
-          <p:nvPr/>
-        </p:nvSpPr>
-        <p:spPr>
-          <a:xfrm>
-            <a:off x="2309284" y="3726961"/>
-            <a:ext cx="4446954" cy="381000"/>
-          </a:xfrm>
-          <a:prstGeom prst="ellipse">
-            <a:avLst/>
-          </a:prstGeom>
-          <a:noFill/>
-          <a:ln>
-            <a:solidFill>
-              <a:srgbClr val="FF0000"/>
-            </a:solidFill>
-          </a:ln>
-        </p:spPr>
-        <p:style>
-          <a:lnRef idx="2">
-            <a:schemeClr val="accent1">
-              <a:shade val="15000"/>
-            </a:schemeClr>
-          </a:lnRef>
-          <a:fillRef idx="1">
-            <a:schemeClr val="accent1"/>
-          </a:fillRef>
-          <a:effectRef idx="0">
-            <a:schemeClr val="accent1"/>
-          </a:effectRef>
-          <a:fontRef idx="minor">
-            <a:schemeClr val="lt1"/>
-          </a:fontRef>
-        </p:style>
-        <p:txBody>
-          <a:bodyPr rtlCol="0" anchor="ctr"/>
-          <a:lstStyle/>
-          <a:p>
-            <a:pPr algn="ctr"/>
-            <a:endParaRPr lang="en-US"/>
-          </a:p>
-        </p:txBody>
-      </p:sp>
-    </p:spTree>
-    <p:extLst>
-      <p:ext uri="{BB962C8B-B14F-4D97-AF65-F5344CB8AC3E}">
-        <p14:creationId xmlns:p14="http://schemas.microsoft.com/office/powerpoint/2010/main" val="3616620859"/>
-      </p:ext>
-    </p:extLst>
-  </p:cSld>
-  <p:clrMapOvr>
-    <a:masterClrMapping/>
-  </p:clrMapOvr>
-</p:sld>
-</file>
-
-<file path=ppt/slides/slide13.xml><?xml version="1.0" encoding="utf-8"?>
 <p:sld xmlns:a="http://schemas.openxmlformats.org/drawingml/2006/main" xmlns:r="http://schemas.openxmlformats.org/officeDocument/2006/relationships" xmlns:p="http://schemas.openxmlformats.org/presentationml/2006/main">
   <p:cSld>
     <p:spTree>
@@ -6872,109 +6352,7 @@
 </p:sld>
 </file>
 
-<file path=ppt/slides/slide14.xml><?xml version="1.0" encoding="utf-8"?>
-<p:sld xmlns:a="http://schemas.openxmlformats.org/drawingml/2006/main" xmlns:r="http://schemas.openxmlformats.org/officeDocument/2006/relationships" xmlns:p="http://schemas.openxmlformats.org/presentationml/2006/main">
-  <p:cSld>
-    <p:spTree>
-      <p:nvGrpSpPr>
-        <p:cNvPr id="1" name=""/>
-        <p:cNvGrpSpPr/>
-        <p:nvPr/>
-      </p:nvGrpSpPr>
-      <p:grpSpPr>
-        <a:xfrm>
-          <a:off x="0" y="0"/>
-          <a:ext cx="0" cy="0"/>
-          <a:chOff x="0" y="0"/>
-          <a:chExt cx="0" cy="0"/>
-        </a:xfrm>
-      </p:grpSpPr>
-      <p:sp>
-        <p:nvSpPr>
-          <p:cNvPr id="2" name="Nadpis 1">
-            <a:extLst>
-              <a:ext uri="{FF2B5EF4-FFF2-40B4-BE49-F238E27FC236}">
-                <a16:creationId xmlns:a16="http://schemas.microsoft.com/office/drawing/2014/main" id="{DD7F3427-63C6-ED61-6B15-3C5FB3DEE422}"/>
-              </a:ext>
-            </a:extLst>
-          </p:cNvPr>
-          <p:cNvSpPr>
-            <a:spLocks noGrp="1"/>
-          </p:cNvSpPr>
-          <p:nvPr>
-            <p:ph type="title"/>
-          </p:nvPr>
-        </p:nvSpPr>
-        <p:spPr/>
-        <p:txBody>
-          <a:bodyPr/>
-          <a:lstStyle/>
-          <a:p>
-            <a:r>
-              <a:rPr lang="cs-CZ" dirty="0"/>
-              <a:t>Testování</a:t>
-            </a:r>
-            <a:endParaRPr lang="en-US" dirty="0"/>
-          </a:p>
-        </p:txBody>
-      </p:sp>
-      <p:sp>
-        <p:nvSpPr>
-          <p:cNvPr id="3" name="Zástupný obsah 2">
-            <a:extLst>
-              <a:ext uri="{FF2B5EF4-FFF2-40B4-BE49-F238E27FC236}">
-                <a16:creationId xmlns:a16="http://schemas.microsoft.com/office/drawing/2014/main" id="{62B5BC36-24F2-26FE-AB2C-D8C45DAAECF4}"/>
-              </a:ext>
-            </a:extLst>
-          </p:cNvPr>
-          <p:cNvSpPr>
-            <a:spLocks noGrp="1"/>
-          </p:cNvSpPr>
-          <p:nvPr>
-            <p:ph idx="1"/>
-          </p:nvPr>
-        </p:nvSpPr>
-        <p:spPr/>
-        <p:txBody>
-          <a:bodyPr/>
-          <a:lstStyle/>
-          <a:p>
-            <a:r>
-              <a:rPr lang="en-US" dirty="0"/>
-              <a:t>TDD – Test Driven Development</a:t>
-            </a:r>
-          </a:p>
-          <a:p>
-            <a:r>
-              <a:rPr lang="en-US" dirty="0"/>
-              <a:t>Bez test</a:t>
-            </a:r>
-            <a:r>
-              <a:rPr lang="cs-CZ" dirty="0"/>
-              <a:t>ů nevznikne žádný spolehlivý </a:t>
-            </a:r>
-            <a:r>
-              <a:rPr lang="cs-CZ" dirty="0" err="1"/>
-              <a:t>parser</a:t>
-            </a:r>
-            <a:endParaRPr lang="en-US" dirty="0"/>
-          </a:p>
-        </p:txBody>
-      </p:sp>
-    </p:spTree>
-    <p:extLst>
-      <p:ext uri="{BB962C8B-B14F-4D97-AF65-F5344CB8AC3E}">
-        <p14:creationId xmlns:p14="http://schemas.microsoft.com/office/powerpoint/2010/main" val="1710481969"/>
-      </p:ext>
-    </p:extLst>
-  </p:cSld>
-  <p:clrMapOvr>
-    <a:masterClrMapping/>
-  </p:clrMapOvr>
-</p:sld>
-</file>
-
-<file path=ppt/slides/slide15.xml><?xml version="1.0" encoding="utf-8"?>
+<file path=ppt/slides/slide13.xml><?xml version="1.0" encoding="utf-8"?>
 <p:sld xmlns:a="http://schemas.openxmlformats.org/drawingml/2006/main" xmlns:r="http://schemas.openxmlformats.org/officeDocument/2006/relationships" xmlns:p="http://schemas.openxmlformats.org/presentationml/2006/main">
   <p:cSld>
     <p:spTree>
@@ -7125,36 +6503,176 @@
           </a:prstGeom>
         </p:spPr>
       </p:pic>
-      <p:pic>
-        <p:nvPicPr>
-          <p:cNvPr id="9" name="Obrázek 8">
-            <a:extLst>
-              <a:ext uri="{FF2B5EF4-FFF2-40B4-BE49-F238E27FC236}">
-                <a16:creationId xmlns:a16="http://schemas.microsoft.com/office/drawing/2014/main" id="{52AE4B71-D37A-D985-2DF0-B7CB719BC2F5}"/>
-              </a:ext>
-            </a:extLst>
-          </p:cNvPr>
-          <p:cNvPicPr>
-            <a:picLocks noChangeAspect="1"/>
-          </p:cNvPicPr>
+      <p:grpSp>
+        <p:nvGrpSpPr>
+          <p:cNvPr id="12" name="Skupina 11">
+            <a:extLst>
+              <a:ext uri="{FF2B5EF4-FFF2-40B4-BE49-F238E27FC236}">
+                <a16:creationId xmlns:a16="http://schemas.microsoft.com/office/drawing/2014/main" id="{7022C1E9-3883-0664-C847-9A8F95E013FD}"/>
+              </a:ext>
+            </a:extLst>
+          </p:cNvPr>
+          <p:cNvGrpSpPr/>
           <p:nvPr/>
-        </p:nvPicPr>
-        <p:blipFill>
-          <a:blip r:embed="rId4"/>
-          <a:stretch>
-            <a:fillRect/>
-          </a:stretch>
-        </p:blipFill>
-        <p:spPr>
+        </p:nvGrpSpPr>
+        <p:grpSpPr>
           <a:xfrm>
             <a:off x="2247363" y="4350699"/>
             <a:ext cx="7697274" cy="2448267"/>
+            <a:chOff x="2247363" y="4350699"/>
+            <a:chExt cx="7697274" cy="2448267"/>
           </a:xfrm>
-          <a:prstGeom prst="rect">
-            <a:avLst/>
-          </a:prstGeom>
-        </p:spPr>
-      </p:pic>
+        </p:grpSpPr>
+        <p:pic>
+          <p:nvPicPr>
+            <p:cNvPr id="9" name="Obrázek 8">
+              <a:extLst>
+                <a:ext uri="{FF2B5EF4-FFF2-40B4-BE49-F238E27FC236}">
+                  <a16:creationId xmlns:a16="http://schemas.microsoft.com/office/drawing/2014/main" id="{52AE4B71-D37A-D985-2DF0-B7CB719BC2F5}"/>
+                </a:ext>
+              </a:extLst>
+            </p:cNvPr>
+            <p:cNvPicPr>
+              <a:picLocks noChangeAspect="1"/>
+            </p:cNvPicPr>
+            <p:nvPr/>
+          </p:nvPicPr>
+          <p:blipFill>
+            <a:blip r:embed="rId4"/>
+            <a:stretch>
+              <a:fillRect/>
+            </a:stretch>
+          </p:blipFill>
+          <p:spPr>
+            <a:xfrm>
+              <a:off x="2247363" y="4350699"/>
+              <a:ext cx="7697274" cy="2448267"/>
+            </a:xfrm>
+            <a:prstGeom prst="rect">
+              <a:avLst/>
+            </a:prstGeom>
+          </p:spPr>
+        </p:pic>
+        <p:pic>
+          <p:nvPicPr>
+            <p:cNvPr id="4" name="Obrázek 3">
+              <a:extLst>
+                <a:ext uri="{FF2B5EF4-FFF2-40B4-BE49-F238E27FC236}">
+                  <a16:creationId xmlns:a16="http://schemas.microsoft.com/office/drawing/2014/main" id="{BAD48F79-D90A-CDFC-264B-29DA424414AC}"/>
+                </a:ext>
+              </a:extLst>
+            </p:cNvPr>
+            <p:cNvPicPr>
+              <a:picLocks noChangeAspect="1"/>
+            </p:cNvPicPr>
+            <p:nvPr/>
+          </p:nvPicPr>
+          <p:blipFill rotWithShape="1">
+            <a:blip r:embed="rId3"/>
+            <a:srcRect l="23580" t="84184" r="42476" b="3016"/>
+            <a:stretch/>
+          </p:blipFill>
+          <p:spPr>
+            <a:xfrm>
+              <a:off x="4908061" y="6589912"/>
+              <a:ext cx="2586893" cy="171938"/>
+            </a:xfrm>
+            <a:prstGeom prst="rect">
+              <a:avLst/>
+            </a:prstGeom>
+          </p:spPr>
+        </p:pic>
+        <p:pic>
+          <p:nvPicPr>
+            <p:cNvPr id="6" name="Obrázek 5">
+              <a:extLst>
+                <a:ext uri="{FF2B5EF4-FFF2-40B4-BE49-F238E27FC236}">
+                  <a16:creationId xmlns:a16="http://schemas.microsoft.com/office/drawing/2014/main" id="{9FE3BBA2-0904-00C1-2DE0-B195A31BE68A}"/>
+                </a:ext>
+              </a:extLst>
+            </p:cNvPr>
+            <p:cNvPicPr>
+              <a:picLocks noChangeAspect="1"/>
+            </p:cNvPicPr>
+            <p:nvPr/>
+          </p:nvPicPr>
+          <p:blipFill>
+            <a:blip r:embed="rId5"/>
+            <a:stretch>
+              <a:fillRect/>
+            </a:stretch>
+          </p:blipFill>
+          <p:spPr>
+            <a:xfrm>
+              <a:off x="4859530" y="6571354"/>
+              <a:ext cx="97061" cy="209054"/>
+            </a:xfrm>
+            <a:prstGeom prst="rect">
+              <a:avLst/>
+            </a:prstGeom>
+          </p:spPr>
+        </p:pic>
+        <p:pic>
+          <p:nvPicPr>
+            <p:cNvPr id="10" name="Obrázek 9">
+              <a:extLst>
+                <a:ext uri="{FF2B5EF4-FFF2-40B4-BE49-F238E27FC236}">
+                  <a16:creationId xmlns:a16="http://schemas.microsoft.com/office/drawing/2014/main" id="{10E84AE4-E2D5-510B-FFB7-2448CD508896}"/>
+                </a:ext>
+              </a:extLst>
+            </p:cNvPr>
+            <p:cNvPicPr>
+              <a:picLocks noChangeAspect="1"/>
+            </p:cNvPicPr>
+            <p:nvPr/>
+          </p:nvPicPr>
+          <p:blipFill>
+            <a:blip r:embed="rId5"/>
+            <a:stretch>
+              <a:fillRect/>
+            </a:stretch>
+          </p:blipFill>
+          <p:spPr>
+            <a:xfrm flipH="1">
+              <a:off x="7437808" y="6546443"/>
+              <a:ext cx="105677" cy="227612"/>
+            </a:xfrm>
+            <a:prstGeom prst="rect">
+              <a:avLst/>
+            </a:prstGeom>
+          </p:spPr>
+        </p:pic>
+        <p:pic>
+          <p:nvPicPr>
+            <p:cNvPr id="11" name="Obrázek 10">
+              <a:extLst>
+                <a:ext uri="{FF2B5EF4-FFF2-40B4-BE49-F238E27FC236}">
+                  <a16:creationId xmlns:a16="http://schemas.microsoft.com/office/drawing/2014/main" id="{E5F79B98-B0BE-0E99-AAF8-4A24D6EC336F}"/>
+                </a:ext>
+              </a:extLst>
+            </p:cNvPr>
+            <p:cNvPicPr>
+              <a:picLocks noChangeAspect="1"/>
+            </p:cNvPicPr>
+            <p:nvPr/>
+          </p:nvPicPr>
+          <p:blipFill>
+            <a:blip r:embed="rId5"/>
+            <a:stretch>
+              <a:fillRect/>
+            </a:stretch>
+          </p:blipFill>
+          <p:spPr>
+            <a:xfrm flipH="1">
+              <a:off x="7519871" y="6550348"/>
+              <a:ext cx="105677" cy="227612"/>
+            </a:xfrm>
+            <a:prstGeom prst="rect">
+              <a:avLst/>
+            </a:prstGeom>
+          </p:spPr>
+        </p:pic>
+      </p:grpSp>
     </p:spTree>
     <p:extLst>
       <p:ext uri="{BB962C8B-B14F-4D97-AF65-F5344CB8AC3E}">
@@ -7168,7 +6686,7 @@
 </p:sld>
 </file>
 
-<file path=ppt/slides/slide16.xml><?xml version="1.0" encoding="utf-8"?>
+<file path=ppt/slides/slide14.xml><?xml version="1.0" encoding="utf-8"?>
 <p:sld xmlns:a="http://schemas.openxmlformats.org/drawingml/2006/main" xmlns:r="http://schemas.openxmlformats.org/officeDocument/2006/relationships" xmlns:p="http://schemas.openxmlformats.org/presentationml/2006/main">
   <p:cSld>
     <p:spTree>
@@ -7319,7 +6837,7 @@
 </p:sld>
 </file>
 
-<file path=ppt/slides/slide17.xml><?xml version="1.0" encoding="utf-8"?>
+<file path=ppt/slides/slide15.xml><?xml version="1.0" encoding="utf-8"?>
 <p:sld xmlns:a="http://schemas.openxmlformats.org/drawingml/2006/main" xmlns:r="http://schemas.openxmlformats.org/officeDocument/2006/relationships" xmlns:p="http://schemas.openxmlformats.org/presentationml/2006/main">
   <p:cSld>
     <p:spTree>
@@ -7411,8 +6929,8 @@
         </p:nvGrpSpPr>
         <p:grpSpPr>
           <a:xfrm>
-            <a:off x="5924062" y="2719754"/>
-            <a:ext cx="6096000" cy="2160195"/>
+            <a:off x="5916247" y="2719754"/>
+            <a:ext cx="6181969" cy="2160195"/>
             <a:chOff x="341750" y="1535531"/>
             <a:chExt cx="7725853" cy="2151621"/>
           </a:xfrm>
@@ -7476,6 +6994,35 @@
           </p:spPr>
         </p:pic>
       </p:grpSp>
+      <p:pic>
+        <p:nvPicPr>
+          <p:cNvPr id="3" name="Obrázek 2">
+            <a:extLst>
+              <a:ext uri="{FF2B5EF4-FFF2-40B4-BE49-F238E27FC236}">
+                <a16:creationId xmlns:a16="http://schemas.microsoft.com/office/drawing/2014/main" id="{FAD34267-5A9F-C8D6-F677-4268AF4E0763}"/>
+              </a:ext>
+            </a:extLst>
+          </p:cNvPr>
+          <p:cNvPicPr>
+            <a:picLocks noChangeAspect="1"/>
+          </p:cNvPicPr>
+          <p:nvPr/>
+        </p:nvPicPr>
+        <p:blipFill rotWithShape="1">
+          <a:blip r:embed="rId4"/>
+          <a:srcRect l="68269" t="90688" r="5064" b="4648"/>
+          <a:stretch/>
+        </p:blipFill>
+        <p:spPr>
+          <a:xfrm>
+            <a:off x="10652369" y="4167632"/>
+            <a:ext cx="1438031" cy="206736"/>
+          </a:xfrm>
+          <a:prstGeom prst="rect">
+            <a:avLst/>
+          </a:prstGeom>
+        </p:spPr>
+      </p:pic>
     </p:spTree>
     <p:extLst>
       <p:ext uri="{BB962C8B-B14F-4D97-AF65-F5344CB8AC3E}">
@@ -7489,7 +7036,7 @@
 </p:sld>
 </file>
 
-<file path=ppt/slides/slide18.xml><?xml version="1.0" encoding="utf-8"?>
+<file path=ppt/slides/slide16.xml><?xml version="1.0" encoding="utf-8"?>
 <p:sld xmlns:a="http://schemas.openxmlformats.org/drawingml/2006/main" xmlns:r="http://schemas.openxmlformats.org/officeDocument/2006/relationships" xmlns:p="http://schemas.openxmlformats.org/presentationml/2006/main">
   <p:cSld>
     <p:spTree>
@@ -7618,7 +7165,7 @@
 </p:sld>
 </file>
 
-<file path=ppt/slides/slide19.xml><?xml version="1.0" encoding="utf-8"?>
+<file path=ppt/slides/slide17.xml><?xml version="1.0" encoding="utf-8"?>
 <p:sld xmlns:a="http://schemas.openxmlformats.org/drawingml/2006/main" xmlns:r="http://schemas.openxmlformats.org/officeDocument/2006/relationships" xmlns:p="http://schemas.openxmlformats.org/presentationml/2006/main">
   <p:cSld>
     <p:spTree>
@@ -7811,6 +7358,207 @@
 </p:sld>
 </file>
 
+<file path=ppt/slides/slide18.xml><?xml version="1.0" encoding="utf-8"?>
+<p:sld xmlns:a="http://schemas.openxmlformats.org/drawingml/2006/main" xmlns:r="http://schemas.openxmlformats.org/officeDocument/2006/relationships" xmlns:p="http://schemas.openxmlformats.org/presentationml/2006/main">
+  <p:cSld>
+    <p:spTree>
+      <p:nvGrpSpPr>
+        <p:cNvPr id="1" name=""/>
+        <p:cNvGrpSpPr/>
+        <p:nvPr/>
+      </p:nvGrpSpPr>
+      <p:grpSpPr>
+        <a:xfrm>
+          <a:off x="0" y="0"/>
+          <a:ext cx="0" cy="0"/>
+          <a:chOff x="0" y="0"/>
+          <a:chExt cx="0" cy="0"/>
+        </a:xfrm>
+      </p:grpSpPr>
+      <p:sp>
+        <p:nvSpPr>
+          <p:cNvPr id="2" name="Nadpis 1">
+            <a:extLst>
+              <a:ext uri="{FF2B5EF4-FFF2-40B4-BE49-F238E27FC236}">
+                <a16:creationId xmlns:a16="http://schemas.microsoft.com/office/drawing/2014/main" id="{842C4A87-CCE7-99BF-E3C7-07048926E1F5}"/>
+              </a:ext>
+            </a:extLst>
+          </p:cNvPr>
+          <p:cNvSpPr>
+            <a:spLocks noGrp="1"/>
+          </p:cNvSpPr>
+          <p:nvPr>
+            <p:ph type="title"/>
+          </p:nvPr>
+        </p:nvSpPr>
+        <p:spPr/>
+        <p:txBody>
+          <a:bodyPr/>
+          <a:lstStyle/>
+          <a:p>
+            <a:r>
+              <a:rPr lang="cs-CZ" dirty="0"/>
+              <a:t>Vylepšení do budoucna</a:t>
+            </a:r>
+            <a:endParaRPr lang="en-US" dirty="0"/>
+          </a:p>
+        </p:txBody>
+      </p:sp>
+      <p:sp>
+        <p:nvSpPr>
+          <p:cNvPr id="6" name="Zástupný obsah 5">
+            <a:extLst>
+              <a:ext uri="{FF2B5EF4-FFF2-40B4-BE49-F238E27FC236}">
+                <a16:creationId xmlns:a16="http://schemas.microsoft.com/office/drawing/2014/main" id="{F57CDACE-F58F-10E7-503C-D8DF0A06A505}"/>
+              </a:ext>
+            </a:extLst>
+          </p:cNvPr>
+          <p:cNvSpPr>
+            <a:spLocks noGrp="1"/>
+          </p:cNvSpPr>
+          <p:nvPr>
+            <p:ph idx="1"/>
+          </p:nvPr>
+        </p:nvSpPr>
+        <p:spPr/>
+        <p:txBody>
+          <a:bodyPr/>
+          <a:lstStyle/>
+          <a:p>
+            <a:r>
+              <a:rPr lang="en-US" dirty="0" err="1"/>
+              <a:t>Lep</a:t>
+            </a:r>
+            <a:r>
+              <a:rPr lang="cs-CZ" dirty="0" err="1"/>
+              <a:t>ší</a:t>
+            </a:r>
+            <a:r>
+              <a:rPr lang="cs-CZ" dirty="0"/>
+              <a:t> dokumentace</a:t>
+            </a:r>
+          </a:p>
+          <a:p>
+            <a:r>
+              <a:rPr lang="cs-CZ" dirty="0"/>
+              <a:t>Kontejner pro zkoušku DSL</a:t>
+            </a:r>
+            <a:endParaRPr lang="en-US" dirty="0"/>
+          </a:p>
+          <a:p>
+            <a:r>
+              <a:rPr lang="cs-CZ" dirty="0"/>
+              <a:t>Tvorba </a:t>
+            </a:r>
+            <a:r>
+              <a:rPr lang="cs-CZ" dirty="0" err="1"/>
+              <a:t>threadů</a:t>
+            </a:r>
+            <a:r>
+              <a:rPr lang="cs-CZ" dirty="0"/>
+              <a:t> na začátku programu a udržet je na živu</a:t>
+            </a:r>
+          </a:p>
+          <a:p>
+            <a:r>
+              <a:rPr lang="cs-CZ" dirty="0" err="1"/>
+              <a:t>Haskelyzer</a:t>
+            </a:r>
+            <a:r>
+              <a:rPr lang="cs-CZ" dirty="0"/>
+              <a:t> momentálně nepodporuje základní konstanty</a:t>
+            </a:r>
+          </a:p>
+          <a:p>
+            <a:r>
+              <a:rPr lang="cs-CZ" dirty="0" err="1"/>
+              <a:t>Caching</a:t>
+            </a:r>
+            <a:r>
+              <a:rPr lang="cs-CZ" dirty="0"/>
+              <a:t> a duplikace stejných funkcí</a:t>
+            </a:r>
+          </a:p>
+        </p:txBody>
+      </p:sp>
+    </p:spTree>
+    <p:extLst>
+      <p:ext uri="{BB962C8B-B14F-4D97-AF65-F5344CB8AC3E}">
+        <p14:creationId xmlns:p14="http://schemas.microsoft.com/office/powerpoint/2010/main" val="2386523148"/>
+      </p:ext>
+    </p:extLst>
+  </p:cSld>
+  <p:clrMapOvr>
+    <a:masterClrMapping/>
+  </p:clrMapOvr>
+</p:sld>
+</file>
+
+<file path=ppt/slides/slide19.xml><?xml version="1.0" encoding="utf-8"?>
+<p:sld xmlns:a="http://schemas.openxmlformats.org/drawingml/2006/main" xmlns:r="http://schemas.openxmlformats.org/officeDocument/2006/relationships" xmlns:p="http://schemas.openxmlformats.org/presentationml/2006/main">
+  <p:cSld>
+    <p:spTree>
+      <p:nvGrpSpPr>
+        <p:cNvPr id="1" name=""/>
+        <p:cNvGrpSpPr/>
+        <p:nvPr/>
+      </p:nvGrpSpPr>
+      <p:grpSpPr>
+        <a:xfrm>
+          <a:off x="0" y="0"/>
+          <a:ext cx="0" cy="0"/>
+          <a:chOff x="0" y="0"/>
+          <a:chExt cx="0" cy="0"/>
+        </a:xfrm>
+      </p:grpSpPr>
+      <p:sp>
+        <p:nvSpPr>
+          <p:cNvPr id="5" name="Nadpis 4">
+            <a:extLst>
+              <a:ext uri="{FF2B5EF4-FFF2-40B4-BE49-F238E27FC236}">
+                <a16:creationId xmlns:a16="http://schemas.microsoft.com/office/drawing/2014/main" id="{7D8719CF-C106-7F5C-671F-F382C0164FB7}"/>
+              </a:ext>
+            </a:extLst>
+          </p:cNvPr>
+          <p:cNvSpPr>
+            <a:spLocks noGrp="1"/>
+          </p:cNvSpPr>
+          <p:nvPr>
+            <p:ph type="title"/>
+          </p:nvPr>
+        </p:nvSpPr>
+        <p:spPr>
+          <a:xfrm>
+            <a:off x="838200" y="2766218"/>
+            <a:ext cx="10515600" cy="1325563"/>
+          </a:xfrm>
+        </p:spPr>
+        <p:txBody>
+          <a:bodyPr/>
+          <a:lstStyle/>
+          <a:p>
+            <a:pPr algn="ctr"/>
+            <a:r>
+              <a:rPr lang="cs-CZ" dirty="0"/>
+              <a:t>Děkuji za pozornost</a:t>
+            </a:r>
+            <a:endParaRPr lang="en-US" dirty="0"/>
+          </a:p>
+        </p:txBody>
+      </p:sp>
+    </p:spTree>
+    <p:extLst>
+      <p:ext uri="{BB962C8B-B14F-4D97-AF65-F5344CB8AC3E}">
+        <p14:creationId xmlns:p14="http://schemas.microsoft.com/office/powerpoint/2010/main" val="1254414691"/>
+      </p:ext>
+    </p:extLst>
+  </p:cSld>
+  <p:clrMapOvr>
+    <a:masterClrMapping/>
+  </p:clrMapOvr>
+</p:sld>
+</file>
+
 <file path=ppt/slides/slide2.xml><?xml version="1.0" encoding="utf-8"?>
 <p:sld xmlns:a="http://schemas.openxmlformats.org/drawingml/2006/main" xmlns:r="http://schemas.openxmlformats.org/officeDocument/2006/relationships" xmlns:p="http://schemas.openxmlformats.org/presentationml/2006/main">
   <p:cSld>
@@ -7924,7 +7672,15 @@
             </a:r>
             <a:r>
               <a:rPr lang="cs-CZ" dirty="0"/>
-              <a:t> (AST) do vlastního DSL pro konkurenci</a:t>
+              <a:t> (AST) do vlastního DSL pro souběžnost (</a:t>
+            </a:r>
+            <a:r>
+              <a:rPr lang="cs-CZ" dirty="0" err="1"/>
+              <a:t>concurrency</a:t>
+            </a:r>
+            <a:r>
+              <a:rPr lang="cs-CZ" dirty="0"/>
+              <a:t>)</a:t>
             </a:r>
           </a:p>
           <a:p>
@@ -7939,207 +7695,6 @@
     <p:extLst>
       <p:ext uri="{BB962C8B-B14F-4D97-AF65-F5344CB8AC3E}">
         <p14:creationId xmlns:p14="http://schemas.microsoft.com/office/powerpoint/2010/main" val="586127659"/>
-      </p:ext>
-    </p:extLst>
-  </p:cSld>
-  <p:clrMapOvr>
-    <a:masterClrMapping/>
-  </p:clrMapOvr>
-</p:sld>
-</file>
-
-<file path=ppt/slides/slide20.xml><?xml version="1.0" encoding="utf-8"?>
-<p:sld xmlns:a="http://schemas.openxmlformats.org/drawingml/2006/main" xmlns:r="http://schemas.openxmlformats.org/officeDocument/2006/relationships" xmlns:p="http://schemas.openxmlformats.org/presentationml/2006/main">
-  <p:cSld>
-    <p:spTree>
-      <p:nvGrpSpPr>
-        <p:cNvPr id="1" name=""/>
-        <p:cNvGrpSpPr/>
-        <p:nvPr/>
-      </p:nvGrpSpPr>
-      <p:grpSpPr>
-        <a:xfrm>
-          <a:off x="0" y="0"/>
-          <a:ext cx="0" cy="0"/>
-          <a:chOff x="0" y="0"/>
-          <a:chExt cx="0" cy="0"/>
-        </a:xfrm>
-      </p:grpSpPr>
-      <p:sp>
-        <p:nvSpPr>
-          <p:cNvPr id="2" name="Nadpis 1">
-            <a:extLst>
-              <a:ext uri="{FF2B5EF4-FFF2-40B4-BE49-F238E27FC236}">
-                <a16:creationId xmlns:a16="http://schemas.microsoft.com/office/drawing/2014/main" id="{842C4A87-CCE7-99BF-E3C7-07048926E1F5}"/>
-              </a:ext>
-            </a:extLst>
-          </p:cNvPr>
-          <p:cNvSpPr>
-            <a:spLocks noGrp="1"/>
-          </p:cNvSpPr>
-          <p:nvPr>
-            <p:ph type="title"/>
-          </p:nvPr>
-        </p:nvSpPr>
-        <p:spPr/>
-        <p:txBody>
-          <a:bodyPr/>
-          <a:lstStyle/>
-          <a:p>
-            <a:r>
-              <a:rPr lang="cs-CZ" dirty="0"/>
-              <a:t>Vylepšení do budoucna</a:t>
-            </a:r>
-            <a:endParaRPr lang="en-US" dirty="0"/>
-          </a:p>
-        </p:txBody>
-      </p:sp>
-      <p:sp>
-        <p:nvSpPr>
-          <p:cNvPr id="6" name="Zástupný obsah 5">
-            <a:extLst>
-              <a:ext uri="{FF2B5EF4-FFF2-40B4-BE49-F238E27FC236}">
-                <a16:creationId xmlns:a16="http://schemas.microsoft.com/office/drawing/2014/main" id="{F57CDACE-F58F-10E7-503C-D8DF0A06A505}"/>
-              </a:ext>
-            </a:extLst>
-          </p:cNvPr>
-          <p:cNvSpPr>
-            <a:spLocks noGrp="1"/>
-          </p:cNvSpPr>
-          <p:nvPr>
-            <p:ph idx="1"/>
-          </p:nvPr>
-        </p:nvSpPr>
-        <p:spPr/>
-        <p:txBody>
-          <a:bodyPr/>
-          <a:lstStyle/>
-          <a:p>
-            <a:r>
-              <a:rPr lang="en-US" dirty="0" err="1"/>
-              <a:t>Lep</a:t>
-            </a:r>
-            <a:r>
-              <a:rPr lang="cs-CZ" dirty="0" err="1"/>
-              <a:t>ší</a:t>
-            </a:r>
-            <a:r>
-              <a:rPr lang="cs-CZ" dirty="0"/>
-              <a:t> dokumentace</a:t>
-            </a:r>
-          </a:p>
-          <a:p>
-            <a:r>
-              <a:rPr lang="cs-CZ" dirty="0"/>
-              <a:t>Kontejner pro zkoušku DSL</a:t>
-            </a:r>
-            <a:endParaRPr lang="en-US" dirty="0"/>
-          </a:p>
-          <a:p>
-            <a:r>
-              <a:rPr lang="cs-CZ" dirty="0"/>
-              <a:t>Tvorba </a:t>
-            </a:r>
-            <a:r>
-              <a:rPr lang="cs-CZ" dirty="0" err="1"/>
-              <a:t>threadů</a:t>
-            </a:r>
-            <a:r>
-              <a:rPr lang="cs-CZ" dirty="0"/>
-              <a:t> na začátku programu a udržet je na živu</a:t>
-            </a:r>
-          </a:p>
-          <a:p>
-            <a:r>
-              <a:rPr lang="cs-CZ" dirty="0" err="1"/>
-              <a:t>Haskelyzer</a:t>
-            </a:r>
-            <a:r>
-              <a:rPr lang="cs-CZ" dirty="0"/>
-              <a:t> momentálně nepodporuje základní konstanty</a:t>
-            </a:r>
-          </a:p>
-          <a:p>
-            <a:r>
-              <a:rPr lang="cs-CZ" dirty="0" err="1"/>
-              <a:t>Caching</a:t>
-            </a:r>
-            <a:r>
-              <a:rPr lang="cs-CZ" dirty="0"/>
-              <a:t> a duplikace stejných funkcí</a:t>
-            </a:r>
-          </a:p>
-        </p:txBody>
-      </p:sp>
-    </p:spTree>
-    <p:extLst>
-      <p:ext uri="{BB962C8B-B14F-4D97-AF65-F5344CB8AC3E}">
-        <p14:creationId xmlns:p14="http://schemas.microsoft.com/office/powerpoint/2010/main" val="2386523148"/>
-      </p:ext>
-    </p:extLst>
-  </p:cSld>
-  <p:clrMapOvr>
-    <a:masterClrMapping/>
-  </p:clrMapOvr>
-</p:sld>
-</file>
-
-<file path=ppt/slides/slide21.xml><?xml version="1.0" encoding="utf-8"?>
-<p:sld xmlns:a="http://schemas.openxmlformats.org/drawingml/2006/main" xmlns:r="http://schemas.openxmlformats.org/officeDocument/2006/relationships" xmlns:p="http://schemas.openxmlformats.org/presentationml/2006/main">
-  <p:cSld>
-    <p:spTree>
-      <p:nvGrpSpPr>
-        <p:cNvPr id="1" name=""/>
-        <p:cNvGrpSpPr/>
-        <p:nvPr/>
-      </p:nvGrpSpPr>
-      <p:grpSpPr>
-        <a:xfrm>
-          <a:off x="0" y="0"/>
-          <a:ext cx="0" cy="0"/>
-          <a:chOff x="0" y="0"/>
-          <a:chExt cx="0" cy="0"/>
-        </a:xfrm>
-      </p:grpSpPr>
-      <p:sp>
-        <p:nvSpPr>
-          <p:cNvPr id="5" name="Nadpis 4">
-            <a:extLst>
-              <a:ext uri="{FF2B5EF4-FFF2-40B4-BE49-F238E27FC236}">
-                <a16:creationId xmlns:a16="http://schemas.microsoft.com/office/drawing/2014/main" id="{7D8719CF-C106-7F5C-671F-F382C0164FB7}"/>
-              </a:ext>
-            </a:extLst>
-          </p:cNvPr>
-          <p:cNvSpPr>
-            <a:spLocks noGrp="1"/>
-          </p:cNvSpPr>
-          <p:nvPr>
-            <p:ph type="title"/>
-          </p:nvPr>
-        </p:nvSpPr>
-        <p:spPr>
-          <a:xfrm>
-            <a:off x="838200" y="2766218"/>
-            <a:ext cx="10515600" cy="1325563"/>
-          </a:xfrm>
-        </p:spPr>
-        <p:txBody>
-          <a:bodyPr/>
-          <a:lstStyle/>
-          <a:p>
-            <a:pPr algn="ctr"/>
-            <a:r>
-              <a:rPr lang="cs-CZ" dirty="0"/>
-              <a:t>Děkuji za pozornost</a:t>
-            </a:r>
-            <a:endParaRPr lang="en-US" dirty="0"/>
-          </a:p>
-        </p:txBody>
-      </p:sp>
-    </p:spTree>
-    <p:extLst>
-      <p:ext uri="{BB962C8B-B14F-4D97-AF65-F5344CB8AC3E}">
-        <p14:creationId xmlns:p14="http://schemas.microsoft.com/office/powerpoint/2010/main" val="1254414691"/>
       </p:ext>
     </p:extLst>
   </p:cSld>
@@ -8171,7 +7726,7 @@
           <p:cNvPr id="2" name="Nadpis 1">
             <a:extLst>
               <a:ext uri="{FF2B5EF4-FFF2-40B4-BE49-F238E27FC236}">
-                <a16:creationId xmlns:a16="http://schemas.microsoft.com/office/drawing/2014/main" id="{E0A3B800-1838-2717-B99D-95D663BAB46E}"/>
+                <a16:creationId xmlns:a16="http://schemas.microsoft.com/office/drawing/2014/main" id="{64549EEC-24A6-D712-BCB3-F5DDD28428E0}"/>
               </a:ext>
             </a:extLst>
           </p:cNvPr>
@@ -8188,53 +7743,19 @@
           <a:lstStyle/>
           <a:p>
             <a:r>
-              <a:rPr lang="en-US" dirty="0"/>
-              <a:t>Tacit/point-free programming</a:t>
-            </a:r>
-          </a:p>
-        </p:txBody>
-      </p:sp>
-      <p:sp>
-        <p:nvSpPr>
-          <p:cNvPr id="3" name="Zástupný obsah 2">
-            <a:extLst>
-              <a:ext uri="{FF2B5EF4-FFF2-40B4-BE49-F238E27FC236}">
-                <a16:creationId xmlns:a16="http://schemas.microsoft.com/office/drawing/2014/main" id="{FC592830-F270-EED8-5A15-D15F6171D02F}"/>
-              </a:ext>
-            </a:extLst>
-          </p:cNvPr>
-          <p:cNvSpPr>
-            <a:spLocks noGrp="1"/>
-          </p:cNvSpPr>
-          <p:nvPr>
-            <p:ph idx="1"/>
-          </p:nvPr>
-        </p:nvSpPr>
-        <p:spPr/>
-        <p:txBody>
-          <a:bodyPr/>
-          <a:lstStyle/>
-          <a:p>
-            <a:r>
               <a:rPr lang="en-US" dirty="0" err="1"/>
-              <a:t>Funkce</a:t>
-            </a:r>
-            <a:r>
-              <a:rPr lang="cs-CZ" dirty="0"/>
-              <a:t> implicitně pracují se svými argumenty</a:t>
-            </a:r>
-          </a:p>
-          <a:p>
-            <a:endParaRPr lang="cs-CZ" dirty="0"/>
+              <a:t>Motivace</a:t>
+            </a:r>
+            <a:endParaRPr lang="en-US" dirty="0"/>
           </a:p>
         </p:txBody>
       </p:sp>
       <p:pic>
         <p:nvPicPr>
-          <p:cNvPr id="6" name="Obrázek 5">
-            <a:extLst>
-              <a:ext uri="{FF2B5EF4-FFF2-40B4-BE49-F238E27FC236}">
-                <a16:creationId xmlns:a16="http://schemas.microsoft.com/office/drawing/2014/main" id="{ADEDDDC1-1B0C-43C0-E094-0B2EA8D62C00}"/>
+          <p:cNvPr id="4" name="Obrázek 3">
+            <a:extLst>
+              <a:ext uri="{FF2B5EF4-FFF2-40B4-BE49-F238E27FC236}">
+                <a16:creationId xmlns:a16="http://schemas.microsoft.com/office/drawing/2014/main" id="{D88376C7-0CB0-03C5-25CF-C682C47BB535}"/>
               </a:ext>
             </a:extLst>
           </p:cNvPr>
@@ -8251,8 +7772,8 @@
         </p:blipFill>
         <p:spPr>
           <a:xfrm>
-            <a:off x="2618890" y="2461695"/>
-            <a:ext cx="6954220" cy="3715268"/>
+            <a:off x="3523263" y="1484922"/>
+            <a:ext cx="5145473" cy="5373077"/>
           </a:xfrm>
           <a:prstGeom prst="rect">
             <a:avLst/>
@@ -8262,7 +7783,7 @@
     </p:spTree>
     <p:extLst>
       <p:ext uri="{BB962C8B-B14F-4D97-AF65-F5344CB8AC3E}">
-        <p14:creationId xmlns:p14="http://schemas.microsoft.com/office/powerpoint/2010/main" val="3302633431"/>
+        <p14:creationId xmlns:p14="http://schemas.microsoft.com/office/powerpoint/2010/main" val="3625475701"/>
       </p:ext>
     </p:extLst>
   </p:cSld>
@@ -8294,7 +7815,7 @@
           <p:cNvPr id="2" name="Nadpis 1">
             <a:extLst>
               <a:ext uri="{FF2B5EF4-FFF2-40B4-BE49-F238E27FC236}">
-                <a16:creationId xmlns:a16="http://schemas.microsoft.com/office/drawing/2014/main" id="{3E42DB06-CB1B-CFBE-4FBF-9574F0CB9544}"/>
+                <a16:creationId xmlns:a16="http://schemas.microsoft.com/office/drawing/2014/main" id="{5C410B31-FBFC-A9FA-F1CA-9E6652C62E4F}"/>
               </a:ext>
             </a:extLst>
           </p:cNvPr>
@@ -8312,94 +7833,26 @@
           <a:p>
             <a:r>
               <a:rPr lang="cs-CZ" dirty="0"/>
-              <a:t>Funkcionální podpora </a:t>
-            </a:r>
-            <a:r>
-              <a:rPr lang="cs-CZ" dirty="0" err="1"/>
-              <a:t>tacit</a:t>
-            </a:r>
-            <a:r>
-              <a:rPr lang="cs-CZ" dirty="0"/>
-              <a:t> </a:t>
-            </a:r>
-            <a:r>
-              <a:rPr lang="cs-CZ" dirty="0" err="1"/>
-              <a:t>programmingu</a:t>
-            </a:r>
-            <a:endParaRPr lang="en-US" dirty="0"/>
-          </a:p>
-        </p:txBody>
-      </p:sp>
-      <p:sp>
-        <p:nvSpPr>
-          <p:cNvPr id="3" name="Zástupný obsah 2">
-            <a:extLst>
-              <a:ext uri="{FF2B5EF4-FFF2-40B4-BE49-F238E27FC236}">
-                <a16:creationId xmlns:a16="http://schemas.microsoft.com/office/drawing/2014/main" id="{5FF6275E-E68B-5523-4E13-3BCB46DED1A2}"/>
-              </a:ext>
-            </a:extLst>
-          </p:cNvPr>
-          <p:cNvSpPr>
-            <a:spLocks noGrp="1"/>
-          </p:cNvSpPr>
-          <p:nvPr>
-            <p:ph idx="1"/>
-          </p:nvPr>
-        </p:nvSpPr>
-        <p:spPr/>
-        <p:txBody>
-          <a:bodyPr/>
-          <a:lstStyle/>
-          <a:p>
+              <a:t>Usnadnění práce </a:t>
+            </a:r>
             <a:r>
               <a:rPr lang="en-US" dirty="0"/>
-              <a:t>f:: (a, b) -&gt; c po </a:t>
-            </a:r>
-            <a:r>
-              <a:rPr lang="en-US" dirty="0" err="1"/>
-              <a:t>curryingu</a:t>
-            </a:r>
-            <a:r>
-              <a:rPr lang="en-US" dirty="0"/>
-              <a:t> f:: a -&gt; (b -&gt; c) </a:t>
-            </a:r>
-            <a:r>
-              <a:rPr lang="en-US" dirty="0" err="1"/>
-              <a:t>nebo</a:t>
-            </a:r>
-            <a:r>
-              <a:rPr lang="en-US" dirty="0"/>
-              <a:t>-li f:: a -&gt; b -&gt; c</a:t>
-            </a:r>
-          </a:p>
-          <a:p>
-            <a:r>
-              <a:rPr lang="en-US" dirty="0"/>
-              <a:t>Currying je </a:t>
-            </a:r>
-            <a:r>
-              <a:rPr lang="en-US" dirty="0" err="1"/>
-              <a:t>zabudovan</a:t>
-            </a:r>
-            <a:r>
-              <a:rPr lang="cs-CZ" dirty="0"/>
-              <a:t>ý v GHC</a:t>
-            </a:r>
-          </a:p>
-          <a:p>
-            <a:pPr marL="0" indent="0">
-              <a:buNone/>
-            </a:pPr>
+              <a:t>se </a:t>
+            </a:r>
+            <a:r>
+              <a:rPr lang="cs-CZ" dirty="0"/>
+              <a:t>souběžností</a:t>
+            </a:r>
             <a:endParaRPr lang="en-US" dirty="0"/>
           </a:p>
         </p:txBody>
       </p:sp>
       <p:pic>
         <p:nvPicPr>
-          <p:cNvPr id="6" name="Obrázek 5">
-            <a:extLst>
-              <a:ext uri="{FF2B5EF4-FFF2-40B4-BE49-F238E27FC236}">
-                <a16:creationId xmlns:a16="http://schemas.microsoft.com/office/drawing/2014/main" id="{6B68ACD5-04EF-42CB-132C-30A08333E01B}"/>
+          <p:cNvPr id="9" name="Obrázek 8">
+            <a:extLst>
+              <a:ext uri="{FF2B5EF4-FFF2-40B4-BE49-F238E27FC236}">
+                <a16:creationId xmlns:a16="http://schemas.microsoft.com/office/drawing/2014/main" id="{F9DD13A4-78FC-3EE0-6C82-CC6A06C28F96}"/>
               </a:ext>
             </a:extLst>
           </p:cNvPr>
@@ -8408,15 +7861,16 @@
           </p:cNvPicPr>
           <p:nvPr/>
         </p:nvPicPr>
-        <p:blipFill rotWithShape="1">
+        <p:blipFill>
           <a:blip r:embed="rId3"/>
-          <a:srcRect l="11067" t="26988"/>
-          <a:stretch/>
+          <a:stretch>
+            <a:fillRect/>
+          </a:stretch>
         </p:blipFill>
         <p:spPr>
           <a:xfrm>
-            <a:off x="2855788" y="3429000"/>
-            <a:ext cx="6480424" cy="1461478"/>
+            <a:off x="3120845" y="1950981"/>
+            <a:ext cx="5950309" cy="3832403"/>
           </a:xfrm>
           <a:prstGeom prst="rect">
             <a:avLst/>
@@ -8426,7 +7880,7 @@
     </p:spTree>
     <p:extLst>
       <p:ext uri="{BB962C8B-B14F-4D97-AF65-F5344CB8AC3E}">
-        <p14:creationId xmlns:p14="http://schemas.microsoft.com/office/powerpoint/2010/main" val="3379905407"/>
+        <p14:creationId xmlns:p14="http://schemas.microsoft.com/office/powerpoint/2010/main" val="3446211738"/>
       </p:ext>
     </p:extLst>
   </p:cSld>
@@ -8458,7 +7912,7 @@
           <p:cNvPr id="2" name="Nadpis 1">
             <a:extLst>
               <a:ext uri="{FF2B5EF4-FFF2-40B4-BE49-F238E27FC236}">
-                <a16:creationId xmlns:a16="http://schemas.microsoft.com/office/drawing/2014/main" id="{3E42DB06-CB1B-CFBE-4FBF-9574F0CB9544}"/>
+                <a16:creationId xmlns:a16="http://schemas.microsoft.com/office/drawing/2014/main" id="{E0A3B800-1838-2717-B99D-95D663BAB46E}"/>
               </a:ext>
             </a:extLst>
           </p:cNvPr>
@@ -8475,22 +7929,9 @@
           <a:lstStyle/>
           <a:p>
             <a:r>
-              <a:rPr lang="cs-CZ" dirty="0"/>
-              <a:t>Funkcionální podpora </a:t>
-            </a:r>
-            <a:r>
-              <a:rPr lang="cs-CZ" dirty="0" err="1"/>
-              <a:t>tacit</a:t>
-            </a:r>
-            <a:r>
-              <a:rPr lang="cs-CZ" dirty="0"/>
-              <a:t> </a:t>
-            </a:r>
-            <a:r>
-              <a:rPr lang="cs-CZ" dirty="0" err="1"/>
-              <a:t>programmingu</a:t>
-            </a:r>
-            <a:endParaRPr lang="en-US" dirty="0"/>
+              <a:rPr lang="en-US" dirty="0"/>
+              <a:t>Tacit/point-free programming</a:t>
+            </a:r>
           </a:p>
         </p:txBody>
       </p:sp>
@@ -8499,7 +7940,7 @@
           <p:cNvPr id="3" name="Zástupný obsah 2">
             <a:extLst>
               <a:ext uri="{FF2B5EF4-FFF2-40B4-BE49-F238E27FC236}">
-                <a16:creationId xmlns:a16="http://schemas.microsoft.com/office/drawing/2014/main" id="{5FF6275E-E68B-5523-4E13-3BCB46DED1A2}"/>
+                <a16:creationId xmlns:a16="http://schemas.microsoft.com/office/drawing/2014/main" id="{FC592830-F270-EED8-5A15-D15F6171D02F}"/>
               </a:ext>
             </a:extLst>
           </p:cNvPr>
@@ -8516,42 +7957,25 @@
           <a:lstStyle/>
           <a:p>
             <a:r>
-              <a:rPr lang="cs-CZ" dirty="0"/>
-              <a:t>Kompozice </a:t>
-            </a:r>
-            <a:r>
-              <a:rPr lang="en-US" dirty="0"/>
-              <a:t>(.):: (b -&gt; c) -&gt; (a -&gt; b) -&gt; a -&gt; c</a:t>
-            </a:r>
+              <a:rPr lang="en-US" dirty="0" err="1"/>
+              <a:t>Funkce</a:t>
+            </a:r>
+            <a:r>
+              <a:rPr lang="cs-CZ" dirty="0"/>
+              <a:t> implicitně pracují se svými argumenty</a:t>
+            </a:r>
+          </a:p>
+          <a:p>
             <a:endParaRPr lang="cs-CZ" dirty="0"/>
-          </a:p>
-          <a:p>
-            <a:r>
-              <a:rPr lang="en-US" dirty="0"/>
-              <a:t>f(g(x)) == (f . g)(x)</a:t>
-            </a:r>
-          </a:p>
-          <a:p>
-            <a:r>
-              <a:rPr lang="en-US" dirty="0"/>
-              <a:t>(|&gt;) = flip (.)</a:t>
-            </a:r>
-            <a:endParaRPr lang="cs-CZ" dirty="0"/>
-          </a:p>
-          <a:p>
-            <a:pPr marL="0" indent="0">
-              <a:buNone/>
-            </a:pPr>
-            <a:endParaRPr lang="en-US" dirty="0"/>
           </a:p>
         </p:txBody>
       </p:sp>
       <p:pic>
         <p:nvPicPr>
-          <p:cNvPr id="17" name="Obrázek 16">
-            <a:extLst>
-              <a:ext uri="{FF2B5EF4-FFF2-40B4-BE49-F238E27FC236}">
-                <a16:creationId xmlns:a16="http://schemas.microsoft.com/office/drawing/2014/main" id="{5D8B2739-7828-E71A-390E-224C8397752F}"/>
+          <p:cNvPr id="6" name="Obrázek 5">
+            <a:extLst>
+              <a:ext uri="{FF2B5EF4-FFF2-40B4-BE49-F238E27FC236}">
+                <a16:creationId xmlns:a16="http://schemas.microsoft.com/office/drawing/2014/main" id="{ADEDDDC1-1B0C-43C0-E094-0B2EA8D62C00}"/>
               </a:ext>
             </a:extLst>
           </p:cNvPr>
@@ -8560,46 +7984,15 @@
           </p:cNvPicPr>
           <p:nvPr/>
         </p:nvPicPr>
-        <p:blipFill>
+        <p:blipFill rotWithShape="1">
           <a:blip r:embed="rId3"/>
-          <a:stretch>
-            <a:fillRect/>
-          </a:stretch>
+          <a:srcRect l="4372"/>
+          <a:stretch/>
         </p:blipFill>
         <p:spPr>
           <a:xfrm>
-            <a:off x="3556792" y="3650202"/>
-            <a:ext cx="5082543" cy="820198"/>
-          </a:xfrm>
-          <a:prstGeom prst="rect">
-            <a:avLst/>
-          </a:prstGeom>
-        </p:spPr>
-      </p:pic>
-      <p:pic>
-        <p:nvPicPr>
-          <p:cNvPr id="19" name="Obrázek 18">
-            <a:extLst>
-              <a:ext uri="{FF2B5EF4-FFF2-40B4-BE49-F238E27FC236}">
-                <a16:creationId xmlns:a16="http://schemas.microsoft.com/office/drawing/2014/main" id="{D2E261AF-4DD2-E285-5F8C-9240E10D58D9}"/>
-              </a:ext>
-            </a:extLst>
-          </p:cNvPr>
-          <p:cNvPicPr>
-            <a:picLocks noChangeAspect="1"/>
-          </p:cNvPicPr>
-          <p:nvPr/>
-        </p:nvPicPr>
-        <p:blipFill>
-          <a:blip r:embed="rId4"/>
-          <a:stretch>
-            <a:fillRect/>
-          </a:stretch>
-        </p:blipFill>
-        <p:spPr>
-          <a:xfrm>
-            <a:off x="3552665" y="4726444"/>
-            <a:ext cx="5086670" cy="1585456"/>
+            <a:off x="2770922" y="2461695"/>
+            <a:ext cx="6650156" cy="3715268"/>
           </a:xfrm>
           <a:prstGeom prst="rect">
             <a:avLst/>
@@ -8609,7 +8002,7 @@
     </p:spTree>
     <p:extLst>
       <p:ext uri="{BB962C8B-B14F-4D97-AF65-F5344CB8AC3E}">
-        <p14:creationId xmlns:p14="http://schemas.microsoft.com/office/powerpoint/2010/main" val="3168338193"/>
+        <p14:creationId xmlns:p14="http://schemas.microsoft.com/office/powerpoint/2010/main" val="3302633431"/>
       </p:ext>
     </p:extLst>
   </p:cSld>
@@ -8638,86 +8031,337 @@
       </p:grpSpPr>
       <p:sp>
         <p:nvSpPr>
-          <p:cNvPr id="2" name="Nadpis 1">
-            <a:extLst>
-              <a:ext uri="{FF2B5EF4-FFF2-40B4-BE49-F238E27FC236}">
-                <a16:creationId xmlns:a16="http://schemas.microsoft.com/office/drawing/2014/main" id="{3E42DB06-CB1B-CFBE-4FBF-9574F0CB9544}"/>
-              </a:ext>
-            </a:extLst>
-          </p:cNvPr>
-          <p:cNvSpPr>
-            <a:spLocks noGrp="1"/>
-          </p:cNvSpPr>
-          <p:nvPr>
-            <p:ph type="title"/>
-          </p:nvPr>
-        </p:nvSpPr>
-        <p:spPr/>
-        <p:txBody>
-          <a:bodyPr/>
-          <a:lstStyle/>
-          <a:p>
-            <a:r>
-              <a:rPr lang="cs-CZ" dirty="0"/>
-              <a:t>Funkcionální podpora </a:t>
-            </a:r>
-            <a:r>
-              <a:rPr lang="cs-CZ" dirty="0" err="1"/>
-              <a:t>tacit</a:t>
-            </a:r>
-            <a:r>
-              <a:rPr lang="cs-CZ" dirty="0"/>
-              <a:t> </a:t>
-            </a:r>
-            <a:r>
-              <a:rPr lang="cs-CZ" dirty="0" err="1"/>
-              <a:t>programmingu</a:t>
-            </a:r>
-            <a:endParaRPr lang="en-US" dirty="0"/>
-          </a:p>
-        </p:txBody>
-      </p:sp>
-      <p:sp>
-        <p:nvSpPr>
-          <p:cNvPr id="6" name="TextovéPole 5">
-            <a:extLst>
-              <a:ext uri="{FF2B5EF4-FFF2-40B4-BE49-F238E27FC236}">
-                <a16:creationId xmlns:a16="http://schemas.microsoft.com/office/drawing/2014/main" id="{EB2941C1-560C-AFA5-77EB-00D5C8159037}"/>
-              </a:ext>
-            </a:extLst>
-          </p:cNvPr>
-          <p:cNvSpPr txBox="1"/>
+          <p:cNvPr id="4" name="Nadpis 1">
+            <a:extLst>
+              <a:ext uri="{FF2B5EF4-FFF2-40B4-BE49-F238E27FC236}">
+                <a16:creationId xmlns:a16="http://schemas.microsoft.com/office/drawing/2014/main" id="{DBE5D49F-1C84-B428-4AB4-730368AF3414}"/>
+              </a:ext>
+            </a:extLst>
+          </p:cNvPr>
+          <p:cNvSpPr txBox="1">
+            <a:spLocks/>
+          </p:cNvSpPr>
           <p:nvPr/>
         </p:nvSpPr>
         <p:spPr>
           <a:xfrm>
-            <a:off x="4709402" y="4724954"/>
-            <a:ext cx="2773195" cy="369332"/>
+            <a:off x="838200" y="312616"/>
+            <a:ext cx="10515600" cy="1325563"/>
           </a:xfrm>
           <a:prstGeom prst="rect">
             <a:avLst/>
           </a:prstGeom>
-          <a:noFill/>
         </p:spPr>
         <p:txBody>
-          <a:bodyPr wrap="none" rtlCol="0">
-            <a:spAutoFit/>
+          <a:bodyPr vert="horz" lIns="91440" tIns="45720" rIns="91440" bIns="45720" rtlCol="0" anchor="ctr">
+            <a:normAutofit/>
           </a:bodyPr>
-          <a:lstStyle/>
+          <a:lstStyle>
+            <a:lvl1pPr algn="l" defTabSz="914400" rtl="0" eaLnBrk="1" latinLnBrk="0" hangingPunct="1">
+              <a:lnSpc>
+                <a:spcPct val="90000"/>
+              </a:lnSpc>
+              <a:spcBef>
+                <a:spcPct val="0"/>
+              </a:spcBef>
+              <a:buNone/>
+              <a:defRPr sz="4400" kern="1200">
+                <a:solidFill>
+                  <a:schemeClr val="tx1"/>
+                </a:solidFill>
+                <a:latin typeface="+mj-lt"/>
+                <a:ea typeface="+mj-ea"/>
+                <a:cs typeface="+mj-cs"/>
+              </a:defRPr>
+            </a:lvl1pPr>
+          </a:lstStyle>
+          <a:p>
+            <a:r>
+              <a:rPr lang="cs-CZ" dirty="0"/>
+              <a:t>Funkcionální podpora </a:t>
+            </a:r>
+            <a:r>
+              <a:rPr lang="cs-CZ" dirty="0" err="1"/>
+              <a:t>tacit</a:t>
+            </a:r>
+            <a:r>
+              <a:rPr lang="cs-CZ" dirty="0"/>
+              <a:t> </a:t>
+            </a:r>
+            <a:r>
+              <a:rPr lang="cs-CZ" dirty="0" err="1"/>
+              <a:t>programmingu</a:t>
+            </a:r>
+            <a:endParaRPr lang="en-US" dirty="0"/>
+          </a:p>
+        </p:txBody>
+      </p:sp>
+      <p:sp>
+        <p:nvSpPr>
+          <p:cNvPr id="5" name="Zástupný obsah 2">
+            <a:extLst>
+              <a:ext uri="{FF2B5EF4-FFF2-40B4-BE49-F238E27FC236}">
+                <a16:creationId xmlns:a16="http://schemas.microsoft.com/office/drawing/2014/main" id="{80D10391-7145-591A-B308-5025FA7F38CF}"/>
+              </a:ext>
+            </a:extLst>
+          </p:cNvPr>
+          <p:cNvSpPr txBox="1">
+            <a:spLocks/>
+          </p:cNvSpPr>
+          <p:nvPr/>
+        </p:nvSpPr>
+        <p:spPr>
+          <a:xfrm>
+            <a:off x="838200" y="1841255"/>
+            <a:ext cx="10515600" cy="4351338"/>
+          </a:xfrm>
+          <a:prstGeom prst="rect">
+            <a:avLst/>
+          </a:prstGeom>
+        </p:spPr>
+        <p:txBody>
+          <a:bodyPr vert="horz" lIns="91440" tIns="45720" rIns="91440" bIns="45720" rtlCol="0">
+            <a:normAutofit/>
+          </a:bodyPr>
+          <a:lstStyle>
+            <a:lvl1pPr marL="228600" indent="-228600" algn="l" defTabSz="914400" rtl="0" eaLnBrk="1" latinLnBrk="0" hangingPunct="1">
+              <a:lnSpc>
+                <a:spcPct val="90000"/>
+              </a:lnSpc>
+              <a:spcBef>
+                <a:spcPts val="1000"/>
+              </a:spcBef>
+              <a:buFont typeface="Arial" panose="020B0604020202020204" pitchFamily="34" charset="0"/>
+              <a:buChar char="•"/>
+              <a:defRPr sz="2800" kern="1200">
+                <a:solidFill>
+                  <a:schemeClr val="tx1"/>
+                </a:solidFill>
+                <a:latin typeface="+mn-lt"/>
+                <a:ea typeface="+mn-ea"/>
+                <a:cs typeface="+mn-cs"/>
+              </a:defRPr>
+            </a:lvl1pPr>
+            <a:lvl2pPr marL="685800" indent="-228600" algn="l" defTabSz="914400" rtl="0" eaLnBrk="1" latinLnBrk="0" hangingPunct="1">
+              <a:lnSpc>
+                <a:spcPct val="90000"/>
+              </a:lnSpc>
+              <a:spcBef>
+                <a:spcPts val="500"/>
+              </a:spcBef>
+              <a:buFont typeface="Arial" panose="020B0604020202020204" pitchFamily="34" charset="0"/>
+              <a:buChar char="•"/>
+              <a:defRPr sz="2400" kern="1200">
+                <a:solidFill>
+                  <a:schemeClr val="tx1"/>
+                </a:solidFill>
+                <a:latin typeface="+mn-lt"/>
+                <a:ea typeface="+mn-ea"/>
+                <a:cs typeface="+mn-cs"/>
+              </a:defRPr>
+            </a:lvl2pPr>
+            <a:lvl3pPr marL="1143000" indent="-228600" algn="l" defTabSz="914400" rtl="0" eaLnBrk="1" latinLnBrk="0" hangingPunct="1">
+              <a:lnSpc>
+                <a:spcPct val="90000"/>
+              </a:lnSpc>
+              <a:spcBef>
+                <a:spcPts val="500"/>
+              </a:spcBef>
+              <a:buFont typeface="Arial" panose="020B0604020202020204" pitchFamily="34" charset="0"/>
+              <a:buChar char="•"/>
+              <a:defRPr sz="2000" kern="1200">
+                <a:solidFill>
+                  <a:schemeClr val="tx1"/>
+                </a:solidFill>
+                <a:latin typeface="+mn-lt"/>
+                <a:ea typeface="+mn-ea"/>
+                <a:cs typeface="+mn-cs"/>
+              </a:defRPr>
+            </a:lvl3pPr>
+            <a:lvl4pPr marL="1600200" indent="-228600" algn="l" defTabSz="914400" rtl="0" eaLnBrk="1" latinLnBrk="0" hangingPunct="1">
+              <a:lnSpc>
+                <a:spcPct val="90000"/>
+              </a:lnSpc>
+              <a:spcBef>
+                <a:spcPts val="500"/>
+              </a:spcBef>
+              <a:buFont typeface="Arial" panose="020B0604020202020204" pitchFamily="34" charset="0"/>
+              <a:buChar char="•"/>
+              <a:defRPr sz="1800" kern="1200">
+                <a:solidFill>
+                  <a:schemeClr val="tx1"/>
+                </a:solidFill>
+                <a:latin typeface="+mn-lt"/>
+                <a:ea typeface="+mn-ea"/>
+                <a:cs typeface="+mn-cs"/>
+              </a:defRPr>
+            </a:lvl4pPr>
+            <a:lvl5pPr marL="2057400" indent="-228600" algn="l" defTabSz="914400" rtl="0" eaLnBrk="1" latinLnBrk="0" hangingPunct="1">
+              <a:lnSpc>
+                <a:spcPct val="90000"/>
+              </a:lnSpc>
+              <a:spcBef>
+                <a:spcPts val="500"/>
+              </a:spcBef>
+              <a:buFont typeface="Arial" panose="020B0604020202020204" pitchFamily="34" charset="0"/>
+              <a:buChar char="•"/>
+              <a:defRPr sz="1800" kern="1200">
+                <a:solidFill>
+                  <a:schemeClr val="tx1"/>
+                </a:solidFill>
+                <a:latin typeface="+mn-lt"/>
+                <a:ea typeface="+mn-ea"/>
+                <a:cs typeface="+mn-cs"/>
+              </a:defRPr>
+            </a:lvl5pPr>
+            <a:lvl6pPr marL="2514600" indent="-228600" algn="l" defTabSz="914400" rtl="0" eaLnBrk="1" latinLnBrk="0" hangingPunct="1">
+              <a:lnSpc>
+                <a:spcPct val="90000"/>
+              </a:lnSpc>
+              <a:spcBef>
+                <a:spcPts val="500"/>
+              </a:spcBef>
+              <a:buFont typeface="Arial" panose="020B0604020202020204" pitchFamily="34" charset="0"/>
+              <a:buChar char="•"/>
+              <a:defRPr sz="1800" kern="1200">
+                <a:solidFill>
+                  <a:schemeClr val="tx1"/>
+                </a:solidFill>
+                <a:latin typeface="+mn-lt"/>
+                <a:ea typeface="+mn-ea"/>
+                <a:cs typeface="+mn-cs"/>
+              </a:defRPr>
+            </a:lvl6pPr>
+            <a:lvl7pPr marL="2971800" indent="-228600" algn="l" defTabSz="914400" rtl="0" eaLnBrk="1" latinLnBrk="0" hangingPunct="1">
+              <a:lnSpc>
+                <a:spcPct val="90000"/>
+              </a:lnSpc>
+              <a:spcBef>
+                <a:spcPts val="500"/>
+              </a:spcBef>
+              <a:buFont typeface="Arial" panose="020B0604020202020204" pitchFamily="34" charset="0"/>
+              <a:buChar char="•"/>
+              <a:defRPr sz="1800" kern="1200">
+                <a:solidFill>
+                  <a:schemeClr val="tx1"/>
+                </a:solidFill>
+                <a:latin typeface="+mn-lt"/>
+                <a:ea typeface="+mn-ea"/>
+                <a:cs typeface="+mn-cs"/>
+              </a:defRPr>
+            </a:lvl7pPr>
+            <a:lvl8pPr marL="3429000" indent="-228600" algn="l" defTabSz="914400" rtl="0" eaLnBrk="1" latinLnBrk="0" hangingPunct="1">
+              <a:lnSpc>
+                <a:spcPct val="90000"/>
+              </a:lnSpc>
+              <a:spcBef>
+                <a:spcPts val="500"/>
+              </a:spcBef>
+              <a:buFont typeface="Arial" panose="020B0604020202020204" pitchFamily="34" charset="0"/>
+              <a:buChar char="•"/>
+              <a:defRPr sz="1800" kern="1200">
+                <a:solidFill>
+                  <a:schemeClr val="tx1"/>
+                </a:solidFill>
+                <a:latin typeface="+mn-lt"/>
+                <a:ea typeface="+mn-ea"/>
+                <a:cs typeface="+mn-cs"/>
+              </a:defRPr>
+            </a:lvl8pPr>
+            <a:lvl9pPr marL="3886200" indent="-228600" algn="l" defTabSz="914400" rtl="0" eaLnBrk="1" latinLnBrk="0" hangingPunct="1">
+              <a:lnSpc>
+                <a:spcPct val="90000"/>
+              </a:lnSpc>
+              <a:spcBef>
+                <a:spcPts val="500"/>
+              </a:spcBef>
+              <a:buFont typeface="Arial" panose="020B0604020202020204" pitchFamily="34" charset="0"/>
+              <a:buChar char="•"/>
+              <a:defRPr sz="1800" kern="1200">
+                <a:solidFill>
+                  <a:schemeClr val="tx1"/>
+                </a:solidFill>
+                <a:latin typeface="+mn-lt"/>
+                <a:ea typeface="+mn-ea"/>
+                <a:cs typeface="+mn-cs"/>
+              </a:defRPr>
+            </a:lvl9pPr>
+          </a:lstStyle>
           <a:p>
             <a:r>
               <a:rPr lang="en-US" dirty="0"/>
-              <a:t>f(x) = (sin x) ^ 2 + (cos x) ^ 2</a:t>
-            </a:r>
+              <a:t>f:: (a, b) -&gt; c po </a:t>
+            </a:r>
+            <a:r>
+              <a:rPr lang="en-US" dirty="0" err="1"/>
+              <a:t>curryingu</a:t>
+            </a:r>
+            <a:r>
+              <a:rPr lang="en-US" dirty="0"/>
+              <a:t> f:: a -&gt; (b -&gt; c) </a:t>
+            </a:r>
+            <a:r>
+              <a:rPr lang="en-US" dirty="0" err="1"/>
+              <a:t>nebo</a:t>
+            </a:r>
+            <a:r>
+              <a:rPr lang="en-US" dirty="0"/>
+              <a:t>-li f:: a -&gt; b -&gt; c</a:t>
+            </a:r>
+          </a:p>
+          <a:p>
+            <a:r>
+              <a:rPr lang="en-US" dirty="0"/>
+              <a:t>Currying je </a:t>
+            </a:r>
+            <a:r>
+              <a:rPr lang="en-US" dirty="0" err="1"/>
+              <a:t>zabudovan</a:t>
+            </a:r>
+            <a:r>
+              <a:rPr lang="cs-CZ" dirty="0"/>
+              <a:t>ý v GHC</a:t>
+            </a:r>
+            <a:endParaRPr lang="en-US" dirty="0"/>
+          </a:p>
+          <a:p>
+            <a:r>
+              <a:rPr lang="cs-CZ" dirty="0"/>
+              <a:t>Kompozice </a:t>
+            </a:r>
+            <a:r>
+              <a:rPr lang="en-US" dirty="0"/>
+              <a:t>(.):: (b -&gt; c) -&gt; (a -&gt; b) -&gt; a -&gt; c</a:t>
+            </a:r>
+            <a:endParaRPr lang="cs-CZ" dirty="0"/>
+          </a:p>
+          <a:p>
+            <a:r>
+              <a:rPr lang="en-US" dirty="0"/>
+              <a:t>f(g(x)) == (f . g)(x)</a:t>
+            </a:r>
+            <a:endParaRPr lang="cs-CZ" dirty="0"/>
+          </a:p>
+          <a:p>
+            <a:r>
+              <a:rPr lang="cs-CZ" dirty="0"/>
+              <a:t>Pipe operátor je obrácená kompozice</a:t>
+            </a:r>
+          </a:p>
+          <a:p>
+            <a:endParaRPr lang="cs-CZ" dirty="0"/>
+          </a:p>
+          <a:p>
+            <a:endParaRPr lang="en-US" dirty="0"/>
           </a:p>
         </p:txBody>
       </p:sp>
       <p:pic>
         <p:nvPicPr>
-          <p:cNvPr id="15" name="Obrázek 14">
-            <a:extLst>
-              <a:ext uri="{FF2B5EF4-FFF2-40B4-BE49-F238E27FC236}">
-                <a16:creationId xmlns:a16="http://schemas.microsoft.com/office/drawing/2014/main" id="{4DD41E70-3C85-36A4-4CEF-CAA8678F0A62}"/>
+          <p:cNvPr id="6" name="Obrázek 5">
+            <a:extLst>
+              <a:ext uri="{FF2B5EF4-FFF2-40B4-BE49-F238E27FC236}">
+                <a16:creationId xmlns:a16="http://schemas.microsoft.com/office/drawing/2014/main" id="{5B4637AC-DD40-4455-E06A-F792E293D18E}"/>
               </a:ext>
             </a:extLst>
           </p:cNvPr>
@@ -8728,13 +8372,43 @@
         </p:nvPicPr>
         <p:blipFill rotWithShape="1">
           <a:blip r:embed="rId3"/>
-          <a:srcRect r="11080"/>
+          <a:srcRect l="11067" t="26988"/>
           <a:stretch/>
         </p:blipFill>
         <p:spPr>
           <a:xfrm>
-            <a:off x="1961126" y="2486969"/>
-            <a:ext cx="8269748" cy="1884062"/>
+            <a:off x="2855788" y="4458788"/>
+            <a:ext cx="6480424" cy="1461478"/>
+          </a:xfrm>
+          <a:prstGeom prst="rect">
+            <a:avLst/>
+          </a:prstGeom>
+        </p:spPr>
+      </p:pic>
+      <p:pic>
+        <p:nvPicPr>
+          <p:cNvPr id="7" name="Obrázek 6">
+            <a:extLst>
+              <a:ext uri="{FF2B5EF4-FFF2-40B4-BE49-F238E27FC236}">
+                <a16:creationId xmlns:a16="http://schemas.microsoft.com/office/drawing/2014/main" id="{8280BF7F-9337-D64F-CE5D-CA54437DC794}"/>
+              </a:ext>
+            </a:extLst>
+          </p:cNvPr>
+          <p:cNvPicPr>
+            <a:picLocks noChangeAspect="1"/>
+          </p:cNvPicPr>
+          <p:nvPr/>
+        </p:nvPicPr>
+        <p:blipFill>
+          <a:blip r:embed="rId4"/>
+          <a:stretch>
+            <a:fillRect/>
+          </a:stretch>
+        </p:blipFill>
+        <p:spPr>
+          <a:xfrm>
+            <a:off x="3068111" y="5920266"/>
+            <a:ext cx="5829755" cy="824410"/>
           </a:xfrm>
           <a:prstGeom prst="rect">
             <a:avLst/>
@@ -8744,7 +8418,7 @@
     </p:spTree>
     <p:extLst>
       <p:ext uri="{BB962C8B-B14F-4D97-AF65-F5344CB8AC3E}">
-        <p14:creationId xmlns:p14="http://schemas.microsoft.com/office/powerpoint/2010/main" val="2472433421"/>
+        <p14:creationId xmlns:p14="http://schemas.microsoft.com/office/powerpoint/2010/main" val="2418789455"/>
       </p:ext>
     </p:extLst>
   </p:cSld>
@@ -9003,7 +8677,19 @@
             </a:r>
             <a:r>
               <a:rPr lang="cs-CZ" dirty="0"/>
-              <a:t>? Konkurence?</a:t>
+              <a:t>? </a:t>
+            </a:r>
+            <a:r>
+              <a:rPr lang="en-US" dirty="0" err="1"/>
+              <a:t>Soub</a:t>
+            </a:r>
+            <a:r>
+              <a:rPr lang="cs-CZ" dirty="0" err="1"/>
+              <a:t>ěžnost</a:t>
+            </a:r>
+            <a:r>
+              <a:rPr lang="cs-CZ" dirty="0"/>
+              <a:t>?</a:t>
             </a:r>
             <a:endParaRPr lang="en-US" dirty="0"/>
           </a:p>
@@ -9117,7 +8803,7 @@
           <p:cNvPr id="2" name="Nadpis 1">
             <a:extLst>
               <a:ext uri="{FF2B5EF4-FFF2-40B4-BE49-F238E27FC236}">
-                <a16:creationId xmlns:a16="http://schemas.microsoft.com/office/drawing/2014/main" id="{05B09B86-A72A-8656-9D10-A0CFEE7AF3A8}"/>
+                <a16:creationId xmlns:a16="http://schemas.microsoft.com/office/drawing/2014/main" id="{72871456-523C-5989-1888-BF5712E928EB}"/>
               </a:ext>
             </a:extLst>
           </p:cNvPr>
@@ -9134,16 +8820,42 @@
           <a:lstStyle/>
           <a:p>
             <a:r>
-              <a:rPr lang="cs-CZ" dirty="0"/>
-              <a:t>Návrh </a:t>
-            </a:r>
-            <a:r>
-              <a:rPr lang="cs-CZ" dirty="0" err="1"/>
-              <a:t>tacitního</a:t>
-            </a:r>
-            <a:r>
-              <a:rPr lang="cs-CZ" dirty="0"/>
-              <a:t> DSL</a:t>
+              <a:rPr lang="cs-CZ" dirty="0" err="1"/>
+              <a:t>Parser</a:t>
+            </a:r>
+            <a:endParaRPr lang="en-US" dirty="0"/>
+          </a:p>
+        </p:txBody>
+      </p:sp>
+      <p:sp>
+        <p:nvSpPr>
+          <p:cNvPr id="3" name="Zástupný obsah 2">
+            <a:extLst>
+              <a:ext uri="{FF2B5EF4-FFF2-40B4-BE49-F238E27FC236}">
+                <a16:creationId xmlns:a16="http://schemas.microsoft.com/office/drawing/2014/main" id="{50F1234B-913E-DD3F-DF4A-84FA51EA54B9}"/>
+              </a:ext>
+            </a:extLst>
+          </p:cNvPr>
+          <p:cNvSpPr>
+            <a:spLocks noGrp="1"/>
+          </p:cNvSpPr>
+          <p:nvPr>
+            <p:ph idx="1"/>
+          </p:nvPr>
+        </p:nvSpPr>
+        <p:spPr>
+          <a:xfrm>
+            <a:off x="838200" y="1456293"/>
+            <a:ext cx="10515600" cy="4351338"/>
+          </a:xfrm>
+        </p:spPr>
+        <p:txBody>
+          <a:bodyPr/>
+          <a:lstStyle/>
+          <a:p>
+            <a:r>
+              <a:rPr lang="cs-CZ" dirty="0" err="1"/>
+              <a:t>Parsec</a:t>
             </a:r>
             <a:endParaRPr lang="en-US" dirty="0"/>
           </a:p>
@@ -9151,10 +8863,10 @@
       </p:sp>
       <p:pic>
         <p:nvPicPr>
-          <p:cNvPr id="11" name="Obrázek 10">
-            <a:extLst>
-              <a:ext uri="{FF2B5EF4-FFF2-40B4-BE49-F238E27FC236}">
-                <a16:creationId xmlns:a16="http://schemas.microsoft.com/office/drawing/2014/main" id="{50904227-6DB9-DF7D-96D7-8ADED5E6A03A}"/>
+          <p:cNvPr id="5" name="Obrázek 4">
+            <a:extLst>
+              <a:ext uri="{FF2B5EF4-FFF2-40B4-BE49-F238E27FC236}">
+                <a16:creationId xmlns:a16="http://schemas.microsoft.com/office/drawing/2014/main" id="{2EF2E4E9-E22D-C995-453A-687D89608FDE}"/>
               </a:ext>
             </a:extLst>
           </p:cNvPr>
@@ -9171,47 +8883,56 @@
         </p:blipFill>
         <p:spPr>
           <a:xfrm>
-            <a:off x="2278183" y="2048246"/>
-            <a:ext cx="7635632" cy="1159842"/>
+            <a:off x="1323309" y="2008554"/>
+            <a:ext cx="9545382" cy="3712308"/>
           </a:xfrm>
           <a:prstGeom prst="rect">
             <a:avLst/>
           </a:prstGeom>
         </p:spPr>
       </p:pic>
-      <p:pic>
-        <p:nvPicPr>
-          <p:cNvPr id="12" name="Zástupný obsah 4">
-            <a:extLst>
-              <a:ext uri="{FF2B5EF4-FFF2-40B4-BE49-F238E27FC236}">
-                <a16:creationId xmlns:a16="http://schemas.microsoft.com/office/drawing/2014/main" id="{2CAB35B6-EC89-B51A-2B79-0AAA2E534B00}"/>
-              </a:ext>
-            </a:extLst>
-          </p:cNvPr>
-          <p:cNvPicPr>
-            <a:picLocks noGrp="1" noChangeAspect="1"/>
-          </p:cNvPicPr>
-          <p:nvPr>
-            <p:ph idx="1"/>
-          </p:nvPr>
-        </p:nvPicPr>
-        <p:blipFill>
-          <a:blip r:embed="rId4"/>
-          <a:stretch>
-            <a:fillRect/>
-          </a:stretch>
-        </p:blipFill>
+      <p:sp>
+        <p:nvSpPr>
+          <p:cNvPr id="6" name="TextovéPole 5">
+            <a:extLst>
+              <a:ext uri="{FF2B5EF4-FFF2-40B4-BE49-F238E27FC236}">
+                <a16:creationId xmlns:a16="http://schemas.microsoft.com/office/drawing/2014/main" id="{B5BEA7AC-E75C-CF81-655F-12B486A1A82F}"/>
+              </a:ext>
+            </a:extLst>
+          </p:cNvPr>
+          <p:cNvSpPr txBox="1"/>
+          <p:nvPr/>
+        </p:nvSpPr>
         <p:spPr>
           <a:xfrm>
-            <a:off x="1985388" y="4229833"/>
-            <a:ext cx="8221222" cy="1743318"/>
+            <a:off x="3795178" y="5807631"/>
+            <a:ext cx="4601644" cy="369332"/>
           </a:xfrm>
+          <a:prstGeom prst="rect">
+            <a:avLst/>
+          </a:prstGeom>
+          <a:noFill/>
         </p:spPr>
-      </p:pic>
+        <p:txBody>
+          <a:bodyPr wrap="none" rtlCol="0">
+            <a:spAutoFit/>
+          </a:bodyPr>
+          <a:lstStyle/>
+          <a:p>
+            <a:r>
+              <a:rPr lang="en-US" dirty="0">
+                <a:hlinkClick r:id="rId4"/>
+              </a:rPr>
+              <a:t>Chapter 16. Using Parsec (realworldhaskell.org)</a:t>
+            </a:r>
+            <a:endParaRPr lang="en-US" dirty="0"/>
+          </a:p>
+        </p:txBody>
+      </p:sp>
     </p:spTree>
     <p:extLst>
       <p:ext uri="{BB962C8B-B14F-4D97-AF65-F5344CB8AC3E}">
-        <p14:creationId xmlns:p14="http://schemas.microsoft.com/office/powerpoint/2010/main" val="3849756529"/>
+        <p14:creationId xmlns:p14="http://schemas.microsoft.com/office/powerpoint/2010/main" val="3761655728"/>
       </p:ext>
     </p:extLst>
   </p:cSld>

--- a/TacitProgramming.pptx
+++ b/TacitProgramming.pptx
@@ -8827,40 +8827,6 @@
           </a:p>
         </p:txBody>
       </p:sp>
-      <p:sp>
-        <p:nvSpPr>
-          <p:cNvPr id="3" name="Zástupný obsah 2">
-            <a:extLst>
-              <a:ext uri="{FF2B5EF4-FFF2-40B4-BE49-F238E27FC236}">
-                <a16:creationId xmlns:a16="http://schemas.microsoft.com/office/drawing/2014/main" id="{50F1234B-913E-DD3F-DF4A-84FA51EA54B9}"/>
-              </a:ext>
-            </a:extLst>
-          </p:cNvPr>
-          <p:cNvSpPr>
-            <a:spLocks noGrp="1"/>
-          </p:cNvSpPr>
-          <p:nvPr>
-            <p:ph idx="1"/>
-          </p:nvPr>
-        </p:nvSpPr>
-        <p:spPr>
-          <a:xfrm>
-            <a:off x="838200" y="1456293"/>
-            <a:ext cx="10515600" cy="4351338"/>
-          </a:xfrm>
-        </p:spPr>
-        <p:txBody>
-          <a:bodyPr/>
-          <a:lstStyle/>
-          <a:p>
-            <a:r>
-              <a:rPr lang="cs-CZ" dirty="0" err="1"/>
-              <a:t>Parsec</a:t>
-            </a:r>
-            <a:endParaRPr lang="en-US" dirty="0"/>
-          </a:p>
-        </p:txBody>
-      </p:sp>
       <p:pic>
         <p:nvPicPr>
           <p:cNvPr id="5" name="Obrázek 4">
@@ -8883,8 +8849,8 @@
         </p:blipFill>
         <p:spPr>
           <a:xfrm>
-            <a:off x="1323309" y="2008554"/>
-            <a:ext cx="9545382" cy="3712308"/>
+            <a:off x="1323309" y="1690688"/>
+            <a:ext cx="9545382" cy="4030174"/>
           </a:xfrm>
           <a:prstGeom prst="rect">
             <a:avLst/>
